--- a/Clases/02 - Merge Sort & Dividir para Conquistar/03 - Merge Sort & Dividir para Conquistar.pptx
+++ b/Clases/02 - Merge Sort & Dividir para Conquistar/03 - Merge Sort & Dividir para Conquistar.pptx
@@ -258,7 +258,7 @@
           <a:p>
             <a:fld id="{242EA4D4-5AB3-4973-9867-C1E2F64F03F4}" type="datetimeFigureOut">
               <a:rPr lang="es-CL" smtClean="0"/>
-              <a:t>24-08-20</a:t>
+              <a:t>24-08-2020</a:t>
             </a:fld>
             <a:endParaRPr lang="es-CL"/>
           </a:p>
@@ -2759,7 +2759,7 @@
       </a:lvl9pPr>
     </p:otherStyle>
   </p:txStyles>
-  <p:extLst mod="1">
+  <p:extLst>
     <p:ext uri="{27BBF7A9-308A-43DC-89C8-2F10F3537804}">
       <p15:sldGuideLst xmlns:p15="http://schemas.microsoft.com/office/powerpoint/2012/main"/>
     </p:ext>
@@ -10252,7 +10252,7 @@
           </a:ln>
           <a:extLst>
             <a:ext uri="{909E8E84-426E-40dd-AFC4-6F175D3DCCD1}">
-              <a14:hiddenFill xmlns="" xmlns:a14="http://schemas.microsoft.com/office/drawing/2010/main">
+              <a14:hiddenFill xmlns:a14="http://schemas.microsoft.com/office/drawing/2010/main" xmlns="">
                 <a:noFill/>
               </a14:hiddenFill>
             </a:ext>
@@ -10299,7 +10299,7 @@
           </a:ln>
           <a:extLst>
             <a:ext uri="{909E8E84-426E-40dd-AFC4-6F175D3DCCD1}">
-              <a14:hiddenFill xmlns="" xmlns:a14="http://schemas.microsoft.com/office/drawing/2010/main">
+              <a14:hiddenFill xmlns:a14="http://schemas.microsoft.com/office/drawing/2010/main" xmlns="">
                 <a:noFill/>
               </a14:hiddenFill>
             </a:ext>
@@ -10346,7 +10346,7 @@
           </a:ln>
           <a:extLst>
             <a:ext uri="{909E8E84-426E-40dd-AFC4-6F175D3DCCD1}">
-              <a14:hiddenFill xmlns="" xmlns:a14="http://schemas.microsoft.com/office/drawing/2010/main">
+              <a14:hiddenFill xmlns:a14="http://schemas.microsoft.com/office/drawing/2010/main" xmlns="">
                 <a:noFill/>
               </a14:hiddenFill>
             </a:ext>
@@ -10393,7 +10393,7 @@
           </a:ln>
           <a:extLst>
             <a:ext uri="{909E8E84-426E-40dd-AFC4-6F175D3DCCD1}">
-              <a14:hiddenFill xmlns="" xmlns:a14="http://schemas.microsoft.com/office/drawing/2010/main">
+              <a14:hiddenFill xmlns:a14="http://schemas.microsoft.com/office/drawing/2010/main" xmlns="">
                 <a:noFill/>
               </a14:hiddenFill>
             </a:ext>
@@ -10440,7 +10440,7 @@
           </a:ln>
           <a:extLst>
             <a:ext uri="{909E8E84-426E-40dd-AFC4-6F175D3DCCD1}">
-              <a14:hiddenFill xmlns="" xmlns:a14="http://schemas.microsoft.com/office/drawing/2010/main">
+              <a14:hiddenFill xmlns:a14="http://schemas.microsoft.com/office/drawing/2010/main" xmlns="">
                 <a:noFill/>
               </a14:hiddenFill>
             </a:ext>
@@ -10487,7 +10487,7 @@
           </a:ln>
           <a:extLst>
             <a:ext uri="{909E8E84-426E-40dd-AFC4-6F175D3DCCD1}">
-              <a14:hiddenFill xmlns="" xmlns:a14="http://schemas.microsoft.com/office/drawing/2010/main">
+              <a14:hiddenFill xmlns:a14="http://schemas.microsoft.com/office/drawing/2010/main" xmlns="">
                 <a:noFill/>
               </a14:hiddenFill>
             </a:ext>
@@ -10534,7 +10534,7 @@
           </a:ln>
           <a:extLst>
             <a:ext uri="{909E8E84-426E-40dd-AFC4-6F175D3DCCD1}">
-              <a14:hiddenFill xmlns="" xmlns:a14="http://schemas.microsoft.com/office/drawing/2010/main">
+              <a14:hiddenFill xmlns:a14="http://schemas.microsoft.com/office/drawing/2010/main" xmlns="">
                 <a:noFill/>
               </a14:hiddenFill>
             </a:ext>
@@ -10581,7 +10581,7 @@
           </a:ln>
           <a:extLst>
             <a:ext uri="{909E8E84-426E-40dd-AFC4-6F175D3DCCD1}">
-              <a14:hiddenFill xmlns="" xmlns:a14="http://schemas.microsoft.com/office/drawing/2010/main">
+              <a14:hiddenFill xmlns:a14="http://schemas.microsoft.com/office/drawing/2010/main" xmlns="">
                 <a:noFill/>
               </a14:hiddenFill>
             </a:ext>
@@ -10628,7 +10628,7 @@
           </a:ln>
           <a:extLst>
             <a:ext uri="{909E8E84-426E-40dd-AFC4-6F175D3DCCD1}">
-              <a14:hiddenFill xmlns="" xmlns:a14="http://schemas.microsoft.com/office/drawing/2010/main">
+              <a14:hiddenFill xmlns:a14="http://schemas.microsoft.com/office/drawing/2010/main" xmlns="">
                 <a:noFill/>
               </a14:hiddenFill>
             </a:ext>
@@ -10675,7 +10675,7 @@
           </a:ln>
           <a:extLst>
             <a:ext uri="{909E8E84-426E-40dd-AFC4-6F175D3DCCD1}">
-              <a14:hiddenFill xmlns="" xmlns:a14="http://schemas.microsoft.com/office/drawing/2010/main">
+              <a14:hiddenFill xmlns:a14="http://schemas.microsoft.com/office/drawing/2010/main" xmlns="">
                 <a:noFill/>
               </a14:hiddenFill>
             </a:ext>
@@ -10722,7 +10722,7 @@
           </a:ln>
           <a:extLst>
             <a:ext uri="{909E8E84-426E-40dd-AFC4-6F175D3DCCD1}">
-              <a14:hiddenFill xmlns="" xmlns:a14="http://schemas.microsoft.com/office/drawing/2010/main">
+              <a14:hiddenFill xmlns:a14="http://schemas.microsoft.com/office/drawing/2010/main" xmlns="">
                 <a:noFill/>
               </a14:hiddenFill>
             </a:ext>
@@ -10769,7 +10769,7 @@
           </a:ln>
           <a:extLst>
             <a:ext uri="{909E8E84-426E-40dd-AFC4-6F175D3DCCD1}">
-              <a14:hiddenFill xmlns="" xmlns:a14="http://schemas.microsoft.com/office/drawing/2010/main">
+              <a14:hiddenFill xmlns:a14="http://schemas.microsoft.com/office/drawing/2010/main" xmlns="">
                 <a:noFill/>
               </a14:hiddenFill>
             </a:ext>
@@ -10816,7 +10816,7 @@
           </a:ln>
           <a:extLst>
             <a:ext uri="{909E8E84-426E-40dd-AFC4-6F175D3DCCD1}">
-              <a14:hiddenFill xmlns="" xmlns:a14="http://schemas.microsoft.com/office/drawing/2010/main">
+              <a14:hiddenFill xmlns:a14="http://schemas.microsoft.com/office/drawing/2010/main" xmlns="">
                 <a:noFill/>
               </a14:hiddenFill>
             </a:ext>
@@ -10863,7 +10863,7 @@
           </a:ln>
           <a:extLst>
             <a:ext uri="{909E8E84-426E-40dd-AFC4-6F175D3DCCD1}">
-              <a14:hiddenFill xmlns="" xmlns:a14="http://schemas.microsoft.com/office/drawing/2010/main">
+              <a14:hiddenFill xmlns:a14="http://schemas.microsoft.com/office/drawing/2010/main" xmlns="">
                 <a:noFill/>
               </a14:hiddenFill>
             </a:ext>
@@ -10910,7 +10910,7 @@
           </a:ln>
           <a:extLst>
             <a:ext uri="{909E8E84-426E-40dd-AFC4-6F175D3DCCD1}">
-              <a14:hiddenFill xmlns="" xmlns:a14="http://schemas.microsoft.com/office/drawing/2010/main">
+              <a14:hiddenFill xmlns:a14="http://schemas.microsoft.com/office/drawing/2010/main" xmlns="">
                 <a:noFill/>
               </a14:hiddenFill>
             </a:ext>
@@ -10957,7 +10957,7 @@
           </a:ln>
           <a:extLst>
             <a:ext uri="{909E8E84-426E-40dd-AFC4-6F175D3DCCD1}">
-              <a14:hiddenFill xmlns="" xmlns:a14="http://schemas.microsoft.com/office/drawing/2010/main">
+              <a14:hiddenFill xmlns:a14="http://schemas.microsoft.com/office/drawing/2010/main" xmlns="">
                 <a:noFill/>
               </a14:hiddenFill>
             </a:ext>
@@ -11004,7 +11004,7 @@
           </a:ln>
           <a:extLst>
             <a:ext uri="{909E8E84-426E-40dd-AFC4-6F175D3DCCD1}">
-              <a14:hiddenFill xmlns="" xmlns:a14="http://schemas.microsoft.com/office/drawing/2010/main">
+              <a14:hiddenFill xmlns:a14="http://schemas.microsoft.com/office/drawing/2010/main" xmlns="">
                 <a:noFill/>
               </a14:hiddenFill>
             </a:ext>
@@ -11051,7 +11051,7 @@
           </a:ln>
           <a:extLst>
             <a:ext uri="{909E8E84-426E-40dd-AFC4-6F175D3DCCD1}">
-              <a14:hiddenFill xmlns="" xmlns:a14="http://schemas.microsoft.com/office/drawing/2010/main">
+              <a14:hiddenFill xmlns:a14="http://schemas.microsoft.com/office/drawing/2010/main" xmlns="">
                 <a:noFill/>
               </a14:hiddenFill>
             </a:ext>
@@ -11098,7 +11098,7 @@
           </a:ln>
           <a:extLst>
             <a:ext uri="{909E8E84-426E-40dd-AFC4-6F175D3DCCD1}">
-              <a14:hiddenFill xmlns="" xmlns:a14="http://schemas.microsoft.com/office/drawing/2010/main">
+              <a14:hiddenFill xmlns:a14="http://schemas.microsoft.com/office/drawing/2010/main" xmlns="">
                 <a:noFill/>
               </a14:hiddenFill>
             </a:ext>
@@ -11145,7 +11145,7 @@
           </a:ln>
           <a:extLst>
             <a:ext uri="{909E8E84-426E-40dd-AFC4-6F175D3DCCD1}">
-              <a14:hiddenFill xmlns="" xmlns:a14="http://schemas.microsoft.com/office/drawing/2010/main">
+              <a14:hiddenFill xmlns:a14="http://schemas.microsoft.com/office/drawing/2010/main" xmlns="">
                 <a:noFill/>
               </a14:hiddenFill>
             </a:ext>
@@ -11192,7 +11192,7 @@
           </a:ln>
           <a:extLst>
             <a:ext uri="{909E8E84-426E-40dd-AFC4-6F175D3DCCD1}">
-              <a14:hiddenFill xmlns="" xmlns:a14="http://schemas.microsoft.com/office/drawing/2010/main">
+              <a14:hiddenFill xmlns:a14="http://schemas.microsoft.com/office/drawing/2010/main" xmlns="">
                 <a:noFill/>
               </a14:hiddenFill>
             </a:ext>
@@ -11239,7 +11239,7 @@
           </a:ln>
           <a:extLst>
             <a:ext uri="{909E8E84-426E-40dd-AFC4-6F175D3DCCD1}">
-              <a14:hiddenFill xmlns="" xmlns:a14="http://schemas.microsoft.com/office/drawing/2010/main">
+              <a14:hiddenFill xmlns:a14="http://schemas.microsoft.com/office/drawing/2010/main" xmlns="">
                 <a:noFill/>
               </a14:hiddenFill>
             </a:ext>
@@ -11286,7 +11286,7 @@
           </a:ln>
           <a:extLst>
             <a:ext uri="{909E8E84-426E-40dd-AFC4-6F175D3DCCD1}">
-              <a14:hiddenFill xmlns="" xmlns:a14="http://schemas.microsoft.com/office/drawing/2010/main">
+              <a14:hiddenFill xmlns:a14="http://schemas.microsoft.com/office/drawing/2010/main" xmlns="">
                 <a:noFill/>
               </a14:hiddenFill>
             </a:ext>
@@ -11333,7 +11333,7 @@
           </a:ln>
           <a:extLst>
             <a:ext uri="{909E8E84-426E-40dd-AFC4-6F175D3DCCD1}">
-              <a14:hiddenFill xmlns="" xmlns:a14="http://schemas.microsoft.com/office/drawing/2010/main">
+              <a14:hiddenFill xmlns:a14="http://schemas.microsoft.com/office/drawing/2010/main" xmlns="">
                 <a:noFill/>
               </a14:hiddenFill>
             </a:ext>
@@ -11380,7 +11380,7 @@
           </a:ln>
           <a:extLst>
             <a:ext uri="{909E8E84-426E-40dd-AFC4-6F175D3DCCD1}">
-              <a14:hiddenFill xmlns="" xmlns:a14="http://schemas.microsoft.com/office/drawing/2010/main">
+              <a14:hiddenFill xmlns:a14="http://schemas.microsoft.com/office/drawing/2010/main" xmlns="">
                 <a:noFill/>
               </a14:hiddenFill>
             </a:ext>
@@ -11427,7 +11427,7 @@
           </a:ln>
           <a:extLst>
             <a:ext uri="{909E8E84-426E-40dd-AFC4-6F175D3DCCD1}">
-              <a14:hiddenFill xmlns="" xmlns:a14="http://schemas.microsoft.com/office/drawing/2010/main">
+              <a14:hiddenFill xmlns:a14="http://schemas.microsoft.com/office/drawing/2010/main" xmlns="">
                 <a:noFill/>
               </a14:hiddenFill>
             </a:ext>
@@ -11474,7 +11474,7 @@
           </a:ln>
           <a:extLst>
             <a:ext uri="{909E8E84-426E-40dd-AFC4-6F175D3DCCD1}">
-              <a14:hiddenFill xmlns="" xmlns:a14="http://schemas.microsoft.com/office/drawing/2010/main">
+              <a14:hiddenFill xmlns:a14="http://schemas.microsoft.com/office/drawing/2010/main" xmlns="">
                 <a:noFill/>
               </a14:hiddenFill>
             </a:ext>
@@ -12385,7 +12385,7 @@
           </a:ln>
           <a:extLst>
             <a:ext uri="{909E8E84-426E-40dd-AFC4-6F175D3DCCD1}">
-              <a14:hiddenFill xmlns="" xmlns:a14="http://schemas.microsoft.com/office/drawing/2010/main">
+              <a14:hiddenFill xmlns:a14="http://schemas.microsoft.com/office/drawing/2010/main" xmlns="">
                 <a:noFill/>
               </a14:hiddenFill>
             </a:ext>
@@ -12432,7 +12432,7 @@
           </a:ln>
           <a:extLst>
             <a:ext uri="{909E8E84-426E-40dd-AFC4-6F175D3DCCD1}">
-              <a14:hiddenFill xmlns="" xmlns:a14="http://schemas.microsoft.com/office/drawing/2010/main">
+              <a14:hiddenFill xmlns:a14="http://schemas.microsoft.com/office/drawing/2010/main" xmlns="">
                 <a:noFill/>
               </a14:hiddenFill>
             </a:ext>
@@ -12479,7 +12479,7 @@
           </a:ln>
           <a:extLst>
             <a:ext uri="{909E8E84-426E-40dd-AFC4-6F175D3DCCD1}">
-              <a14:hiddenFill xmlns="" xmlns:a14="http://schemas.microsoft.com/office/drawing/2010/main">
+              <a14:hiddenFill xmlns:a14="http://schemas.microsoft.com/office/drawing/2010/main" xmlns="">
                 <a:noFill/>
               </a14:hiddenFill>
             </a:ext>
@@ -12526,7 +12526,7 @@
           </a:ln>
           <a:extLst>
             <a:ext uri="{909E8E84-426E-40dd-AFC4-6F175D3DCCD1}">
-              <a14:hiddenFill xmlns="" xmlns:a14="http://schemas.microsoft.com/office/drawing/2010/main">
+              <a14:hiddenFill xmlns:a14="http://schemas.microsoft.com/office/drawing/2010/main" xmlns="">
                 <a:noFill/>
               </a14:hiddenFill>
             </a:ext>
@@ -12573,7 +12573,7 @@
           </a:ln>
           <a:extLst>
             <a:ext uri="{909E8E84-426E-40dd-AFC4-6F175D3DCCD1}">
-              <a14:hiddenFill xmlns="" xmlns:a14="http://schemas.microsoft.com/office/drawing/2010/main">
+              <a14:hiddenFill xmlns:a14="http://schemas.microsoft.com/office/drawing/2010/main" xmlns="">
                 <a:noFill/>
               </a14:hiddenFill>
             </a:ext>
@@ -12620,7 +12620,7 @@
           </a:ln>
           <a:extLst>
             <a:ext uri="{909E8E84-426E-40dd-AFC4-6F175D3DCCD1}">
-              <a14:hiddenFill xmlns="" xmlns:a14="http://schemas.microsoft.com/office/drawing/2010/main">
+              <a14:hiddenFill xmlns:a14="http://schemas.microsoft.com/office/drawing/2010/main" xmlns="">
                 <a:noFill/>
               </a14:hiddenFill>
             </a:ext>
@@ -12667,7 +12667,7 @@
           </a:ln>
           <a:extLst>
             <a:ext uri="{909E8E84-426E-40dd-AFC4-6F175D3DCCD1}">
-              <a14:hiddenFill xmlns="" xmlns:a14="http://schemas.microsoft.com/office/drawing/2010/main">
+              <a14:hiddenFill xmlns:a14="http://schemas.microsoft.com/office/drawing/2010/main" xmlns="">
                 <a:noFill/>
               </a14:hiddenFill>
             </a:ext>
@@ -13578,7 +13578,7 @@
           </a:ln>
           <a:extLst>
             <a:ext uri="{909E8E84-426E-40dd-AFC4-6F175D3DCCD1}">
-              <a14:hiddenFill xmlns="" xmlns:a14="http://schemas.microsoft.com/office/drawing/2010/main">
+              <a14:hiddenFill xmlns:a14="http://schemas.microsoft.com/office/drawing/2010/main" xmlns="">
                 <a:noFill/>
               </a14:hiddenFill>
             </a:ext>
@@ -13625,7 +13625,7 @@
           </a:ln>
           <a:extLst>
             <a:ext uri="{909E8E84-426E-40dd-AFC4-6F175D3DCCD1}">
-              <a14:hiddenFill xmlns="" xmlns:a14="http://schemas.microsoft.com/office/drawing/2010/main">
+              <a14:hiddenFill xmlns:a14="http://schemas.microsoft.com/office/drawing/2010/main" xmlns="">
                 <a:noFill/>
               </a14:hiddenFill>
             </a:ext>
@@ -13672,7 +13672,7 @@
           </a:ln>
           <a:extLst>
             <a:ext uri="{909E8E84-426E-40dd-AFC4-6F175D3DCCD1}">
-              <a14:hiddenFill xmlns="" xmlns:a14="http://schemas.microsoft.com/office/drawing/2010/main">
+              <a14:hiddenFill xmlns:a14="http://schemas.microsoft.com/office/drawing/2010/main" xmlns="">
                 <a:noFill/>
               </a14:hiddenFill>
             </a:ext>
@@ -14271,11 +14271,11 @@
               <a:defRPr/>
             </a:pPr>
             <a:r>
-              <a:rPr lang="en-US" sz="2000">
+              <a:rPr lang="en-US" sz="2000" dirty="0">
                 <a:ea typeface="ＭＳ Ｐゴシック" charset="-128"/>
                 <a:cs typeface="ＭＳ Ｐゴシック" charset="-128"/>
               </a:rPr>
-              <a:t>47</a:t>
+              <a:t>37</a:t>
             </a:r>
           </a:p>
         </p:txBody>
@@ -14325,11 +14325,11 @@
               <a:defRPr/>
             </a:pPr>
             <a:r>
-              <a:rPr lang="en-US" sz="2000">
+              <a:rPr lang="en-US" sz="2000" dirty="0">
                 <a:ea typeface="ＭＳ Ｐゴシック" charset="-128"/>
                 <a:cs typeface="ＭＳ Ｐゴシック" charset="-128"/>
               </a:rPr>
-              <a:t>37</a:t>
+              <a:t>47</a:t>
             </a:r>
           </a:p>
         </p:txBody>
@@ -14583,7 +14583,7 @@
           </a:ln>
           <a:extLst>
             <a:ext uri="{909E8E84-426E-40dd-AFC4-6F175D3DCCD1}">
-              <a14:hiddenFill xmlns="" xmlns:a14="http://schemas.microsoft.com/office/drawing/2010/main">
+              <a14:hiddenFill xmlns:a14="http://schemas.microsoft.com/office/drawing/2010/main" xmlns="">
                 <a:noFill/>
               </a14:hiddenFill>
             </a:ext>
@@ -15497,7 +15497,7 @@
           </a:ln>
           <a:extLst>
             <a:ext uri="{909E8E84-426E-40dd-AFC4-6F175D3DCCD1}">
-              <a14:hiddenFill xmlns="" xmlns:a14="http://schemas.microsoft.com/office/drawing/2010/main">
+              <a14:hiddenFill xmlns:a14="http://schemas.microsoft.com/office/drawing/2010/main" xmlns="">
                 <a:solidFill>
                   <a:srgbClr val="FFFFFF"/>
                 </a:solidFill>
@@ -15549,7 +15549,7 @@
           </a:ln>
           <a:extLst>
             <a:ext uri="{909E8E84-426E-40dd-AFC4-6F175D3DCCD1}">
-              <a14:hiddenFill xmlns="" xmlns:a14="http://schemas.microsoft.com/office/drawing/2010/main">
+              <a14:hiddenFill xmlns:a14="http://schemas.microsoft.com/office/drawing/2010/main" xmlns="">
                 <a:solidFill>
                   <a:srgbClr val="FFFFFF"/>
                 </a:solidFill>
@@ -15595,7 +15595,7 @@
           </a:ln>
           <a:extLst>
             <a:ext uri="{91240B29-F687-4f45-9708-019B960494DF}">
-              <a14:hiddenLine xmlns="" xmlns:a14="http://schemas.microsoft.com/office/drawing/2010/main" w="9525">
+              <a14:hiddenLine xmlns:a14="http://schemas.microsoft.com/office/drawing/2010/main" xmlns="" w="9525">
                 <a:solidFill>
                   <a:srgbClr val="000000"/>
                 </a:solidFill>
@@ -15756,7 +15756,7 @@
           </a:ln>
           <a:extLst>
             <a:ext uri="{91240B29-F687-4f45-9708-019B960494DF}">
-              <a14:hiddenLine xmlns="" xmlns:a14="http://schemas.microsoft.com/office/drawing/2010/main" w="9525">
+              <a14:hiddenLine xmlns:a14="http://schemas.microsoft.com/office/drawing/2010/main" xmlns="" w="9525">
                 <a:solidFill>
                   <a:srgbClr val="000000"/>
                 </a:solidFill>

--- a/Clases/02 - Merge Sort & Dividir para Conquistar/03 - Merge Sort & Dividir para Conquistar.pptx
+++ b/Clases/02 - Merge Sort & Dividir para Conquistar/03 - Merge Sort & Dividir para Conquistar.pptx
@@ -5,7 +5,7 @@
     <p:sldMasterId id="2147484134" r:id="rId1"/>
   </p:sldMasterIdLst>
   <p:notesMasterIdLst>
-    <p:notesMasterId r:id="rId22"/>
+    <p:notesMasterId r:id="rId23"/>
   </p:notesMasterIdLst>
   <p:sldIdLst>
     <p:sldId id="285" r:id="rId2"/>
@@ -26,8 +26,9 @@
     <p:sldId id="293" r:id="rId17"/>
     <p:sldId id="294" r:id="rId18"/>
     <p:sldId id="295" r:id="rId19"/>
-    <p:sldId id="289" r:id="rId20"/>
-    <p:sldId id="292" r:id="rId21"/>
+    <p:sldId id="298" r:id="rId20"/>
+    <p:sldId id="289" r:id="rId21"/>
+    <p:sldId id="292" r:id="rId22"/>
   </p:sldIdLst>
   <p:sldSz cx="9144000" cy="6858000" type="screen4x3"/>
   <p:notesSz cx="6858000" cy="9144000"/>
@@ -149,6 +150,7 @@
             <p14:sldId id="293"/>
             <p14:sldId id="294"/>
             <p14:sldId id="295"/>
+            <p14:sldId id="298"/>
             <p14:sldId id="289"/>
             <p14:sldId id="292"/>
           </p14:sldIdLst>
@@ -258,7 +260,7 @@
           <a:p>
             <a:fld id="{242EA4D4-5AB3-4973-9867-C1E2F64F03F4}" type="datetimeFigureOut">
               <a:rPr lang="es-CL" smtClean="0"/>
-              <a:t>24-08-2020</a:t>
+              <a:t>31-08-20</a:t>
             </a:fld>
             <a:endParaRPr lang="es-CL"/>
           </a:p>
@@ -2759,7 +2761,7 @@
       </a:lvl9pPr>
     </p:otherStyle>
   </p:txStyles>
-  <p:extLst>
+  <p:extLst mod="1">
     <p:ext uri="{27BBF7A9-308A-43DC-89C8-2F10F3537804}">
       <p15:sldGuideLst xmlns:p15="http://schemas.microsoft.com/office/powerpoint/2012/main"/>
     </p:ext>
@@ -2995,7 +2997,7 @@
           <a:p>
             <a:r>
               <a:rPr lang="es-CL" sz="4000"/>
-              <a:t>Corrección (por inducción</a:t>
+              <a:t>Corrección ( por inducción</a:t>
             </a:r>
             <a:br>
               <a:rPr lang="es-CL" sz="4000"/>
@@ -3010,7 +3012,7 @@
             </a:r>
             <a:r>
               <a:rPr lang="es-CL" sz="4000"/>
-              <a:t>)</a:t>
+              <a:t> )</a:t>
             </a:r>
             <a:endParaRPr lang="es-CL" sz="4000" dirty="0"/>
           </a:p>
@@ -5559,7 +5561,12 @@
             <p:ph idx="1"/>
           </p:nvPr>
         </p:nvSpPr>
-        <p:spPr/>
+        <p:spPr>
+          <a:xfrm>
+            <a:off x="251461" y="1613647"/>
+            <a:ext cx="8641076" cy="4483994"/>
+          </a:xfrm>
+        </p:spPr>
         <p:txBody>
           <a:bodyPr anchor="ctr">
             <a:normAutofit/>
@@ -5595,13 +5602,27 @@
                 <a:spcPct val="100000"/>
               </a:lnSpc>
             </a:pPr>
-            <a:endParaRPr lang="es-CL" dirty="0"/>
+            <a:r>
+              <a:rPr lang="es-CL" sz="2000" dirty="0"/>
+              <a:t>( recordemos: </a:t>
+            </a:r>
+            <a:r>
+              <a:rPr lang="es-CL" sz="2000" i="1" dirty="0"/>
+              <a:t>merge</a:t>
+            </a:r>
+            <a:r>
+              <a:rPr lang="es-CL" sz="2000" dirty="0"/>
+              <a:t> necesita partir de dos (sub)secuencias ya ordenadas )</a:t>
+            </a:r>
           </a:p>
           <a:p>
             <a:pPr marL="0" indent="0">
               <a:lnSpc>
                 <a:spcPct val="100000"/>
               </a:lnSpc>
+              <a:spcBef>
+                <a:spcPts val="2400"/>
+              </a:spcBef>
               <a:buNone/>
             </a:pPr>
             <a:r>
@@ -5615,18 +5636,32 @@
                 <a:spcPct val="100000"/>
               </a:lnSpc>
             </a:pPr>
-            <a:endParaRPr lang="es-CL" dirty="0"/>
+            <a:r>
+              <a:rPr lang="es-CL" sz="2000" dirty="0"/>
+              <a:t>( p.ej., la mitad izquierda y la mitad derecha de la secuencia arbitraria )</a:t>
+            </a:r>
           </a:p>
           <a:p>
             <a:pPr marL="0" indent="0">
               <a:lnSpc>
                 <a:spcPct val="100000"/>
               </a:lnSpc>
+              <a:spcBef>
+                <a:spcPts val="2400"/>
+              </a:spcBef>
               <a:buNone/>
             </a:pPr>
             <a:r>
               <a:rPr lang="es-CL" dirty="0"/>
-              <a:t>… entonces luego podemos combinarlas, ordenando así la secuencia completa</a:t>
+              <a:t>… entonces luego podemos combinarlas usando </a:t>
+            </a:r>
+            <a:r>
+              <a:rPr lang="es-CL" i="1" dirty="0"/>
+              <a:t>merge</a:t>
+            </a:r>
+            <a:r>
+              <a:rPr lang="es-CL" dirty="0"/>
+              <a:t>, ordenando así la secuencia completa</a:t>
             </a:r>
           </a:p>
         </p:txBody>
@@ -5741,7 +5776,7 @@
                 </a:r>
               </a:p>
               <a:p>
-                <a:pPr marL="514350" indent="-514350">
+                <a:pPr marL="460375" indent="-460375">
                   <a:lnSpc>
                     <a:spcPct val="100000"/>
                   </a:lnSpc>
@@ -5767,11 +5802,25 @@
                 </a14:m>
                 <a:r>
                   <a:rPr lang="es-CL" dirty="0"/>
-                  <a:t> tiene un solo elemento, terminar en este paso</a:t>
+                  <a:t> tiene un solo elemento, entonces </a:t>
+                </a:r>
+                <a14:m>
+                  <m:oMath xmlns:m="http://schemas.openxmlformats.org/officeDocument/2006/math">
+                    <m:r>
+                      <a:rPr lang="es-CL" i="1" dirty="0">
+                        <a:latin typeface="Cambria Math" panose="02040503050406030204" pitchFamily="18" charset="0"/>
+                      </a:rPr>
+                      <m:t>𝐴</m:t>
+                    </m:r>
+                  </m:oMath>
+                </a14:m>
+                <a:r>
+                  <a:rPr lang="es-CL" dirty="0"/>
+                  <a:t> está ordenada; terminar en este paso</a:t>
                 </a:r>
               </a:p>
               <a:p>
-                <a:pPr marL="514350" indent="-514350">
+                <a:pPr marL="460375" indent="-460375">
                   <a:lnSpc>
                     <a:spcPct val="100000"/>
                   </a:lnSpc>
@@ -5787,7 +5836,7 @@
                 </a:r>
               </a:p>
               <a:p>
-                <a:pPr marL="514350" indent="-514350">
+                <a:pPr marL="460375" indent="-460375">
                   <a:lnSpc>
                     <a:spcPct val="100000"/>
                   </a:lnSpc>
@@ -5807,7 +5856,7 @@
                 </a:r>
               </a:p>
               <a:p>
-                <a:pPr marL="514350" indent="-514350">
+                <a:pPr marL="460375" indent="-460375">
                   <a:lnSpc>
                     <a:spcPct val="100000"/>
                   </a:lnSpc>
@@ -5819,7 +5868,7 @@
                 </a:pPr>
                 <a:r>
                   <a:rPr lang="es-CL" dirty="0"/>
-                  <a:t>Combinar las mitades (ordenadas) usando </a:t>
+                  <a:t>Combinar las mitades (ya ordenadas) usando </a:t>
                 </a:r>
                 <a:r>
                   <a:rPr lang="es-CL" i="1" dirty="0"/>
@@ -5850,7 +5899,7 @@
               <a:blipFill>
                 <a:blip r:embed="rId2"/>
                 <a:stretch>
-                  <a:fillRect l="-1468" r="-1175"/>
+                  <a:fillRect l="-1468" r="-441"/>
                 </a:stretch>
               </a:blipFill>
             </p:spPr>
@@ -14271,7 +14320,7 @@
               <a:defRPr/>
             </a:pPr>
             <a:r>
-              <a:rPr lang="en-US" sz="2000" dirty="0">
+              <a:rPr lang="en-US" sz="2000">
                 <a:ea typeface="ＭＳ Ｐゴシック" charset="-128"/>
                 <a:cs typeface="ＭＳ Ｐゴシック" charset="-128"/>
               </a:rPr>
@@ -14325,7 +14374,7 @@
               <a:defRPr/>
             </a:pPr>
             <a:r>
-              <a:rPr lang="en-US" sz="2000" dirty="0">
+              <a:rPr lang="en-US" sz="2000">
                 <a:ea typeface="ＭＳ Ｐゴシック" charset="-128"/>
                 <a:cs typeface="ＭＳ Ｐゴシック" charset="-128"/>
               </a:rPr>
@@ -16159,7 +16208,2863 @@
             </a:r>
             <a:r>
               <a:rPr lang="en-US" b="1"/>
-              <a:t>que se acercan un poco más al caso base</a:t>
+              <a:t>que se acerquen un poco más al caso base</a:t>
+            </a:r>
+          </a:p>
+        </p:txBody>
+      </p:sp>
+      <mc:AlternateContent xmlns:mc="http://schemas.openxmlformats.org/markup-compatibility/2006" xmlns:a14="http://schemas.microsoft.com/office/drawing/2010/main">
+        <mc:Choice Requires="a14">
+          <p:sp>
+            <p:nvSpPr>
+              <p:cNvPr id="4" name="Content Placeholder 2">
+                <a:extLst>
+                  <a:ext uri="{FF2B5EF4-FFF2-40B4-BE49-F238E27FC236}">
+                    <a16:creationId xmlns:a16="http://schemas.microsoft.com/office/drawing/2014/main" id="{E86CDFA1-7A45-C746-8211-DC95A2674969}"/>
+                  </a:ext>
+                </a:extLst>
+              </p:cNvPr>
+              <p:cNvSpPr txBox="1">
+                <a:spLocks/>
+              </p:cNvSpPr>
+              <p:nvPr/>
+            </p:nvSpPr>
+            <p:spPr>
+              <a:xfrm>
+                <a:off x="4802909" y="1287532"/>
+                <a:ext cx="4089628" cy="4904072"/>
+              </a:xfrm>
+              <a:prstGeom prst="rect">
+                <a:avLst/>
+              </a:prstGeom>
+              <a:solidFill>
+                <a:schemeClr val="accent1">
+                  <a:lumMod val="20000"/>
+                  <a:lumOff val="80000"/>
+                </a:schemeClr>
+              </a:solidFill>
+            </p:spPr>
+            <p:txBody>
+              <a:bodyPr vert="horz" lIns="91440" tIns="45720" rIns="91440" bIns="45720" rtlCol="0" anchor="ctr">
+                <a:normAutofit/>
+              </a:bodyPr>
+              <a:lstStyle>
+                <a:lvl1pPr marL="91440" indent="-91440" algn="l" defTabSz="914400" rtl="0" eaLnBrk="1" latinLnBrk="0" hangingPunct="1">
+                  <a:lnSpc>
+                    <a:spcPct val="150000"/>
+                  </a:lnSpc>
+                  <a:spcBef>
+                    <a:spcPts val="1200"/>
+                  </a:spcBef>
+                  <a:spcAft>
+                    <a:spcPts val="200"/>
+                  </a:spcAft>
+                  <a:buClr>
+                    <a:schemeClr val="accent1"/>
+                  </a:buClr>
+                  <a:buSzPct val="100000"/>
+                  <a:buFont typeface="Calibri" panose="020F0502020204030204" pitchFamily="34" charset="0"/>
+                  <a:buChar char=" "/>
+                  <a:defRPr sz="2800" kern="1200">
+                    <a:solidFill>
+                      <a:schemeClr val="tx1">
+                        <a:lumMod val="75000"/>
+                        <a:lumOff val="25000"/>
+                      </a:schemeClr>
+                    </a:solidFill>
+                    <a:latin typeface="+mn-lt"/>
+                    <a:ea typeface="+mn-ea"/>
+                    <a:cs typeface="+mn-cs"/>
+                  </a:defRPr>
+                </a:lvl1pPr>
+                <a:lvl2pPr marL="384048" indent="-182880" algn="l" defTabSz="914400" rtl="0" eaLnBrk="1" latinLnBrk="0" hangingPunct="1">
+                  <a:lnSpc>
+                    <a:spcPct val="150000"/>
+                  </a:lnSpc>
+                  <a:spcBef>
+                    <a:spcPts val="200"/>
+                  </a:spcBef>
+                  <a:spcAft>
+                    <a:spcPts val="400"/>
+                  </a:spcAft>
+                  <a:buClr>
+                    <a:schemeClr val="accent1"/>
+                  </a:buClr>
+                  <a:buFont typeface="Arial" panose="020B0604020202020204" pitchFamily="34" charset="0"/>
+                  <a:buChar char="•"/>
+                  <a:defRPr sz="2400" kern="1200">
+                    <a:solidFill>
+                      <a:schemeClr val="tx1">
+                        <a:lumMod val="75000"/>
+                        <a:lumOff val="25000"/>
+                      </a:schemeClr>
+                    </a:solidFill>
+                    <a:latin typeface="+mn-lt"/>
+                    <a:ea typeface="+mn-ea"/>
+                    <a:cs typeface="+mn-cs"/>
+                  </a:defRPr>
+                </a:lvl2pPr>
+                <a:lvl3pPr marL="566928" indent="-182880" algn="l" defTabSz="914400" rtl="0" eaLnBrk="1" latinLnBrk="0" hangingPunct="1">
+                  <a:lnSpc>
+                    <a:spcPct val="150000"/>
+                  </a:lnSpc>
+                  <a:spcBef>
+                    <a:spcPts val="200"/>
+                  </a:spcBef>
+                  <a:spcAft>
+                    <a:spcPts val="400"/>
+                  </a:spcAft>
+                  <a:buClr>
+                    <a:schemeClr val="accent1"/>
+                  </a:buClr>
+                  <a:buFont typeface="Arial" panose="020B0604020202020204" pitchFamily="34" charset="0"/>
+                  <a:buChar char="•"/>
+                  <a:defRPr sz="2000" kern="1200">
+                    <a:solidFill>
+                      <a:schemeClr val="tx1">
+                        <a:lumMod val="75000"/>
+                        <a:lumOff val="25000"/>
+                      </a:schemeClr>
+                    </a:solidFill>
+                    <a:latin typeface="+mn-lt"/>
+                    <a:ea typeface="+mn-ea"/>
+                    <a:cs typeface="+mn-cs"/>
+                  </a:defRPr>
+                </a:lvl3pPr>
+                <a:lvl4pPr marL="749808" indent="-182880" algn="l" defTabSz="914400" rtl="0" eaLnBrk="1" latinLnBrk="0" hangingPunct="1">
+                  <a:lnSpc>
+                    <a:spcPct val="150000"/>
+                  </a:lnSpc>
+                  <a:spcBef>
+                    <a:spcPts val="200"/>
+                  </a:spcBef>
+                  <a:spcAft>
+                    <a:spcPts val="400"/>
+                  </a:spcAft>
+                  <a:buClr>
+                    <a:schemeClr val="accent1"/>
+                  </a:buClr>
+                  <a:buFont typeface="Arial" panose="020B0604020202020204" pitchFamily="34" charset="0"/>
+                  <a:buChar char="•"/>
+                  <a:defRPr sz="1600" kern="1200">
+                    <a:solidFill>
+                      <a:schemeClr val="tx1">
+                        <a:lumMod val="75000"/>
+                        <a:lumOff val="25000"/>
+                      </a:schemeClr>
+                    </a:solidFill>
+                    <a:latin typeface="+mn-lt"/>
+                    <a:ea typeface="+mn-ea"/>
+                    <a:cs typeface="+mn-cs"/>
+                  </a:defRPr>
+                </a:lvl4pPr>
+                <a:lvl5pPr marL="932688" indent="-182880" algn="l" defTabSz="914400" rtl="0" eaLnBrk="1" latinLnBrk="0" hangingPunct="1">
+                  <a:lnSpc>
+                    <a:spcPct val="150000"/>
+                  </a:lnSpc>
+                  <a:spcBef>
+                    <a:spcPts val="200"/>
+                  </a:spcBef>
+                  <a:spcAft>
+                    <a:spcPts val="400"/>
+                  </a:spcAft>
+                  <a:buClr>
+                    <a:schemeClr val="accent1"/>
+                  </a:buClr>
+                  <a:buFont typeface="Arial" panose="020B0604020202020204" pitchFamily="34" charset="0"/>
+                  <a:buChar char="•"/>
+                  <a:defRPr sz="1200" kern="1200">
+                    <a:solidFill>
+                      <a:schemeClr val="tx1">
+                        <a:lumMod val="75000"/>
+                        <a:lumOff val="25000"/>
+                      </a:schemeClr>
+                    </a:solidFill>
+                    <a:latin typeface="+mn-lt"/>
+                    <a:ea typeface="+mn-ea"/>
+                    <a:cs typeface="+mn-cs"/>
+                  </a:defRPr>
+                </a:lvl5pPr>
+                <a:lvl6pPr marL="1100000" indent="-228600" algn="l" defTabSz="914400" rtl="0" eaLnBrk="1" latinLnBrk="0" hangingPunct="1">
+                  <a:lnSpc>
+                    <a:spcPct val="90000"/>
+                  </a:lnSpc>
+                  <a:spcBef>
+                    <a:spcPts val="200"/>
+                  </a:spcBef>
+                  <a:spcAft>
+                    <a:spcPts val="400"/>
+                  </a:spcAft>
+                  <a:buClr>
+                    <a:schemeClr val="accent1"/>
+                  </a:buClr>
+                  <a:buFont typeface="Calibri" pitchFamily="34" charset="0"/>
+                  <a:buChar char="◦"/>
+                  <a:defRPr sz="1400" kern="1200">
+                    <a:solidFill>
+                      <a:schemeClr val="tx1">
+                        <a:lumMod val="75000"/>
+                        <a:lumOff val="25000"/>
+                      </a:schemeClr>
+                    </a:solidFill>
+                    <a:latin typeface="+mn-lt"/>
+                    <a:ea typeface="+mn-ea"/>
+                    <a:cs typeface="+mn-cs"/>
+                  </a:defRPr>
+                </a:lvl6pPr>
+                <a:lvl7pPr marL="1300000" indent="-228600" algn="l" defTabSz="914400" rtl="0" eaLnBrk="1" latinLnBrk="0" hangingPunct="1">
+                  <a:lnSpc>
+                    <a:spcPct val="90000"/>
+                  </a:lnSpc>
+                  <a:spcBef>
+                    <a:spcPts val="200"/>
+                  </a:spcBef>
+                  <a:spcAft>
+                    <a:spcPts val="400"/>
+                  </a:spcAft>
+                  <a:buClr>
+                    <a:schemeClr val="accent1"/>
+                  </a:buClr>
+                  <a:buFont typeface="Calibri" pitchFamily="34" charset="0"/>
+                  <a:buChar char="◦"/>
+                  <a:defRPr sz="1400" kern="1200">
+                    <a:solidFill>
+                      <a:schemeClr val="tx1">
+                        <a:lumMod val="75000"/>
+                        <a:lumOff val="25000"/>
+                      </a:schemeClr>
+                    </a:solidFill>
+                    <a:latin typeface="+mn-lt"/>
+                    <a:ea typeface="+mn-ea"/>
+                    <a:cs typeface="+mn-cs"/>
+                  </a:defRPr>
+                </a:lvl7pPr>
+                <a:lvl8pPr marL="1500000" indent="-228600" algn="l" defTabSz="914400" rtl="0" eaLnBrk="1" latinLnBrk="0" hangingPunct="1">
+                  <a:lnSpc>
+                    <a:spcPct val="90000"/>
+                  </a:lnSpc>
+                  <a:spcBef>
+                    <a:spcPts val="200"/>
+                  </a:spcBef>
+                  <a:spcAft>
+                    <a:spcPts val="400"/>
+                  </a:spcAft>
+                  <a:buClr>
+                    <a:schemeClr val="accent1"/>
+                  </a:buClr>
+                  <a:buFont typeface="Calibri" pitchFamily="34" charset="0"/>
+                  <a:buChar char="◦"/>
+                  <a:defRPr sz="1400" kern="1200">
+                    <a:solidFill>
+                      <a:schemeClr val="tx1">
+                        <a:lumMod val="75000"/>
+                        <a:lumOff val="25000"/>
+                      </a:schemeClr>
+                    </a:solidFill>
+                    <a:latin typeface="+mn-lt"/>
+                    <a:ea typeface="+mn-ea"/>
+                    <a:cs typeface="+mn-cs"/>
+                  </a:defRPr>
+                </a:lvl8pPr>
+                <a:lvl9pPr marL="1700000" indent="-228600" algn="l" defTabSz="914400" rtl="0" eaLnBrk="1" latinLnBrk="0" hangingPunct="1">
+                  <a:lnSpc>
+                    <a:spcPct val="90000"/>
+                  </a:lnSpc>
+                  <a:spcBef>
+                    <a:spcPts val="200"/>
+                  </a:spcBef>
+                  <a:spcAft>
+                    <a:spcPts val="400"/>
+                  </a:spcAft>
+                  <a:buClr>
+                    <a:schemeClr val="accent1"/>
+                  </a:buClr>
+                  <a:buFont typeface="Calibri" pitchFamily="34" charset="0"/>
+                  <a:buChar char="◦"/>
+                  <a:defRPr sz="1400" kern="1200">
+                    <a:solidFill>
+                      <a:schemeClr val="tx1">
+                        <a:lumMod val="75000"/>
+                        <a:lumOff val="25000"/>
+                      </a:schemeClr>
+                    </a:solidFill>
+                    <a:latin typeface="+mn-lt"/>
+                    <a:ea typeface="+mn-ea"/>
+                    <a:cs typeface="+mn-cs"/>
+                  </a:defRPr>
+                </a:lvl9pPr>
+              </a:lstStyle>
+              <a:p>
+                <a:pPr>
+                  <a:lnSpc>
+                    <a:spcPct val="100000"/>
+                  </a:lnSpc>
+                </a:pPr>
+                <a:r>
+                  <a:rPr lang="es-CL" sz="2400" i="1" dirty="0"/>
+                  <a:t>mergeSort</a:t>
+                </a:r>
+                <a:r>
+                  <a:rPr lang="es-CL" sz="2400" dirty="0"/>
+                  <a:t>(secuencia </a:t>
+                </a:r>
+                <a14:m>
+                  <m:oMath xmlns:m="http://schemas.openxmlformats.org/officeDocument/2006/math">
+                    <m:r>
+                      <a:rPr lang="es-CL" sz="2400" i="1" dirty="0" smtClean="0">
+                        <a:latin typeface="Cambria Math" panose="02040503050406030204" pitchFamily="18" charset="0"/>
+                      </a:rPr>
+                      <m:t>𝐴</m:t>
+                    </m:r>
+                  </m:oMath>
+                </a14:m>
+                <a:r>
+                  <a:rPr lang="es-CL" sz="2400" dirty="0"/>
+                  <a:t>):</a:t>
+                </a:r>
+              </a:p>
+              <a:p>
+                <a:pPr marL="174625" indent="-174625">
+                  <a:lnSpc>
+                    <a:spcPct val="100000"/>
+                  </a:lnSpc>
+                  <a:buClr>
+                    <a:schemeClr val="accent2"/>
+                  </a:buClr>
+                </a:pPr>
+                <a:r>
+                  <a:rPr lang="es-CL" sz="2400" dirty="0"/>
+                  <a:t>1. Si </a:t>
+                </a:r>
+                <a14:m>
+                  <m:oMath xmlns:m="http://schemas.openxmlformats.org/officeDocument/2006/math">
+                    <m:r>
+                      <a:rPr lang="es-CL" sz="2400" i="1" dirty="0" smtClean="0">
+                        <a:latin typeface="Cambria Math" panose="02040503050406030204" pitchFamily="18" charset="0"/>
+                      </a:rPr>
+                      <m:t>𝐴</m:t>
+                    </m:r>
+                  </m:oMath>
+                </a14:m>
+                <a:r>
+                  <a:rPr lang="es-CL" sz="2400" dirty="0"/>
+                  <a:t> tiene un solo elemen-to, entonces </a:t>
+                </a:r>
+                <a14:m>
+                  <m:oMath xmlns:m="http://schemas.openxmlformats.org/officeDocument/2006/math">
+                    <m:r>
+                      <a:rPr lang="es-CL" sz="2400" i="1" dirty="0">
+                        <a:latin typeface="Cambria Math" panose="02040503050406030204" pitchFamily="18" charset="0"/>
+                      </a:rPr>
+                      <m:t>𝐴</m:t>
+                    </m:r>
+                  </m:oMath>
+                </a14:m>
+                <a:r>
+                  <a:rPr lang="es-CL" sz="2400" dirty="0"/>
+                  <a:t> está ordenada; terminar en este paso</a:t>
+                </a:r>
+              </a:p>
+              <a:p>
+                <a:pPr marL="174625" indent="-174625">
+                  <a:lnSpc>
+                    <a:spcPct val="100000"/>
+                  </a:lnSpc>
+                  <a:buClr>
+                    <a:schemeClr val="accent2"/>
+                  </a:buClr>
+                </a:pPr>
+                <a:r>
+                  <a:rPr lang="es-CL" sz="2400" dirty="0"/>
+                  <a:t>2. Dividir la secuencia en mitades</a:t>
+                </a:r>
+              </a:p>
+              <a:p>
+                <a:pPr marL="174625" indent="-174625">
+                  <a:lnSpc>
+                    <a:spcPct val="100000"/>
+                  </a:lnSpc>
+                  <a:buClr>
+                    <a:schemeClr val="accent2"/>
+                  </a:buClr>
+                </a:pPr>
+                <a:r>
+                  <a:rPr lang="es-CL" sz="2400" dirty="0"/>
+                  <a:t>3. Ordenar cada mitad recur-sivamente usando </a:t>
+                </a:r>
+                <a:r>
+                  <a:rPr lang="es-CL" sz="2400" i="1" dirty="0"/>
+                  <a:t>mergeSort</a:t>
+                </a:r>
+              </a:p>
+              <a:p>
+                <a:pPr marL="174625" indent="-174625">
+                  <a:lnSpc>
+                    <a:spcPct val="100000"/>
+                  </a:lnSpc>
+                  <a:buClr>
+                    <a:schemeClr val="accent2"/>
+                  </a:buClr>
+                </a:pPr>
+                <a:r>
+                  <a:rPr lang="es-CL" sz="2400" dirty="0"/>
+                  <a:t>4. Combinar las mitades (ya ordenadas) usando </a:t>
+                </a:r>
+                <a:r>
+                  <a:rPr lang="es-CL" sz="2400" i="1" dirty="0"/>
+                  <a:t>merge</a:t>
+                </a:r>
+              </a:p>
+            </p:txBody>
+          </p:sp>
+        </mc:Choice>
+        <mc:Fallback xmlns="">
+          <p:sp>
+            <p:nvSpPr>
+              <p:cNvPr id="4" name="Content Placeholder 2">
+                <a:extLst>
+                  <a:ext uri="{FF2B5EF4-FFF2-40B4-BE49-F238E27FC236}">
+                    <a16:creationId xmlns:a16="http://schemas.microsoft.com/office/drawing/2014/main" id="{E86CDFA1-7A45-C746-8211-DC95A2674969}"/>
+                  </a:ext>
+                </a:extLst>
+              </p:cNvPr>
+              <p:cNvSpPr txBox="1">
+                <a:spLocks noRot="1" noChangeAspect="1" noMove="1" noResize="1" noEditPoints="1" noAdjustHandles="1" noChangeArrowheads="1" noChangeShapeType="1" noTextEdit="1"/>
+              </p:cNvSpPr>
+              <p:nvPr/>
+            </p:nvSpPr>
+            <p:spPr>
+              <a:xfrm>
+                <a:off x="4802909" y="1287532"/>
+                <a:ext cx="4089628" cy="4904072"/>
+              </a:xfrm>
+              <a:prstGeom prst="rect">
+                <a:avLst/>
+              </a:prstGeom>
+              <a:blipFill>
+                <a:blip r:embed="rId2"/>
+                <a:stretch>
+                  <a:fillRect r="-3406"/>
+                </a:stretch>
+              </a:blipFill>
+            </p:spPr>
+            <p:txBody>
+              <a:bodyPr/>
+              <a:lstStyle/>
+              <a:p>
+                <a:r>
+                  <a:rPr lang="en-US">
+                    <a:noFill/>
+                  </a:rPr>
+                  <a:t> </a:t>
+                </a:r>
+              </a:p>
+            </p:txBody>
+          </p:sp>
+        </mc:Fallback>
+      </mc:AlternateContent>
+      <p:cxnSp>
+        <p:nvCxnSpPr>
+          <p:cNvPr id="9" name="Straight Arrow Connector 8">
+            <a:extLst>
+              <a:ext uri="{FF2B5EF4-FFF2-40B4-BE49-F238E27FC236}">
+                <a16:creationId xmlns:a16="http://schemas.microsoft.com/office/drawing/2014/main" id="{C02F303F-9B91-254C-95E8-3F5D263A8D7F}"/>
+              </a:ext>
+            </a:extLst>
+          </p:cNvPr>
+          <p:cNvCxnSpPr>
+            <a:cxnSpLocks/>
+          </p:cNvCxnSpPr>
+          <p:nvPr/>
+        </p:nvCxnSpPr>
+        <p:spPr>
+          <a:xfrm flipV="1">
+            <a:off x="3619099" y="2483318"/>
+            <a:ext cx="1357162" cy="211757"/>
+          </a:xfrm>
+          <a:prstGeom prst="straightConnector1">
+            <a:avLst/>
+          </a:prstGeom>
+          <a:ln>
+            <a:solidFill>
+              <a:srgbClr val="FF0000"/>
+            </a:solidFill>
+            <a:tailEnd type="triangle" w="lg" len="lg"/>
+          </a:ln>
+        </p:spPr>
+        <p:style>
+          <a:lnRef idx="1">
+            <a:schemeClr val="accent1"/>
+          </a:lnRef>
+          <a:fillRef idx="0">
+            <a:schemeClr val="accent1"/>
+          </a:fillRef>
+          <a:effectRef idx="0">
+            <a:schemeClr val="accent1"/>
+          </a:effectRef>
+          <a:fontRef idx="minor">
+            <a:schemeClr val="tx1"/>
+          </a:fontRef>
+        </p:style>
+      </p:cxnSp>
+      <p:sp>
+        <p:nvSpPr>
+          <p:cNvPr id="12" name="Left Brace 11">
+            <a:extLst>
+              <a:ext uri="{FF2B5EF4-FFF2-40B4-BE49-F238E27FC236}">
+                <a16:creationId xmlns:a16="http://schemas.microsoft.com/office/drawing/2014/main" id="{8AC79143-2400-B54F-8FF1-7350C8FB7201}"/>
+              </a:ext>
+            </a:extLst>
+          </p:cNvPr>
+          <p:cNvSpPr/>
+          <p:nvPr/>
+        </p:nvSpPr>
+        <p:spPr>
+          <a:xfrm>
+            <a:off x="4562274" y="3459270"/>
+            <a:ext cx="336787" cy="1453415"/>
+          </a:xfrm>
+          <a:prstGeom prst="leftBrace">
+            <a:avLst>
+              <a:gd name="adj1" fmla="val 59303"/>
+              <a:gd name="adj2" fmla="val 50000"/>
+            </a:avLst>
+          </a:prstGeom>
+          <a:ln w="19050">
+            <a:solidFill>
+              <a:srgbClr val="FF0000"/>
+            </a:solidFill>
+          </a:ln>
+        </p:spPr>
+        <p:style>
+          <a:lnRef idx="1">
+            <a:schemeClr val="accent1"/>
+          </a:lnRef>
+          <a:fillRef idx="0">
+            <a:schemeClr val="accent1"/>
+          </a:fillRef>
+          <a:effectRef idx="0">
+            <a:schemeClr val="accent1"/>
+          </a:effectRef>
+          <a:fontRef idx="minor">
+            <a:schemeClr val="tx1"/>
+          </a:fontRef>
+        </p:style>
+        <p:txBody>
+          <a:bodyPr rtlCol="0" anchor="ctr"/>
+          <a:lstStyle/>
+          <a:p>
+            <a:pPr algn="ctr"/>
+            <a:endParaRPr lang="en-US"/>
+          </a:p>
+        </p:txBody>
+      </p:sp>
+      <p:cxnSp>
+        <p:nvCxnSpPr>
+          <p:cNvPr id="13" name="Straight Arrow Connector 12">
+            <a:extLst>
+              <a:ext uri="{FF2B5EF4-FFF2-40B4-BE49-F238E27FC236}">
+                <a16:creationId xmlns:a16="http://schemas.microsoft.com/office/drawing/2014/main" id="{0A4918C2-EC26-3948-9EEC-5D99E9421ACA}"/>
+              </a:ext>
+            </a:extLst>
+          </p:cNvPr>
+          <p:cNvCxnSpPr>
+            <a:cxnSpLocks/>
+          </p:cNvCxnSpPr>
+          <p:nvPr/>
+        </p:nvCxnSpPr>
+        <p:spPr>
+          <a:xfrm flipV="1">
+            <a:off x="3619099" y="4195482"/>
+            <a:ext cx="827395" cy="193639"/>
+          </a:xfrm>
+          <a:prstGeom prst="straightConnector1">
+            <a:avLst/>
+          </a:prstGeom>
+          <a:ln>
+            <a:solidFill>
+              <a:srgbClr val="FF0000"/>
+            </a:solidFill>
+            <a:tailEnd type="triangle" w="lg" len="lg"/>
+          </a:ln>
+        </p:spPr>
+        <p:style>
+          <a:lnRef idx="1">
+            <a:schemeClr val="accent1"/>
+          </a:lnRef>
+          <a:fillRef idx="0">
+            <a:schemeClr val="accent1"/>
+          </a:fillRef>
+          <a:effectRef idx="0">
+            <a:schemeClr val="accent1"/>
+          </a:effectRef>
+          <a:fontRef idx="minor">
+            <a:schemeClr val="tx1"/>
+          </a:fontRef>
+        </p:style>
+      </p:cxnSp>
+    </p:spTree>
+    <p:extLst>
+      <p:ext uri="{BB962C8B-B14F-4D97-AF65-F5344CB8AC3E}">
+        <p14:creationId xmlns:p14="http://schemas.microsoft.com/office/powerpoint/2010/main" val="4073360461"/>
+      </p:ext>
+    </p:extLst>
+  </p:cSld>
+  <p:clrMapOvr>
+    <a:masterClrMapping/>
+  </p:clrMapOvr>
+</p:sld>
+</file>
+
+<file path=ppt/slides/slide17.xml><?xml version="1.0" encoding="utf-8"?>
+<p:sld xmlns:a="http://schemas.openxmlformats.org/drawingml/2006/main" xmlns:r="http://schemas.openxmlformats.org/officeDocument/2006/relationships" xmlns:p="http://schemas.openxmlformats.org/presentationml/2006/main">
+  <p:cSld>
+    <p:spTree>
+      <p:nvGrpSpPr>
+        <p:cNvPr id="1" name=""/>
+        <p:cNvGrpSpPr/>
+        <p:nvPr/>
+      </p:nvGrpSpPr>
+      <p:grpSpPr>
+        <a:xfrm>
+          <a:off x="0" y="0"/>
+          <a:ext cx="0" cy="0"/>
+          <a:chOff x="0" y="0"/>
+          <a:chExt cx="0" cy="0"/>
+        </a:xfrm>
+      </p:grpSpPr>
+      <p:sp>
+        <p:nvSpPr>
+          <p:cNvPr id="2" name="Title 1">
+            <a:extLst>
+              <a:ext uri="{FF2B5EF4-FFF2-40B4-BE49-F238E27FC236}">
+                <a16:creationId xmlns:a16="http://schemas.microsoft.com/office/drawing/2014/main" id="{751022C4-A232-FA4B-ABCD-4BE41AC7F74E}"/>
+              </a:ext>
+            </a:extLst>
+          </p:cNvPr>
+          <p:cNvSpPr>
+            <a:spLocks noGrp="1"/>
+          </p:cNvSpPr>
+          <p:nvPr>
+            <p:ph type="title"/>
+          </p:nvPr>
+        </p:nvSpPr>
+        <p:spPr/>
+        <p:txBody>
+          <a:bodyPr>
+            <a:noAutofit/>
+          </a:bodyPr>
+          <a:lstStyle/>
+          <a:p>
+            <a:pPr algn="ctr"/>
+            <a:r>
+              <a:rPr lang="en-US" sz="4000"/>
+              <a:t>Sea </a:t>
+            </a:r>
+            <a:r>
+              <a:rPr lang="en-US" sz="4000" i="1"/>
+              <a:t>T</a:t>
+            </a:r>
+            <a:r>
+              <a:rPr lang="en-US" sz="4000"/>
+              <a:t>(</a:t>
+            </a:r>
+            <a:r>
+              <a:rPr lang="en-US" sz="4000" i="1"/>
+              <a:t>n</a:t>
+            </a:r>
+            <a:r>
+              <a:rPr lang="en-US" sz="4000"/>
+              <a:t>) el número de pasos que </a:t>
+            </a:r>
+            <a:r>
+              <a:rPr lang="en-US" sz="4000" i="1"/>
+              <a:t>mergeSort</a:t>
+            </a:r>
+            <a:r>
+              <a:rPr lang="en-US" sz="4000"/>
+              <a:t> toma para ordenar </a:t>
+            </a:r>
+            <a:r>
+              <a:rPr lang="en-US" sz="4000" i="1"/>
+              <a:t>n</a:t>
+            </a:r>
+            <a:r>
+              <a:rPr lang="en-US" sz="4000"/>
+              <a:t> elementos</a:t>
+            </a:r>
+          </a:p>
+        </p:txBody>
+      </p:sp>
+      <p:sp>
+        <p:nvSpPr>
+          <p:cNvPr id="3" name="Content Placeholder 2">
+            <a:extLst>
+              <a:ext uri="{FF2B5EF4-FFF2-40B4-BE49-F238E27FC236}">
+                <a16:creationId xmlns:a16="http://schemas.microsoft.com/office/drawing/2014/main" id="{599DD7BB-E378-344A-A351-6E012BF5E33F}"/>
+              </a:ext>
+            </a:extLst>
+          </p:cNvPr>
+          <p:cNvSpPr>
+            <a:spLocks noGrp="1"/>
+          </p:cNvSpPr>
+          <p:nvPr>
+            <p:ph idx="1"/>
+          </p:nvPr>
+        </p:nvSpPr>
+        <p:spPr>
+          <a:xfrm>
+            <a:off x="251461" y="1287532"/>
+            <a:ext cx="4089630" cy="4904072"/>
+          </a:xfrm>
+        </p:spPr>
+        <p:txBody>
+          <a:bodyPr anchor="ctr">
+            <a:normAutofit/>
+          </a:bodyPr>
+          <a:lstStyle/>
+          <a:p>
+            <a:pPr marL="174625" indent="-174625">
+              <a:lnSpc>
+                <a:spcPct val="112000"/>
+              </a:lnSpc>
+            </a:pPr>
+            <a:r>
+              <a:rPr lang="en-US"/>
+              <a:t>El caso base se calcula aparte:</a:t>
+            </a:r>
+          </a:p>
+          <a:p>
+            <a:pPr marL="292608" lvl="1" indent="0">
+              <a:lnSpc>
+                <a:spcPct val="112000"/>
+              </a:lnSpc>
+              <a:buNone/>
+            </a:pPr>
+            <a:r>
+              <a:rPr lang="en-US" i="1"/>
+              <a:t>T</a:t>
+            </a:r>
+            <a:r>
+              <a:rPr lang="en-US"/>
+              <a:t>(1)  =  1</a:t>
+            </a:r>
+          </a:p>
+          <a:p>
+            <a:pPr marL="174625" indent="-174625">
+              <a:lnSpc>
+                <a:spcPct val="112000"/>
+              </a:lnSpc>
+              <a:spcBef>
+                <a:spcPts val="2400"/>
+              </a:spcBef>
+            </a:pPr>
+            <a:r>
+              <a:rPr lang="en-US"/>
+              <a:t>El caso general se calcula a partir de una </a:t>
+            </a:r>
+            <a:r>
+              <a:rPr lang="en-US" i="1"/>
+              <a:t>ecuación de recurrencia</a:t>
+            </a:r>
+            <a:r>
+              <a:rPr lang="en-US"/>
+              <a:t>:</a:t>
+            </a:r>
+          </a:p>
+          <a:p>
+            <a:pPr marL="292608" lvl="1" indent="0">
+              <a:lnSpc>
+                <a:spcPct val="112000"/>
+              </a:lnSpc>
+              <a:buNone/>
+            </a:pPr>
+            <a:r>
+              <a:rPr lang="en-US" i="1"/>
+              <a:t>T</a:t>
+            </a:r>
+            <a:r>
+              <a:rPr lang="en-US"/>
+              <a:t>(</a:t>
+            </a:r>
+            <a:r>
+              <a:rPr lang="en-US" i="1"/>
+              <a:t>n</a:t>
+            </a:r>
+            <a:r>
+              <a:rPr lang="en-US"/>
+              <a:t>)  =  2</a:t>
+            </a:r>
+            <a:r>
+              <a:rPr lang="en-US" i="1"/>
+              <a:t>T</a:t>
+            </a:r>
+            <a:r>
+              <a:rPr lang="en-US"/>
+              <a:t>(</a:t>
+            </a:r>
+            <a:r>
+              <a:rPr lang="en-US" i="1"/>
+              <a:t>n</a:t>
+            </a:r>
+            <a:r>
+              <a:rPr lang="en-US"/>
+              <a:t>/2)  +  </a:t>
+            </a:r>
+            <a:r>
+              <a:rPr lang="en-US" i="1"/>
+              <a:t>n</a:t>
+            </a:r>
+          </a:p>
+        </p:txBody>
+      </p:sp>
+      <mc:AlternateContent xmlns:mc="http://schemas.openxmlformats.org/markup-compatibility/2006" xmlns:a14="http://schemas.microsoft.com/office/drawing/2010/main">
+        <mc:Choice Requires="a14">
+          <p:sp>
+            <p:nvSpPr>
+              <p:cNvPr id="4" name="Content Placeholder 2">
+                <a:extLst>
+                  <a:ext uri="{FF2B5EF4-FFF2-40B4-BE49-F238E27FC236}">
+                    <a16:creationId xmlns:a16="http://schemas.microsoft.com/office/drawing/2014/main" id="{E86CDFA1-7A45-C746-8211-DC95A2674969}"/>
+                  </a:ext>
+                </a:extLst>
+              </p:cNvPr>
+              <p:cNvSpPr txBox="1">
+                <a:spLocks/>
+              </p:cNvSpPr>
+              <p:nvPr/>
+            </p:nvSpPr>
+            <p:spPr>
+              <a:xfrm>
+                <a:off x="4802909" y="1287532"/>
+                <a:ext cx="4089628" cy="4904072"/>
+              </a:xfrm>
+              <a:prstGeom prst="rect">
+                <a:avLst/>
+              </a:prstGeom>
+              <a:solidFill>
+                <a:schemeClr val="accent1">
+                  <a:lumMod val="20000"/>
+                  <a:lumOff val="80000"/>
+                </a:schemeClr>
+              </a:solidFill>
+            </p:spPr>
+            <p:txBody>
+              <a:bodyPr vert="horz" lIns="91440" tIns="45720" rIns="91440" bIns="45720" rtlCol="0" anchor="ctr">
+                <a:normAutofit/>
+              </a:bodyPr>
+              <a:lstStyle>
+                <a:lvl1pPr marL="91440" indent="-91440" algn="l" defTabSz="914400" rtl="0" eaLnBrk="1" latinLnBrk="0" hangingPunct="1">
+                  <a:lnSpc>
+                    <a:spcPct val="150000"/>
+                  </a:lnSpc>
+                  <a:spcBef>
+                    <a:spcPts val="1200"/>
+                  </a:spcBef>
+                  <a:spcAft>
+                    <a:spcPts val="200"/>
+                  </a:spcAft>
+                  <a:buClr>
+                    <a:schemeClr val="accent1"/>
+                  </a:buClr>
+                  <a:buSzPct val="100000"/>
+                  <a:buFont typeface="Calibri" panose="020F0502020204030204" pitchFamily="34" charset="0"/>
+                  <a:buChar char=" "/>
+                  <a:defRPr sz="2800" kern="1200">
+                    <a:solidFill>
+                      <a:schemeClr val="tx1">
+                        <a:lumMod val="75000"/>
+                        <a:lumOff val="25000"/>
+                      </a:schemeClr>
+                    </a:solidFill>
+                    <a:latin typeface="+mn-lt"/>
+                    <a:ea typeface="+mn-ea"/>
+                    <a:cs typeface="+mn-cs"/>
+                  </a:defRPr>
+                </a:lvl1pPr>
+                <a:lvl2pPr marL="384048" indent="-182880" algn="l" defTabSz="914400" rtl="0" eaLnBrk="1" latinLnBrk="0" hangingPunct="1">
+                  <a:lnSpc>
+                    <a:spcPct val="150000"/>
+                  </a:lnSpc>
+                  <a:spcBef>
+                    <a:spcPts val="200"/>
+                  </a:spcBef>
+                  <a:spcAft>
+                    <a:spcPts val="400"/>
+                  </a:spcAft>
+                  <a:buClr>
+                    <a:schemeClr val="accent1"/>
+                  </a:buClr>
+                  <a:buFont typeface="Arial" panose="020B0604020202020204" pitchFamily="34" charset="0"/>
+                  <a:buChar char="•"/>
+                  <a:defRPr sz="2400" kern="1200">
+                    <a:solidFill>
+                      <a:schemeClr val="tx1">
+                        <a:lumMod val="75000"/>
+                        <a:lumOff val="25000"/>
+                      </a:schemeClr>
+                    </a:solidFill>
+                    <a:latin typeface="+mn-lt"/>
+                    <a:ea typeface="+mn-ea"/>
+                    <a:cs typeface="+mn-cs"/>
+                  </a:defRPr>
+                </a:lvl2pPr>
+                <a:lvl3pPr marL="566928" indent="-182880" algn="l" defTabSz="914400" rtl="0" eaLnBrk="1" latinLnBrk="0" hangingPunct="1">
+                  <a:lnSpc>
+                    <a:spcPct val="150000"/>
+                  </a:lnSpc>
+                  <a:spcBef>
+                    <a:spcPts val="200"/>
+                  </a:spcBef>
+                  <a:spcAft>
+                    <a:spcPts val="400"/>
+                  </a:spcAft>
+                  <a:buClr>
+                    <a:schemeClr val="accent1"/>
+                  </a:buClr>
+                  <a:buFont typeface="Arial" panose="020B0604020202020204" pitchFamily="34" charset="0"/>
+                  <a:buChar char="•"/>
+                  <a:defRPr sz="2000" kern="1200">
+                    <a:solidFill>
+                      <a:schemeClr val="tx1">
+                        <a:lumMod val="75000"/>
+                        <a:lumOff val="25000"/>
+                      </a:schemeClr>
+                    </a:solidFill>
+                    <a:latin typeface="+mn-lt"/>
+                    <a:ea typeface="+mn-ea"/>
+                    <a:cs typeface="+mn-cs"/>
+                  </a:defRPr>
+                </a:lvl3pPr>
+                <a:lvl4pPr marL="749808" indent="-182880" algn="l" defTabSz="914400" rtl="0" eaLnBrk="1" latinLnBrk="0" hangingPunct="1">
+                  <a:lnSpc>
+                    <a:spcPct val="150000"/>
+                  </a:lnSpc>
+                  <a:spcBef>
+                    <a:spcPts val="200"/>
+                  </a:spcBef>
+                  <a:spcAft>
+                    <a:spcPts val="400"/>
+                  </a:spcAft>
+                  <a:buClr>
+                    <a:schemeClr val="accent1"/>
+                  </a:buClr>
+                  <a:buFont typeface="Arial" panose="020B0604020202020204" pitchFamily="34" charset="0"/>
+                  <a:buChar char="•"/>
+                  <a:defRPr sz="1600" kern="1200">
+                    <a:solidFill>
+                      <a:schemeClr val="tx1">
+                        <a:lumMod val="75000"/>
+                        <a:lumOff val="25000"/>
+                      </a:schemeClr>
+                    </a:solidFill>
+                    <a:latin typeface="+mn-lt"/>
+                    <a:ea typeface="+mn-ea"/>
+                    <a:cs typeface="+mn-cs"/>
+                  </a:defRPr>
+                </a:lvl4pPr>
+                <a:lvl5pPr marL="932688" indent="-182880" algn="l" defTabSz="914400" rtl="0" eaLnBrk="1" latinLnBrk="0" hangingPunct="1">
+                  <a:lnSpc>
+                    <a:spcPct val="150000"/>
+                  </a:lnSpc>
+                  <a:spcBef>
+                    <a:spcPts val="200"/>
+                  </a:spcBef>
+                  <a:spcAft>
+                    <a:spcPts val="400"/>
+                  </a:spcAft>
+                  <a:buClr>
+                    <a:schemeClr val="accent1"/>
+                  </a:buClr>
+                  <a:buFont typeface="Arial" panose="020B0604020202020204" pitchFamily="34" charset="0"/>
+                  <a:buChar char="•"/>
+                  <a:defRPr sz="1200" kern="1200">
+                    <a:solidFill>
+                      <a:schemeClr val="tx1">
+                        <a:lumMod val="75000"/>
+                        <a:lumOff val="25000"/>
+                      </a:schemeClr>
+                    </a:solidFill>
+                    <a:latin typeface="+mn-lt"/>
+                    <a:ea typeface="+mn-ea"/>
+                    <a:cs typeface="+mn-cs"/>
+                  </a:defRPr>
+                </a:lvl5pPr>
+                <a:lvl6pPr marL="1100000" indent="-228600" algn="l" defTabSz="914400" rtl="0" eaLnBrk="1" latinLnBrk="0" hangingPunct="1">
+                  <a:lnSpc>
+                    <a:spcPct val="90000"/>
+                  </a:lnSpc>
+                  <a:spcBef>
+                    <a:spcPts val="200"/>
+                  </a:spcBef>
+                  <a:spcAft>
+                    <a:spcPts val="400"/>
+                  </a:spcAft>
+                  <a:buClr>
+                    <a:schemeClr val="accent1"/>
+                  </a:buClr>
+                  <a:buFont typeface="Calibri" pitchFamily="34" charset="0"/>
+                  <a:buChar char="◦"/>
+                  <a:defRPr sz="1400" kern="1200">
+                    <a:solidFill>
+                      <a:schemeClr val="tx1">
+                        <a:lumMod val="75000"/>
+                        <a:lumOff val="25000"/>
+                      </a:schemeClr>
+                    </a:solidFill>
+                    <a:latin typeface="+mn-lt"/>
+                    <a:ea typeface="+mn-ea"/>
+                    <a:cs typeface="+mn-cs"/>
+                  </a:defRPr>
+                </a:lvl6pPr>
+                <a:lvl7pPr marL="1300000" indent="-228600" algn="l" defTabSz="914400" rtl="0" eaLnBrk="1" latinLnBrk="0" hangingPunct="1">
+                  <a:lnSpc>
+                    <a:spcPct val="90000"/>
+                  </a:lnSpc>
+                  <a:spcBef>
+                    <a:spcPts val="200"/>
+                  </a:spcBef>
+                  <a:spcAft>
+                    <a:spcPts val="400"/>
+                  </a:spcAft>
+                  <a:buClr>
+                    <a:schemeClr val="accent1"/>
+                  </a:buClr>
+                  <a:buFont typeface="Calibri" pitchFamily="34" charset="0"/>
+                  <a:buChar char="◦"/>
+                  <a:defRPr sz="1400" kern="1200">
+                    <a:solidFill>
+                      <a:schemeClr val="tx1">
+                        <a:lumMod val="75000"/>
+                        <a:lumOff val="25000"/>
+                      </a:schemeClr>
+                    </a:solidFill>
+                    <a:latin typeface="+mn-lt"/>
+                    <a:ea typeface="+mn-ea"/>
+                    <a:cs typeface="+mn-cs"/>
+                  </a:defRPr>
+                </a:lvl7pPr>
+                <a:lvl8pPr marL="1500000" indent="-228600" algn="l" defTabSz="914400" rtl="0" eaLnBrk="1" latinLnBrk="0" hangingPunct="1">
+                  <a:lnSpc>
+                    <a:spcPct val="90000"/>
+                  </a:lnSpc>
+                  <a:spcBef>
+                    <a:spcPts val="200"/>
+                  </a:spcBef>
+                  <a:spcAft>
+                    <a:spcPts val="400"/>
+                  </a:spcAft>
+                  <a:buClr>
+                    <a:schemeClr val="accent1"/>
+                  </a:buClr>
+                  <a:buFont typeface="Calibri" pitchFamily="34" charset="0"/>
+                  <a:buChar char="◦"/>
+                  <a:defRPr sz="1400" kern="1200">
+                    <a:solidFill>
+                      <a:schemeClr val="tx1">
+                        <a:lumMod val="75000"/>
+                        <a:lumOff val="25000"/>
+                      </a:schemeClr>
+                    </a:solidFill>
+                    <a:latin typeface="+mn-lt"/>
+                    <a:ea typeface="+mn-ea"/>
+                    <a:cs typeface="+mn-cs"/>
+                  </a:defRPr>
+                </a:lvl8pPr>
+                <a:lvl9pPr marL="1700000" indent="-228600" algn="l" defTabSz="914400" rtl="0" eaLnBrk="1" latinLnBrk="0" hangingPunct="1">
+                  <a:lnSpc>
+                    <a:spcPct val="90000"/>
+                  </a:lnSpc>
+                  <a:spcBef>
+                    <a:spcPts val="200"/>
+                  </a:spcBef>
+                  <a:spcAft>
+                    <a:spcPts val="400"/>
+                  </a:spcAft>
+                  <a:buClr>
+                    <a:schemeClr val="accent1"/>
+                  </a:buClr>
+                  <a:buFont typeface="Calibri" pitchFamily="34" charset="0"/>
+                  <a:buChar char="◦"/>
+                  <a:defRPr sz="1400" kern="1200">
+                    <a:solidFill>
+                      <a:schemeClr val="tx1">
+                        <a:lumMod val="75000"/>
+                        <a:lumOff val="25000"/>
+                      </a:schemeClr>
+                    </a:solidFill>
+                    <a:latin typeface="+mn-lt"/>
+                    <a:ea typeface="+mn-ea"/>
+                    <a:cs typeface="+mn-cs"/>
+                  </a:defRPr>
+                </a:lvl9pPr>
+              </a:lstStyle>
+              <a:p>
+                <a:pPr>
+                  <a:lnSpc>
+                    <a:spcPct val="100000"/>
+                  </a:lnSpc>
+                </a:pPr>
+                <a:r>
+                  <a:rPr lang="es-CL" sz="2400" i="1" dirty="0"/>
+                  <a:t>mergeSort</a:t>
+                </a:r>
+                <a:r>
+                  <a:rPr lang="es-CL" sz="2400" dirty="0"/>
+                  <a:t>(secuencia </a:t>
+                </a:r>
+                <a14:m>
+                  <m:oMath xmlns:m="http://schemas.openxmlformats.org/officeDocument/2006/math">
+                    <m:r>
+                      <a:rPr lang="es-CL" sz="2400" i="1" dirty="0" smtClean="0">
+                        <a:latin typeface="Cambria Math" panose="02040503050406030204" pitchFamily="18" charset="0"/>
+                      </a:rPr>
+                      <m:t>𝐴</m:t>
+                    </m:r>
+                  </m:oMath>
+                </a14:m>
+                <a:r>
+                  <a:rPr lang="es-CL" sz="2400" dirty="0"/>
+                  <a:t>):</a:t>
+                </a:r>
+              </a:p>
+              <a:p>
+                <a:pPr marL="174625" indent="-174625">
+                  <a:lnSpc>
+                    <a:spcPct val="100000"/>
+                  </a:lnSpc>
+                  <a:buClr>
+                    <a:schemeClr val="accent2"/>
+                  </a:buClr>
+                </a:pPr>
+                <a:r>
+                  <a:rPr lang="es-CL" sz="2400" dirty="0"/>
+                  <a:t>1. Si </a:t>
+                </a:r>
+                <a14:m>
+                  <m:oMath xmlns:m="http://schemas.openxmlformats.org/officeDocument/2006/math">
+                    <m:r>
+                      <a:rPr lang="es-CL" sz="2400" i="1" dirty="0" smtClean="0">
+                        <a:latin typeface="Cambria Math" panose="02040503050406030204" pitchFamily="18" charset="0"/>
+                      </a:rPr>
+                      <m:t>𝐴</m:t>
+                    </m:r>
+                  </m:oMath>
+                </a14:m>
+                <a:r>
+                  <a:rPr lang="es-CL" sz="2400" dirty="0"/>
+                  <a:t> tiene un solo elemen-to, entonces </a:t>
+                </a:r>
+                <a14:m>
+                  <m:oMath xmlns:m="http://schemas.openxmlformats.org/officeDocument/2006/math">
+                    <m:r>
+                      <a:rPr lang="es-CL" sz="2400" i="1" dirty="0">
+                        <a:latin typeface="Cambria Math" panose="02040503050406030204" pitchFamily="18" charset="0"/>
+                      </a:rPr>
+                      <m:t>𝐴</m:t>
+                    </m:r>
+                  </m:oMath>
+                </a14:m>
+                <a:r>
+                  <a:rPr lang="es-CL" sz="2400" dirty="0"/>
+                  <a:t> está ordenada; terminar en este paso</a:t>
+                </a:r>
+              </a:p>
+              <a:p>
+                <a:pPr marL="174625" indent="-174625">
+                  <a:lnSpc>
+                    <a:spcPct val="100000"/>
+                  </a:lnSpc>
+                  <a:buClr>
+                    <a:schemeClr val="accent2"/>
+                  </a:buClr>
+                </a:pPr>
+                <a:r>
+                  <a:rPr lang="es-CL" sz="2400" dirty="0"/>
+                  <a:t>2. Dividir la secuencia en mitades</a:t>
+                </a:r>
+              </a:p>
+              <a:p>
+                <a:pPr marL="174625" indent="-174625">
+                  <a:lnSpc>
+                    <a:spcPct val="100000"/>
+                  </a:lnSpc>
+                  <a:buClr>
+                    <a:schemeClr val="accent2"/>
+                  </a:buClr>
+                </a:pPr>
+                <a:r>
+                  <a:rPr lang="es-CL" sz="2400" dirty="0"/>
+                  <a:t>3. Ordenar cada mitad recur-sivamente usando </a:t>
+                </a:r>
+                <a:r>
+                  <a:rPr lang="es-CL" sz="2400" i="1" dirty="0"/>
+                  <a:t>mergeSort</a:t>
+                </a:r>
+              </a:p>
+              <a:p>
+                <a:pPr marL="174625" indent="-174625">
+                  <a:lnSpc>
+                    <a:spcPct val="100000"/>
+                  </a:lnSpc>
+                  <a:buClr>
+                    <a:schemeClr val="accent2"/>
+                  </a:buClr>
+                </a:pPr>
+                <a:r>
+                  <a:rPr lang="es-CL" sz="2400" dirty="0"/>
+                  <a:t>4. Combinar las mitades (ya ordenadas) usando </a:t>
+                </a:r>
+                <a:r>
+                  <a:rPr lang="es-CL" sz="2400" i="1" dirty="0"/>
+                  <a:t>merge</a:t>
+                </a:r>
+              </a:p>
+            </p:txBody>
+          </p:sp>
+        </mc:Choice>
+        <mc:Fallback xmlns="">
+          <p:sp>
+            <p:nvSpPr>
+              <p:cNvPr id="4" name="Content Placeholder 2">
+                <a:extLst>
+                  <a:ext uri="{FF2B5EF4-FFF2-40B4-BE49-F238E27FC236}">
+                    <a16:creationId xmlns:a16="http://schemas.microsoft.com/office/drawing/2014/main" id="{E86CDFA1-7A45-C746-8211-DC95A2674969}"/>
+                  </a:ext>
+                </a:extLst>
+              </p:cNvPr>
+              <p:cNvSpPr txBox="1">
+                <a:spLocks noRot="1" noChangeAspect="1" noMove="1" noResize="1" noEditPoints="1" noAdjustHandles="1" noChangeArrowheads="1" noChangeShapeType="1" noTextEdit="1"/>
+              </p:cNvSpPr>
+              <p:nvPr/>
+            </p:nvSpPr>
+            <p:spPr>
+              <a:xfrm>
+                <a:off x="4802909" y="1287532"/>
+                <a:ext cx="4089628" cy="4904072"/>
+              </a:xfrm>
+              <a:prstGeom prst="rect">
+                <a:avLst/>
+              </a:prstGeom>
+              <a:blipFill>
+                <a:blip r:embed="rId2"/>
+                <a:stretch>
+                  <a:fillRect r="-3406"/>
+                </a:stretch>
+              </a:blipFill>
+            </p:spPr>
+            <p:txBody>
+              <a:bodyPr/>
+              <a:lstStyle/>
+              <a:p>
+                <a:r>
+                  <a:rPr lang="en-US">
+                    <a:noFill/>
+                  </a:rPr>
+                  <a:t> </a:t>
+                </a:r>
+              </a:p>
+            </p:txBody>
+          </p:sp>
+        </mc:Fallback>
+      </mc:AlternateContent>
+      <p:cxnSp>
+        <p:nvCxnSpPr>
+          <p:cNvPr id="9" name="Straight Arrow Connector 8">
+            <a:extLst>
+              <a:ext uri="{FF2B5EF4-FFF2-40B4-BE49-F238E27FC236}">
+                <a16:creationId xmlns:a16="http://schemas.microsoft.com/office/drawing/2014/main" id="{C02F303F-9B91-254C-95E8-3F5D263A8D7F}"/>
+              </a:ext>
+            </a:extLst>
+          </p:cNvPr>
+          <p:cNvCxnSpPr>
+            <a:cxnSpLocks/>
+          </p:cNvCxnSpPr>
+          <p:nvPr/>
+        </p:nvCxnSpPr>
+        <p:spPr>
+          <a:xfrm flipV="1">
+            <a:off x="1820008" y="2483319"/>
+            <a:ext cx="3156253" cy="629158"/>
+          </a:xfrm>
+          <a:prstGeom prst="straightConnector1">
+            <a:avLst/>
+          </a:prstGeom>
+          <a:ln>
+            <a:solidFill>
+              <a:srgbClr val="FF0000"/>
+            </a:solidFill>
+            <a:tailEnd type="triangle" w="lg" len="lg"/>
+          </a:ln>
+        </p:spPr>
+        <p:style>
+          <a:lnRef idx="1">
+            <a:schemeClr val="accent1"/>
+          </a:lnRef>
+          <a:fillRef idx="0">
+            <a:schemeClr val="accent1"/>
+          </a:fillRef>
+          <a:effectRef idx="0">
+            <a:schemeClr val="accent1"/>
+          </a:effectRef>
+          <a:fontRef idx="minor">
+            <a:schemeClr val="tx1"/>
+          </a:fontRef>
+        </p:style>
+      </p:cxnSp>
+      <p:sp>
+        <p:nvSpPr>
+          <p:cNvPr id="12" name="Left Brace 11">
+            <a:extLst>
+              <a:ext uri="{FF2B5EF4-FFF2-40B4-BE49-F238E27FC236}">
+                <a16:creationId xmlns:a16="http://schemas.microsoft.com/office/drawing/2014/main" id="{8AC79143-2400-B54F-8FF1-7350C8FB7201}"/>
+              </a:ext>
+            </a:extLst>
+          </p:cNvPr>
+          <p:cNvSpPr/>
+          <p:nvPr/>
+        </p:nvSpPr>
+        <p:spPr>
+          <a:xfrm>
+            <a:off x="4562274" y="3450302"/>
+            <a:ext cx="336787" cy="1476150"/>
+          </a:xfrm>
+          <a:prstGeom prst="leftBrace">
+            <a:avLst>
+              <a:gd name="adj1" fmla="val 59303"/>
+              <a:gd name="adj2" fmla="val 50000"/>
+            </a:avLst>
+          </a:prstGeom>
+          <a:ln w="19050">
+            <a:solidFill>
+              <a:srgbClr val="FF0000"/>
+            </a:solidFill>
+          </a:ln>
+        </p:spPr>
+        <p:style>
+          <a:lnRef idx="1">
+            <a:schemeClr val="accent1"/>
+          </a:lnRef>
+          <a:fillRef idx="0">
+            <a:schemeClr val="accent1"/>
+          </a:fillRef>
+          <a:effectRef idx="0">
+            <a:schemeClr val="accent1"/>
+          </a:effectRef>
+          <a:fontRef idx="minor">
+            <a:schemeClr val="tx1"/>
+          </a:fontRef>
+        </p:style>
+        <p:txBody>
+          <a:bodyPr rtlCol="0" anchor="ctr"/>
+          <a:lstStyle/>
+          <a:p>
+            <a:pPr algn="ctr"/>
+            <a:endParaRPr lang="en-US"/>
+          </a:p>
+        </p:txBody>
+      </p:sp>
+      <p:cxnSp>
+        <p:nvCxnSpPr>
+          <p:cNvPr id="13" name="Straight Arrow Connector 12">
+            <a:extLst>
+              <a:ext uri="{FF2B5EF4-FFF2-40B4-BE49-F238E27FC236}">
+                <a16:creationId xmlns:a16="http://schemas.microsoft.com/office/drawing/2014/main" id="{0A4918C2-EC26-3948-9EEC-5D99E9421ACA}"/>
+              </a:ext>
+            </a:extLst>
+          </p:cNvPr>
+          <p:cNvCxnSpPr>
+            <a:cxnSpLocks/>
+          </p:cNvCxnSpPr>
+          <p:nvPr/>
+        </p:nvCxnSpPr>
+        <p:spPr>
+          <a:xfrm flipV="1">
+            <a:off x="2312377" y="4204447"/>
+            <a:ext cx="2134117" cy="1009393"/>
+          </a:xfrm>
+          <a:prstGeom prst="straightConnector1">
+            <a:avLst/>
+          </a:prstGeom>
+          <a:ln>
+            <a:solidFill>
+              <a:srgbClr val="FF0000"/>
+            </a:solidFill>
+            <a:tailEnd type="triangle" w="lg" len="lg"/>
+          </a:ln>
+        </p:spPr>
+        <p:style>
+          <a:lnRef idx="1">
+            <a:schemeClr val="accent1"/>
+          </a:lnRef>
+          <a:fillRef idx="0">
+            <a:schemeClr val="accent1"/>
+          </a:fillRef>
+          <a:effectRef idx="0">
+            <a:schemeClr val="accent1"/>
+          </a:effectRef>
+          <a:fontRef idx="minor">
+            <a:schemeClr val="tx1"/>
+          </a:fontRef>
+        </p:style>
+      </p:cxnSp>
+      <p:cxnSp>
+        <p:nvCxnSpPr>
+          <p:cNvPr id="14" name="Straight Arrow Connector 13">
+            <a:extLst>
+              <a:ext uri="{FF2B5EF4-FFF2-40B4-BE49-F238E27FC236}">
+                <a16:creationId xmlns:a16="http://schemas.microsoft.com/office/drawing/2014/main" id="{AB2B45D6-4C6B-1548-B27D-C74E7D737D00}"/>
+              </a:ext>
+            </a:extLst>
+          </p:cNvPr>
+          <p:cNvCxnSpPr>
+            <a:cxnSpLocks/>
+          </p:cNvCxnSpPr>
+          <p:nvPr/>
+        </p:nvCxnSpPr>
+        <p:spPr>
+          <a:xfrm>
+            <a:off x="3103685" y="5389685"/>
+            <a:ext cx="1872576" cy="0"/>
+          </a:xfrm>
+          <a:prstGeom prst="straightConnector1">
+            <a:avLst/>
+          </a:prstGeom>
+          <a:ln>
+            <a:solidFill>
+              <a:srgbClr val="FF0000"/>
+            </a:solidFill>
+            <a:tailEnd type="triangle" w="lg" len="lg"/>
+          </a:ln>
+        </p:spPr>
+        <p:style>
+          <a:lnRef idx="1">
+            <a:schemeClr val="accent1"/>
+          </a:lnRef>
+          <a:fillRef idx="0">
+            <a:schemeClr val="accent1"/>
+          </a:fillRef>
+          <a:effectRef idx="0">
+            <a:schemeClr val="accent1"/>
+          </a:effectRef>
+          <a:fontRef idx="minor">
+            <a:schemeClr val="tx1"/>
+          </a:fontRef>
+        </p:style>
+      </p:cxnSp>
+    </p:spTree>
+    <p:extLst>
+      <p:ext uri="{BB962C8B-B14F-4D97-AF65-F5344CB8AC3E}">
+        <p14:creationId xmlns:p14="http://schemas.microsoft.com/office/powerpoint/2010/main" val="962771825"/>
+      </p:ext>
+    </p:extLst>
+  </p:cSld>
+  <p:clrMapOvr>
+    <a:masterClrMapping/>
+  </p:clrMapOvr>
+</p:sld>
+</file>
+
+<file path=ppt/slides/slide18.xml><?xml version="1.0" encoding="utf-8"?>
+<p:sld xmlns:a="http://schemas.openxmlformats.org/drawingml/2006/main" xmlns:r="http://schemas.openxmlformats.org/officeDocument/2006/relationships" xmlns:p="http://schemas.openxmlformats.org/presentationml/2006/main">
+  <p:cSld>
+    <p:spTree>
+      <p:nvGrpSpPr>
+        <p:cNvPr id="1" name=""/>
+        <p:cNvGrpSpPr/>
+        <p:nvPr/>
+      </p:nvGrpSpPr>
+      <p:grpSpPr>
+        <a:xfrm>
+          <a:off x="0" y="0"/>
+          <a:ext cx="0" cy="0"/>
+          <a:chOff x="0" y="0"/>
+          <a:chExt cx="0" cy="0"/>
+        </a:xfrm>
+      </p:grpSpPr>
+      <p:sp>
+        <p:nvSpPr>
+          <p:cNvPr id="4" name="Content Placeholder 3">
+            <a:extLst>
+              <a:ext uri="{FF2B5EF4-FFF2-40B4-BE49-F238E27FC236}">
+                <a16:creationId xmlns:a16="http://schemas.microsoft.com/office/drawing/2014/main" id="{E88E69FB-F8E1-BB40-A2FF-B35887A684E2}"/>
+              </a:ext>
+            </a:extLst>
+          </p:cNvPr>
+          <p:cNvSpPr>
+            <a:spLocks noGrp="1"/>
+          </p:cNvSpPr>
+          <p:nvPr>
+            <p:ph sz="quarter" idx="10"/>
+          </p:nvPr>
+        </p:nvSpPr>
+        <p:spPr/>
+        <p:txBody>
+          <a:bodyPr anchor="ctr">
+            <a:normAutofit lnSpcReduction="10000"/>
+          </a:bodyPr>
+          <a:lstStyle/>
+          <a:p>
+            <a:pPr>
+              <a:lnSpc>
+                <a:spcPct val="120000"/>
+              </a:lnSpc>
+              <a:spcBef>
+                <a:spcPts val="4200"/>
+              </a:spcBef>
+            </a:pPr>
+            <a:r>
+              <a:rPr lang="en-US" sz="2400">
+                <a:ea typeface="ＭＳ Ｐゴシック" charset="0"/>
+              </a:rPr>
+              <a:t>Resolvamos la recurrencia </a:t>
+            </a:r>
+            <a:r>
+              <a:rPr lang="en-US" sz="2400" i="1">
+                <a:ea typeface="ＭＳ Ｐゴシック" charset="0"/>
+              </a:rPr>
+              <a:t>T</a:t>
+            </a:r>
+            <a:r>
+              <a:rPr lang="en-US" sz="2400">
+                <a:ea typeface="ＭＳ Ｐゴシック" charset="0"/>
+              </a:rPr>
+              <a:t>(</a:t>
+            </a:r>
+            <a:r>
+              <a:rPr lang="en-US" sz="2400" i="1">
+                <a:ea typeface="ＭＳ Ｐゴシック" charset="0"/>
+              </a:rPr>
+              <a:t>n</a:t>
+            </a:r>
+            <a:r>
+              <a:rPr lang="en-US" sz="2400">
+                <a:ea typeface="ＭＳ Ｐゴシック" charset="0"/>
+              </a:rPr>
+              <a:t>) = 2</a:t>
+            </a:r>
+            <a:r>
+              <a:rPr lang="en-US" sz="2400" i="1">
+                <a:ea typeface="ＭＳ Ｐゴシック" charset="0"/>
+              </a:rPr>
+              <a:t>T</a:t>
+            </a:r>
+            <a:r>
+              <a:rPr lang="en-US" sz="2400">
+                <a:ea typeface="ＭＳ Ｐゴシック" charset="0"/>
+              </a:rPr>
+              <a:t>(</a:t>
+            </a:r>
+            <a:r>
+              <a:rPr lang="en-US" sz="2400" i="1">
+                <a:ea typeface="ＭＳ Ｐゴシック" charset="0"/>
+              </a:rPr>
+              <a:t>n</a:t>
+            </a:r>
+            <a:r>
+              <a:rPr lang="en-US" sz="2400">
+                <a:ea typeface="ＭＳ Ｐゴシック" charset="0"/>
+              </a:rPr>
+              <a:t>/2) + </a:t>
+            </a:r>
+            <a:r>
+              <a:rPr lang="en-US" sz="2400" i="1">
+                <a:ea typeface="ＭＳ Ｐゴシック" charset="0"/>
+              </a:rPr>
+              <a:t>n</a:t>
+            </a:r>
+            <a:r>
+              <a:rPr lang="en-US" sz="2400">
+                <a:ea typeface="ＭＳ Ｐゴシック" charset="0"/>
+              </a:rPr>
+              <a:t> sabiendo que </a:t>
+            </a:r>
+            <a:r>
+              <a:rPr lang="en-US" sz="2400" i="1">
+                <a:ea typeface="ＭＳ Ｐゴシック" charset="0"/>
+              </a:rPr>
+              <a:t>T</a:t>
+            </a:r>
+            <a:r>
+              <a:rPr lang="en-US" sz="2400">
+                <a:ea typeface="ＭＳ Ｐゴシック" charset="0"/>
+              </a:rPr>
+              <a:t>(1) = 1</a:t>
+            </a:r>
+            <a:endParaRPr lang="en-US" sz="2400" i="1">
+              <a:ea typeface="ＭＳ Ｐゴシック" charset="0"/>
+            </a:endParaRPr>
+          </a:p>
+          <a:p>
+            <a:pPr>
+              <a:lnSpc>
+                <a:spcPct val="120000"/>
+              </a:lnSpc>
+            </a:pPr>
+            <a:r>
+              <a:rPr lang="en-US" sz="2400">
+                <a:ea typeface="ＭＳ Ｐゴシック" charset="0"/>
+              </a:rPr>
+              <a:t>	</a:t>
+            </a:r>
+            <a:r>
+              <a:rPr lang="en-US" sz="2400" i="1">
+                <a:ea typeface="ＭＳ Ｐゴシック" charset="0"/>
+              </a:rPr>
+              <a:t>T</a:t>
+            </a:r>
+            <a:r>
+              <a:rPr lang="en-US" sz="2400">
+                <a:ea typeface="ＭＳ Ｐゴシック" charset="0"/>
+              </a:rPr>
+              <a:t>(</a:t>
+            </a:r>
+            <a:r>
+              <a:rPr lang="en-US" sz="2400" i="1">
+                <a:ea typeface="ＭＳ Ｐゴシック" charset="0"/>
+              </a:rPr>
+              <a:t>n</a:t>
+            </a:r>
+            <a:r>
+              <a:rPr lang="en-US" sz="2400">
+                <a:ea typeface="ＭＳ Ｐゴシック" charset="0"/>
+              </a:rPr>
+              <a:t>)/</a:t>
+            </a:r>
+            <a:r>
+              <a:rPr lang="en-US" sz="2400" i="1">
+                <a:ea typeface="ＭＳ Ｐゴシック" charset="0"/>
+              </a:rPr>
+              <a:t>n</a:t>
+            </a:r>
+            <a:r>
+              <a:rPr lang="en-US" sz="2400">
+                <a:ea typeface="ＭＳ Ｐゴシック" charset="0"/>
+              </a:rPr>
+              <a:t> 		=	</a:t>
+            </a:r>
+            <a:r>
+              <a:rPr lang="en-US" sz="2400" i="1">
+                <a:ea typeface="ＭＳ Ｐゴシック" charset="0"/>
+              </a:rPr>
+              <a:t>T</a:t>
+            </a:r>
+            <a:r>
+              <a:rPr lang="en-US" sz="2400">
+                <a:ea typeface="ＭＳ Ｐゴシック" charset="0"/>
+              </a:rPr>
+              <a:t>(</a:t>
+            </a:r>
+            <a:r>
+              <a:rPr lang="en-US" sz="2400" i="1">
+                <a:ea typeface="ＭＳ Ｐゴシック" charset="0"/>
+              </a:rPr>
+              <a:t>n</a:t>
+            </a:r>
+            <a:r>
+              <a:rPr lang="en-US" sz="2400">
+                <a:ea typeface="ＭＳ Ｐゴシック" charset="0"/>
+              </a:rPr>
+              <a:t>/2)/(</a:t>
+            </a:r>
+            <a:r>
+              <a:rPr lang="en-US" sz="2400" i="1">
+                <a:ea typeface="ＭＳ Ｐゴシック" charset="0"/>
+              </a:rPr>
+              <a:t>n</a:t>
+            </a:r>
+            <a:r>
+              <a:rPr lang="en-US" sz="2400">
+                <a:ea typeface="ＭＳ Ｐゴシック" charset="0"/>
+              </a:rPr>
+              <a:t>/2) + 1</a:t>
+            </a:r>
+          </a:p>
+          <a:p>
+            <a:pPr>
+              <a:lnSpc>
+                <a:spcPct val="120000"/>
+              </a:lnSpc>
+            </a:pPr>
+            <a:r>
+              <a:rPr lang="en-US" sz="2400">
+                <a:ea typeface="ＭＳ Ｐゴシック" charset="0"/>
+              </a:rPr>
+              <a:t>	</a:t>
+            </a:r>
+            <a:r>
+              <a:rPr lang="en-US" sz="2400" i="1">
+                <a:ea typeface="ＭＳ Ｐゴシック" charset="0"/>
+              </a:rPr>
+              <a:t>T</a:t>
+            </a:r>
+            <a:r>
+              <a:rPr lang="en-US" sz="2400">
+                <a:ea typeface="ＭＳ Ｐゴシック" charset="0"/>
+              </a:rPr>
+              <a:t>(</a:t>
+            </a:r>
+            <a:r>
+              <a:rPr lang="en-US" sz="2400" i="1">
+                <a:ea typeface="ＭＳ Ｐゴシック" charset="0"/>
+              </a:rPr>
+              <a:t>n</a:t>
+            </a:r>
+            <a:r>
+              <a:rPr lang="en-US" sz="2400">
+                <a:ea typeface="ＭＳ Ｐゴシック" charset="0"/>
+              </a:rPr>
+              <a:t>/2)/(</a:t>
+            </a:r>
+            <a:r>
+              <a:rPr lang="en-US" sz="2400" i="1">
+                <a:ea typeface="ＭＳ Ｐゴシック" charset="0"/>
+              </a:rPr>
+              <a:t>n</a:t>
+            </a:r>
+            <a:r>
+              <a:rPr lang="en-US" sz="2400">
+                <a:ea typeface="ＭＳ Ｐゴシック" charset="0"/>
+              </a:rPr>
+              <a:t>/2)	=	</a:t>
+            </a:r>
+            <a:r>
+              <a:rPr lang="en-US" sz="2400" i="1">
+                <a:ea typeface="ＭＳ Ｐゴシック" charset="0"/>
+              </a:rPr>
+              <a:t>T</a:t>
+            </a:r>
+            <a:r>
+              <a:rPr lang="en-US" sz="2400">
+                <a:ea typeface="ＭＳ Ｐゴシック" charset="0"/>
+              </a:rPr>
+              <a:t>(</a:t>
+            </a:r>
+            <a:r>
+              <a:rPr lang="en-US" sz="2400" i="1">
+                <a:ea typeface="ＭＳ Ｐゴシック" charset="0"/>
+              </a:rPr>
+              <a:t>n</a:t>
+            </a:r>
+            <a:r>
+              <a:rPr lang="en-US" sz="2400">
+                <a:ea typeface="ＭＳ Ｐゴシック" charset="0"/>
+              </a:rPr>
+              <a:t>/4)/(</a:t>
+            </a:r>
+            <a:r>
+              <a:rPr lang="en-US" sz="2400" i="1">
+                <a:ea typeface="ＭＳ Ｐゴシック" charset="0"/>
+              </a:rPr>
+              <a:t>n</a:t>
+            </a:r>
+            <a:r>
+              <a:rPr lang="en-US" sz="2400">
+                <a:ea typeface="ＭＳ Ｐゴシック" charset="0"/>
+              </a:rPr>
+              <a:t>/4) + 1</a:t>
+            </a:r>
+          </a:p>
+          <a:p>
+            <a:pPr>
+              <a:lnSpc>
+                <a:spcPct val="120000"/>
+              </a:lnSpc>
+            </a:pPr>
+            <a:r>
+              <a:rPr lang="en-US" sz="2400">
+                <a:ea typeface="ＭＳ Ｐゴシック" charset="0"/>
+              </a:rPr>
+              <a:t>	</a:t>
+            </a:r>
+            <a:r>
+              <a:rPr lang="en-US" sz="2400" i="1">
+                <a:ea typeface="ＭＳ Ｐゴシック" charset="0"/>
+              </a:rPr>
+              <a:t>T</a:t>
+            </a:r>
+            <a:r>
+              <a:rPr lang="en-US" sz="2400">
+                <a:ea typeface="ＭＳ Ｐゴシック" charset="0"/>
+              </a:rPr>
+              <a:t>(</a:t>
+            </a:r>
+            <a:r>
+              <a:rPr lang="en-US" sz="2400" i="1">
+                <a:ea typeface="ＭＳ Ｐゴシック" charset="0"/>
+              </a:rPr>
+              <a:t>n</a:t>
+            </a:r>
+            <a:r>
+              <a:rPr lang="en-US" sz="2400">
+                <a:ea typeface="ＭＳ Ｐゴシック" charset="0"/>
+              </a:rPr>
+              <a:t>/4)/(</a:t>
+            </a:r>
+            <a:r>
+              <a:rPr lang="en-US" sz="2400" i="1">
+                <a:ea typeface="ＭＳ Ｐゴシック" charset="0"/>
+              </a:rPr>
+              <a:t>n</a:t>
+            </a:r>
+            <a:r>
+              <a:rPr lang="en-US" sz="2400">
+                <a:ea typeface="ＭＳ Ｐゴシック" charset="0"/>
+              </a:rPr>
+              <a:t>/4)	=	</a:t>
+            </a:r>
+            <a:r>
+              <a:rPr lang="en-US" sz="2400" i="1">
+                <a:ea typeface="ＭＳ Ｐゴシック" charset="0"/>
+              </a:rPr>
+              <a:t>T</a:t>
+            </a:r>
+            <a:r>
+              <a:rPr lang="en-US" sz="2400">
+                <a:ea typeface="ＭＳ Ｐゴシック" charset="0"/>
+              </a:rPr>
+              <a:t>(</a:t>
+            </a:r>
+            <a:r>
+              <a:rPr lang="en-US" sz="2400" i="1">
+                <a:ea typeface="ＭＳ Ｐゴシック" charset="0"/>
+              </a:rPr>
+              <a:t>n</a:t>
+            </a:r>
+            <a:r>
+              <a:rPr lang="en-US" sz="2400">
+                <a:ea typeface="ＭＳ Ｐゴシック" charset="0"/>
+              </a:rPr>
+              <a:t>/8)/(</a:t>
+            </a:r>
+            <a:r>
+              <a:rPr lang="en-US" sz="2400" i="1">
+                <a:ea typeface="ＭＳ Ｐゴシック" charset="0"/>
+              </a:rPr>
+              <a:t>n</a:t>
+            </a:r>
+            <a:r>
+              <a:rPr lang="en-US" sz="2400">
+                <a:ea typeface="ＭＳ Ｐゴシック" charset="0"/>
+              </a:rPr>
+              <a:t>/8) + 1</a:t>
+            </a:r>
+          </a:p>
+          <a:p>
+            <a:pPr>
+              <a:lnSpc>
+                <a:spcPct val="120000"/>
+              </a:lnSpc>
+            </a:pPr>
+            <a:r>
+              <a:rPr lang="en-US" sz="2400">
+                <a:ea typeface="ＭＳ Ｐゴシック" charset="0"/>
+              </a:rPr>
+              <a:t>			⋮</a:t>
+            </a:r>
+          </a:p>
+          <a:p>
+            <a:pPr>
+              <a:lnSpc>
+                <a:spcPct val="120000"/>
+              </a:lnSpc>
+            </a:pPr>
+            <a:r>
+              <a:rPr lang="en-US" sz="2400">
+                <a:ea typeface="ＭＳ Ｐゴシック" charset="0"/>
+              </a:rPr>
+              <a:t>	</a:t>
+            </a:r>
+            <a:r>
+              <a:rPr lang="en-US" sz="2400" i="1">
+                <a:ea typeface="ＭＳ Ｐゴシック" charset="0"/>
+              </a:rPr>
+              <a:t>T</a:t>
+            </a:r>
+            <a:r>
+              <a:rPr lang="en-US" sz="2400">
+                <a:ea typeface="ＭＳ Ｐゴシック" charset="0"/>
+              </a:rPr>
+              <a:t>(2)/2		=	</a:t>
+            </a:r>
+            <a:r>
+              <a:rPr lang="en-US" sz="2400" i="1">
+                <a:ea typeface="ＭＳ Ｐゴシック" charset="0"/>
+              </a:rPr>
+              <a:t>T</a:t>
+            </a:r>
+            <a:r>
+              <a:rPr lang="en-US" sz="2400">
+                <a:ea typeface="ＭＳ Ｐゴシック" charset="0"/>
+              </a:rPr>
+              <a:t>(1)/1 + 1</a:t>
+            </a:r>
+          </a:p>
+          <a:p>
+            <a:pPr>
+              <a:lnSpc>
+                <a:spcPct val="120000"/>
+              </a:lnSpc>
+            </a:pPr>
+            <a:r>
+              <a:rPr lang="en-US" sz="2400">
+                <a:ea typeface="ＭＳ Ｐゴシック" charset="0"/>
+              </a:rPr>
+              <a:t>Sumando ambas columnas (las sumas son iguales) y cancelando los términos que aparecen a ambos lados del signo “=”, obtenemos</a:t>
+            </a:r>
+          </a:p>
+          <a:p>
+            <a:pPr>
+              <a:lnSpc>
+                <a:spcPct val="120000"/>
+              </a:lnSpc>
+            </a:pPr>
+            <a:r>
+              <a:rPr lang="en-US" sz="2400">
+                <a:ea typeface="ＭＳ Ｐゴシック" charset="0"/>
+              </a:rPr>
+              <a:t>	</a:t>
+            </a:r>
+            <a:r>
+              <a:rPr lang="en-US" sz="2400" i="1">
+                <a:ea typeface="ＭＳ Ｐゴシック" charset="0"/>
+              </a:rPr>
+              <a:t>T</a:t>
+            </a:r>
+            <a:r>
+              <a:rPr lang="en-US" sz="2400">
+                <a:ea typeface="ＭＳ Ｐゴシック" charset="0"/>
+              </a:rPr>
+              <a:t>(</a:t>
+            </a:r>
+            <a:r>
+              <a:rPr lang="en-US" sz="2400" i="1">
+                <a:ea typeface="ＭＳ Ｐゴシック" charset="0"/>
+              </a:rPr>
+              <a:t>n</a:t>
+            </a:r>
+            <a:r>
+              <a:rPr lang="en-US" sz="2400">
+                <a:ea typeface="ＭＳ Ｐゴシック" charset="0"/>
+              </a:rPr>
+              <a:t>)/</a:t>
+            </a:r>
+            <a:r>
+              <a:rPr lang="en-US" sz="2400" i="1">
+                <a:ea typeface="ＭＳ Ｐゴシック" charset="0"/>
+              </a:rPr>
+              <a:t>n</a:t>
+            </a:r>
+            <a:r>
+              <a:rPr lang="en-US" sz="2400">
+                <a:ea typeface="ＭＳ Ｐゴシック" charset="0"/>
+              </a:rPr>
+              <a:t>		=	</a:t>
+            </a:r>
+            <a:r>
+              <a:rPr lang="en-US" sz="2400" i="1">
+                <a:ea typeface="ＭＳ Ｐゴシック" charset="0"/>
+              </a:rPr>
+              <a:t>T</a:t>
+            </a:r>
+            <a:r>
+              <a:rPr lang="en-US" sz="2400">
+                <a:ea typeface="ＭＳ Ｐゴシック" charset="0"/>
+              </a:rPr>
+              <a:t>(1)/1 + log </a:t>
+            </a:r>
+            <a:r>
+              <a:rPr lang="en-US" sz="2400" i="1">
+                <a:ea typeface="ＭＳ Ｐゴシック" charset="0"/>
+              </a:rPr>
+              <a:t>n</a:t>
+            </a:r>
+            <a:endParaRPr lang="en-US" sz="2400">
+              <a:ea typeface="ＭＳ Ｐゴシック" charset="0"/>
+            </a:endParaRPr>
+          </a:p>
+          <a:p>
+            <a:pPr>
+              <a:lnSpc>
+                <a:spcPct val="120000"/>
+              </a:lnSpc>
+              <a:spcBef>
+                <a:spcPts val="2400"/>
+              </a:spcBef>
+            </a:pPr>
+            <a:r>
+              <a:rPr lang="en-US" b="1">
+                <a:ea typeface="ＭＳ Ｐゴシック" charset="0"/>
+              </a:rPr>
+              <a:t>⇒		</a:t>
+            </a:r>
+            <a:r>
+              <a:rPr lang="en-US" b="1" i="1">
+                <a:ea typeface="ＭＳ Ｐゴシック" charset="0"/>
+              </a:rPr>
+              <a:t>T</a:t>
+            </a:r>
+            <a:r>
+              <a:rPr lang="en-US" b="1">
+                <a:ea typeface="ＭＳ Ｐゴシック" charset="0"/>
+              </a:rPr>
+              <a:t>(</a:t>
+            </a:r>
+            <a:r>
+              <a:rPr lang="en-US" b="1" i="1">
+                <a:ea typeface="ＭＳ Ｐゴシック" charset="0"/>
+              </a:rPr>
+              <a:t>n</a:t>
+            </a:r>
+            <a:r>
+              <a:rPr lang="en-US" b="1">
+                <a:ea typeface="ＭＳ Ｐゴシック" charset="0"/>
+              </a:rPr>
+              <a:t>) = </a:t>
+            </a:r>
+            <a:r>
+              <a:rPr lang="en-US" b="1" i="1">
+                <a:ea typeface="ＭＳ Ｐゴシック" charset="0"/>
+              </a:rPr>
+              <a:t>n</a:t>
+            </a:r>
+            <a:r>
+              <a:rPr lang="en-US" b="1">
+                <a:ea typeface="ＭＳ Ｐゴシック" charset="0"/>
+              </a:rPr>
+              <a:t> log </a:t>
+            </a:r>
+            <a:r>
+              <a:rPr lang="en-US" b="1" i="1">
+                <a:ea typeface="ＭＳ Ｐゴシック" charset="0"/>
+              </a:rPr>
+              <a:t>n</a:t>
+            </a:r>
+            <a:r>
+              <a:rPr lang="en-US" b="1">
+                <a:ea typeface="ＭＳ Ｐゴシック" charset="0"/>
+              </a:rPr>
+              <a:t> + </a:t>
+            </a:r>
+            <a:r>
+              <a:rPr lang="en-US" b="1" i="1">
+                <a:ea typeface="ＭＳ Ｐゴシック" charset="0"/>
+              </a:rPr>
+              <a:t>n</a:t>
+            </a:r>
+            <a:r>
+              <a:rPr lang="en-US" b="1">
+                <a:ea typeface="ＭＳ Ｐゴシック" charset="0"/>
+              </a:rPr>
+              <a:t> = O(</a:t>
+            </a:r>
+            <a:r>
+              <a:rPr lang="en-US" b="1" i="1">
+                <a:ea typeface="ＭＳ Ｐゴシック" charset="0"/>
+              </a:rPr>
+              <a:t>n</a:t>
+            </a:r>
+            <a:r>
+              <a:rPr lang="en-US" b="1">
+                <a:ea typeface="ＭＳ Ｐゴシック" charset="0"/>
+              </a:rPr>
+              <a:t>)</a:t>
+            </a:r>
+            <a:endParaRPr lang="en-US" b="1" i="1">
+              <a:ea typeface="ＭＳ Ｐゴシック" charset="0"/>
+            </a:endParaRPr>
+          </a:p>
+        </p:txBody>
+      </p:sp>
+      <p:sp>
+        <p:nvSpPr>
+          <p:cNvPr id="2" name="Right Brace 1">
+            <a:extLst>
+              <a:ext uri="{FF2B5EF4-FFF2-40B4-BE49-F238E27FC236}">
+                <a16:creationId xmlns:a16="http://schemas.microsoft.com/office/drawing/2014/main" id="{6F48D478-C8BC-2245-B148-5A1417D39E20}"/>
+              </a:ext>
+            </a:extLst>
+          </p:cNvPr>
+          <p:cNvSpPr/>
+          <p:nvPr/>
+        </p:nvSpPr>
+        <p:spPr>
+          <a:xfrm>
+            <a:off x="6332706" y="1021404"/>
+            <a:ext cx="466928" cy="2480553"/>
+          </a:xfrm>
+          <a:prstGeom prst="rightBrace">
+            <a:avLst>
+              <a:gd name="adj1" fmla="val 41666"/>
+              <a:gd name="adj2" fmla="val 50000"/>
+            </a:avLst>
+          </a:prstGeom>
+          <a:ln>
+            <a:solidFill>
+              <a:srgbClr val="FF0000"/>
+            </a:solidFill>
+          </a:ln>
+        </p:spPr>
+        <p:style>
+          <a:lnRef idx="1">
+            <a:schemeClr val="accent1"/>
+          </a:lnRef>
+          <a:fillRef idx="0">
+            <a:schemeClr val="accent1"/>
+          </a:fillRef>
+          <a:effectRef idx="0">
+            <a:schemeClr val="accent1"/>
+          </a:effectRef>
+          <a:fontRef idx="minor">
+            <a:schemeClr val="tx1"/>
+          </a:fontRef>
+        </p:style>
+        <p:txBody>
+          <a:bodyPr rtlCol="0" anchor="ctr"/>
+          <a:lstStyle/>
+          <a:p>
+            <a:pPr algn="ctr"/>
+            <a:endParaRPr lang="en-US"/>
+          </a:p>
+        </p:txBody>
+      </p:sp>
+      <p:sp>
+        <p:nvSpPr>
+          <p:cNvPr id="3" name="TextBox 2">
+            <a:extLst>
+              <a:ext uri="{FF2B5EF4-FFF2-40B4-BE49-F238E27FC236}">
+                <a16:creationId xmlns:a16="http://schemas.microsoft.com/office/drawing/2014/main" id="{48FEE9E5-B726-6947-BCE5-B97D1B96FF80}"/>
+              </a:ext>
+            </a:extLst>
+          </p:cNvPr>
+          <p:cNvSpPr txBox="1"/>
+          <p:nvPr/>
+        </p:nvSpPr>
+        <p:spPr>
+          <a:xfrm>
+            <a:off x="6955277" y="2077014"/>
+            <a:ext cx="1469377" cy="400110"/>
+          </a:xfrm>
+          <a:prstGeom prst="rect">
+            <a:avLst/>
+          </a:prstGeom>
+          <a:noFill/>
+        </p:spPr>
+        <p:txBody>
+          <a:bodyPr wrap="none" rtlCol="0">
+            <a:spAutoFit/>
+          </a:bodyPr>
+          <a:lstStyle/>
+          <a:p>
+            <a:r>
+              <a:rPr lang="en-US" sz="2000"/>
+              <a:t>log </a:t>
+            </a:r>
+            <a:r>
+              <a:rPr lang="en-US" sz="2000" i="1"/>
+              <a:t>n</a:t>
+            </a:r>
+            <a:r>
+              <a:rPr lang="en-US" sz="2000"/>
+              <a:t> niveles</a:t>
+            </a:r>
+          </a:p>
+        </p:txBody>
+      </p:sp>
+    </p:spTree>
+    <p:extLst>
+      <p:ext uri="{BB962C8B-B14F-4D97-AF65-F5344CB8AC3E}">
+        <p14:creationId xmlns:p14="http://schemas.microsoft.com/office/powerpoint/2010/main" val="2104139321"/>
+      </p:ext>
+    </p:extLst>
+  </p:cSld>
+  <p:clrMapOvr>
+    <a:masterClrMapping/>
+  </p:clrMapOvr>
+</p:sld>
+</file>
+
+<file path=ppt/slides/slide19.xml><?xml version="1.0" encoding="utf-8"?>
+<p:sld xmlns:a="http://schemas.openxmlformats.org/drawingml/2006/main" xmlns:r="http://schemas.openxmlformats.org/officeDocument/2006/relationships" xmlns:p="http://schemas.openxmlformats.org/presentationml/2006/main">
+  <p:cSld>
+    <p:spTree>
+      <p:nvGrpSpPr>
+        <p:cNvPr id="1" name=""/>
+        <p:cNvGrpSpPr/>
+        <p:nvPr/>
+      </p:nvGrpSpPr>
+      <p:grpSpPr>
+        <a:xfrm>
+          <a:off x="0" y="0"/>
+          <a:ext cx="0" cy="0"/>
+          <a:chOff x="0" y="0"/>
+          <a:chExt cx="0" cy="0"/>
+        </a:xfrm>
+      </p:grpSpPr>
+      <p:sp>
+        <p:nvSpPr>
+          <p:cNvPr id="2" name="Title 1">
+            <a:extLst>
+              <a:ext uri="{FF2B5EF4-FFF2-40B4-BE49-F238E27FC236}">
+                <a16:creationId xmlns:a16="http://schemas.microsoft.com/office/drawing/2014/main" id="{6BB9A8AE-9AA5-134A-A87E-657E7DBAD9D5}"/>
+              </a:ext>
+            </a:extLst>
+          </p:cNvPr>
+          <p:cNvSpPr>
+            <a:spLocks noGrp="1"/>
+          </p:cNvSpPr>
+          <p:nvPr>
+            <p:ph type="title"/>
+          </p:nvPr>
+        </p:nvSpPr>
+        <p:spPr/>
+        <p:txBody>
+          <a:bodyPr/>
+          <a:lstStyle/>
+          <a:p>
+            <a:r>
+              <a:rPr lang="en-US"/>
+              <a:t>En resumen …</a:t>
+            </a:r>
+          </a:p>
+        </p:txBody>
+      </p:sp>
+      <p:sp>
+        <p:nvSpPr>
+          <p:cNvPr id="3" name="Content Placeholder 2">
+            <a:extLst>
+              <a:ext uri="{FF2B5EF4-FFF2-40B4-BE49-F238E27FC236}">
+                <a16:creationId xmlns:a16="http://schemas.microsoft.com/office/drawing/2014/main" id="{48913A4B-0B61-FF44-A2E4-4BBA52C7E4DD}"/>
+              </a:ext>
+            </a:extLst>
+          </p:cNvPr>
+          <p:cNvSpPr>
+            <a:spLocks noGrp="1"/>
+          </p:cNvSpPr>
+          <p:nvPr>
+            <p:ph idx="1"/>
+          </p:nvPr>
+        </p:nvSpPr>
+        <p:spPr/>
+        <p:txBody>
+          <a:bodyPr anchor="ctr"/>
+          <a:lstStyle/>
+          <a:p>
+            <a:pPr>
+              <a:lnSpc>
+                <a:spcPct val="100000"/>
+              </a:lnSpc>
+              <a:spcBef>
+                <a:spcPts val="2400"/>
+              </a:spcBef>
+              <a:spcAft>
+                <a:spcPts val="0"/>
+              </a:spcAft>
+            </a:pPr>
+            <a:r>
+              <a:rPr lang="en-US" i="1"/>
+              <a:t>mergeSort</a:t>
+            </a:r>
+            <a:r>
+              <a:rPr lang="en-US"/>
+              <a:t> es un algoritmo de ordenación</a:t>
+            </a:r>
+          </a:p>
+          <a:p>
+            <a:pPr>
+              <a:lnSpc>
+                <a:spcPct val="100000"/>
+              </a:lnSpc>
+              <a:spcBef>
+                <a:spcPts val="2400"/>
+              </a:spcBef>
+              <a:spcAft>
+                <a:spcPts val="0"/>
+              </a:spcAft>
+            </a:pPr>
+            <a:r>
+              <a:rPr lang="en-US"/>
+              <a:t>… de complejidad de tiempo O(</a:t>
+            </a:r>
+            <a:r>
+              <a:rPr lang="en-US" i="1"/>
+              <a:t>n</a:t>
+            </a:r>
+            <a:r>
+              <a:rPr lang="en-US"/>
+              <a:t> log </a:t>
+            </a:r>
+            <a:r>
+              <a:rPr lang="en-US" i="1"/>
+              <a:t>n</a:t>
+            </a:r>
+            <a:r>
+              <a:rPr lang="en-US"/>
+              <a:t>)</a:t>
+            </a:r>
+          </a:p>
+          <a:p>
+            <a:pPr lvl="1">
+              <a:lnSpc>
+                <a:spcPct val="100000"/>
+              </a:lnSpc>
+              <a:spcBef>
+                <a:spcPts val="2400"/>
+              </a:spcBef>
+              <a:spcAft>
+                <a:spcPts val="0"/>
+              </a:spcAft>
+            </a:pPr>
+            <a:r>
+              <a:rPr lang="en-US"/>
+              <a:t>una mejora importante con respecto a los algoritmos O(</a:t>
+            </a:r>
+            <a:r>
+              <a:rPr lang="en-US" i="1"/>
+              <a:t>n</a:t>
+            </a:r>
+            <a:r>
+              <a:rPr lang="en-US" baseline="30000"/>
+              <a:t>2</a:t>
+            </a:r>
+            <a:r>
+              <a:rPr lang="en-US"/>
+              <a:t>)</a:t>
+            </a:r>
+          </a:p>
+          <a:p>
+            <a:pPr>
+              <a:lnSpc>
+                <a:spcPct val="100000"/>
+              </a:lnSpc>
+              <a:spcBef>
+                <a:spcPts val="2400"/>
+              </a:spcBef>
+              <a:spcAft>
+                <a:spcPts val="0"/>
+              </a:spcAft>
+            </a:pPr>
+            <a:r>
+              <a:rPr lang="en-US"/>
+              <a:t>… y de complejidad de espacio O(</a:t>
+            </a:r>
+            <a:r>
+              <a:rPr lang="en-US" i="1"/>
+              <a:t>n</a:t>
+            </a:r>
+            <a:r>
+              <a:rPr lang="en-US"/>
+              <a:t>)</a:t>
+            </a:r>
+          </a:p>
+          <a:p>
+            <a:pPr lvl="1">
+              <a:lnSpc>
+                <a:spcPct val="100000"/>
+              </a:lnSpc>
+              <a:spcBef>
+                <a:spcPts val="2400"/>
+              </a:spcBef>
+              <a:spcAft>
+                <a:spcPts val="0"/>
+              </a:spcAft>
+            </a:pPr>
+            <a:r>
+              <a:rPr lang="en-US"/>
+              <a:t>debido a que </a:t>
+            </a:r>
+            <a:r>
+              <a:rPr lang="en-US" i="1"/>
+              <a:t>merge</a:t>
+            </a:r>
+            <a:r>
+              <a:rPr lang="en-US"/>
+              <a:t> requiere un arreglo adicional para mezclar eficientemente dos secuencias ordenadas</a:t>
+            </a:r>
+          </a:p>
+        </p:txBody>
+      </p:sp>
+    </p:spTree>
+    <p:extLst>
+      <p:ext uri="{BB962C8B-B14F-4D97-AF65-F5344CB8AC3E}">
+        <p14:creationId xmlns:p14="http://schemas.microsoft.com/office/powerpoint/2010/main" val="2676514299"/>
+      </p:ext>
+    </p:extLst>
+  </p:cSld>
+  <p:clrMapOvr>
+    <a:masterClrMapping/>
+  </p:clrMapOvr>
+</p:sld>
+</file>
+
+<file path=ppt/slides/slide2.xml><?xml version="1.0" encoding="utf-8"?>
+<p:sld xmlns:a="http://schemas.openxmlformats.org/drawingml/2006/main" xmlns:r="http://schemas.openxmlformats.org/officeDocument/2006/relationships" xmlns:p="http://schemas.openxmlformats.org/presentationml/2006/main">
+  <p:cSld>
+    <p:spTree>
+      <p:nvGrpSpPr>
+        <p:cNvPr id="1" name=""/>
+        <p:cNvGrpSpPr/>
+        <p:nvPr/>
+      </p:nvGrpSpPr>
+      <p:grpSpPr>
+        <a:xfrm>
+          <a:off x="0" y="0"/>
+          <a:ext cx="0" cy="0"/>
+          <a:chOff x="0" y="0"/>
+          <a:chExt cx="0" cy="0"/>
+        </a:xfrm>
+      </p:grpSpPr>
+      <mc:AlternateContent xmlns:mc="http://schemas.openxmlformats.org/markup-compatibility/2006" xmlns:a14="http://schemas.microsoft.com/office/drawing/2010/main">
+        <mc:Choice Requires="a14">
+          <p:sp>
+            <p:nvSpPr>
+              <p:cNvPr id="4" name="Content Placeholder 3">
+                <a:extLst>
+                  <a:ext uri="{FF2B5EF4-FFF2-40B4-BE49-F238E27FC236}">
+                    <a16:creationId xmlns:a16="http://schemas.microsoft.com/office/drawing/2014/main" id="{73A675ED-2AB5-7B47-9EA8-3DB6522D3B6D}"/>
+                  </a:ext>
+                </a:extLst>
+              </p:cNvPr>
+              <p:cNvSpPr>
+                <a:spLocks noGrp="1"/>
+              </p:cNvSpPr>
+              <p:nvPr>
+                <p:ph sz="quarter" idx="10"/>
+              </p:nvPr>
+            </p:nvSpPr>
+            <p:spPr/>
+            <p:txBody>
+              <a:bodyPr anchor="ctr">
+                <a:normAutofit/>
+              </a:bodyPr>
+              <a:lstStyle/>
+              <a:p>
+                <a:pPr>
+                  <a:lnSpc>
+                    <a:spcPct val="125000"/>
+                  </a:lnSpc>
+                </a:pPr>
+                <a:r>
+                  <a:rPr lang="en-US"/>
+                  <a:t>Vimos que el número promedio de inversiones en un arreglo de </a:t>
+                </a:r>
+                <a:r>
+                  <a:rPr lang="en-US" i="1"/>
+                  <a:t>n</a:t>
+                </a:r>
+                <a:r>
+                  <a:rPr lang="en-US"/>
+                  <a:t> elementos es </a:t>
+                </a:r>
+                <a:r>
+                  <a:rPr lang="en-US" i="1"/>
+                  <a:t>n</a:t>
+                </a:r>
+                <a:r>
+                  <a:rPr lang="en-US"/>
+                  <a:t>(</a:t>
+                </a:r>
+                <a:r>
+                  <a:rPr lang="en-US" i="1"/>
+                  <a:t>n</a:t>
+                </a:r>
+                <a:r>
+                  <a:rPr lang="en-US"/>
+                  <a:t>–1)/4</a:t>
+                </a:r>
+              </a:p>
+              <a:p>
+                <a:pPr>
+                  <a:lnSpc>
+                    <a:spcPct val="125000"/>
+                  </a:lnSpc>
+                </a:pPr>
+                <a:r>
+                  <a:rPr lang="en-US"/>
+                  <a:t>… por lo que </a:t>
+                </a:r>
+                <a:r>
+                  <a:rPr lang="es-CL" dirty="0"/>
+                  <a:t>un algoritmo que ordena intercambiando elementos (después de compararlos)</a:t>
+                </a:r>
+              </a:p>
+              <a:p>
+                <a:pPr>
+                  <a:lnSpc>
+                    <a:spcPct val="125000"/>
+                  </a:lnSpc>
+                </a:pPr>
+                <a:r>
+                  <a:rPr lang="es-CL" dirty="0"/>
+                  <a:t>… y sólo corrige una inversión por intercambio (es decir, compara e intercambia sólo elementos adyacentes),</a:t>
+                </a:r>
+              </a:p>
+              <a:p>
+                <a:pPr>
+                  <a:lnSpc>
+                    <a:spcPct val="125000"/>
+                  </a:lnSpc>
+                </a:pPr>
+                <a:r>
+                  <a:rPr lang="es-CL" dirty="0"/>
+                  <a:t>… no puede ordenar más rápidamente que </a:t>
+                </a:r>
+                <a14:m>
+                  <m:oMath xmlns:m="http://schemas.openxmlformats.org/officeDocument/2006/math">
+                    <m:r>
+                      <a:rPr lang="es-CL" i="1">
+                        <a:latin typeface="Cambria Math" panose="02040503050406030204" pitchFamily="18" charset="0"/>
+                      </a:rPr>
+                      <m:t>𝑂</m:t>
+                    </m:r>
+                    <m:d>
+                      <m:dPr>
+                        <m:ctrlPr>
+                          <a:rPr lang="es-CL" i="1">
+                            <a:latin typeface="Cambria Math" panose="02040503050406030204" pitchFamily="18" charset="0"/>
+                          </a:rPr>
+                        </m:ctrlPr>
+                      </m:dPr>
+                      <m:e>
+                        <m:sSup>
+                          <m:sSupPr>
+                            <m:ctrlPr>
+                              <a:rPr lang="es-CL" i="1">
+                                <a:latin typeface="Cambria Math" panose="02040503050406030204" pitchFamily="18" charset="0"/>
+                              </a:rPr>
+                            </m:ctrlPr>
+                          </m:sSupPr>
+                          <m:e>
+                            <m:r>
+                              <a:rPr lang="es-CL" i="1">
+                                <a:latin typeface="Cambria Math" panose="02040503050406030204" pitchFamily="18" charset="0"/>
+                              </a:rPr>
+                              <m:t>𝑛</m:t>
+                            </m:r>
+                          </m:e>
+                          <m:sup>
+                            <m:r>
+                              <a:rPr lang="es-CL" i="1">
+                                <a:latin typeface="Cambria Math" panose="02040503050406030204" pitchFamily="18" charset="0"/>
+                              </a:rPr>
+                              <m:t>2</m:t>
+                            </m:r>
+                          </m:sup>
+                        </m:sSup>
+                      </m:e>
+                    </m:d>
+                  </m:oMath>
+                </a14:m>
+                <a:r>
+                  <a:rPr lang="es-CL" i="1" dirty="0"/>
+                  <a:t> </a:t>
+                </a:r>
+                <a:r>
+                  <a:rPr lang="es-CL" dirty="0"/>
+                  <a:t>en promedio (y en el peor caso)</a:t>
+                </a:r>
+              </a:p>
+            </p:txBody>
+          </p:sp>
+        </mc:Choice>
+        <mc:Fallback xmlns="">
+          <p:sp>
+            <p:nvSpPr>
+              <p:cNvPr id="4" name="Content Placeholder 3">
+                <a:extLst>
+                  <a:ext uri="{FF2B5EF4-FFF2-40B4-BE49-F238E27FC236}">
+                    <a16:creationId xmlns:a16="http://schemas.microsoft.com/office/drawing/2014/main" id="{73A675ED-2AB5-7B47-9EA8-3DB6522D3B6D}"/>
+                  </a:ext>
+                </a:extLst>
+              </p:cNvPr>
+              <p:cNvSpPr>
+                <a:spLocks noGrp="1" noRot="1" noChangeAspect="1" noMove="1" noResize="1" noEditPoints="1" noAdjustHandles="1" noChangeArrowheads="1" noChangeShapeType="1" noTextEdit="1"/>
+              </p:cNvSpPr>
+              <p:nvPr>
+                <p:ph sz="quarter" idx="10"/>
+              </p:nvPr>
+            </p:nvSpPr>
+            <p:spPr>
+              <a:blipFill>
+                <a:blip r:embed="rId2"/>
+                <a:stretch>
+                  <a:fillRect l="-292"/>
+                </a:stretch>
+              </a:blipFill>
+            </p:spPr>
+            <p:txBody>
+              <a:bodyPr/>
+              <a:lstStyle/>
+              <a:p>
+                <a:r>
+                  <a:rPr lang="en-US">
+                    <a:noFill/>
+                  </a:rPr>
+                  <a:t> </a:t>
+                </a:r>
+              </a:p>
+            </p:txBody>
+          </p:sp>
+        </mc:Fallback>
+      </mc:AlternateContent>
+    </p:spTree>
+    <p:extLst>
+      <p:ext uri="{BB962C8B-B14F-4D97-AF65-F5344CB8AC3E}">
+        <p14:creationId xmlns:p14="http://schemas.microsoft.com/office/powerpoint/2010/main" val="4206986214"/>
+      </p:ext>
+    </p:extLst>
+  </p:cSld>
+  <p:clrMapOvr>
+    <a:masterClrMapping/>
+  </p:clrMapOvr>
+</p:sld>
+</file>
+
+<file path=ppt/slides/slide20.xml><?xml version="1.0" encoding="utf-8"?>
+<p:sld xmlns:a="http://schemas.openxmlformats.org/drawingml/2006/main" xmlns:r="http://schemas.openxmlformats.org/officeDocument/2006/relationships" xmlns:p="http://schemas.openxmlformats.org/presentationml/2006/main">
+  <p:cSld>
+    <p:spTree>
+      <p:nvGrpSpPr>
+        <p:cNvPr id="1" name=""/>
+        <p:cNvGrpSpPr/>
+        <p:nvPr/>
+      </p:nvGrpSpPr>
+      <p:grpSpPr>
+        <a:xfrm>
+          <a:off x="0" y="0"/>
+          <a:ext cx="0" cy="0"/>
+          <a:chOff x="0" y="0"/>
+          <a:chExt cx="0" cy="0"/>
+        </a:xfrm>
+      </p:grpSpPr>
+      <p:sp>
+        <p:nvSpPr>
+          <p:cNvPr id="2" name="Title 1">
+            <a:extLst>
+              <a:ext uri="{FF2B5EF4-FFF2-40B4-BE49-F238E27FC236}">
+                <a16:creationId xmlns:a16="http://schemas.microsoft.com/office/drawing/2014/main" id="{C924869F-C800-F445-8DC7-8945143241E2}"/>
+              </a:ext>
+            </a:extLst>
+          </p:cNvPr>
+          <p:cNvSpPr>
+            <a:spLocks noGrp="1"/>
+          </p:cNvSpPr>
+          <p:nvPr>
+            <p:ph type="title"/>
+          </p:nvPr>
+        </p:nvSpPr>
+        <p:spPr/>
+        <p:txBody>
+          <a:bodyPr>
+            <a:noAutofit/>
+          </a:bodyPr>
+          <a:lstStyle/>
+          <a:p>
+            <a:pPr algn="ctr"/>
+            <a:r>
+              <a:rPr lang="en-US" sz="4000"/>
+              <a:t>La estrategia algorítmica</a:t>
+            </a:r>
+            <a:br>
+              <a:rPr lang="en-US" sz="4000"/>
+            </a:br>
+            <a:r>
+              <a:rPr lang="en-US" sz="4000" b="1"/>
+              <a:t>dividir para reinar</a:t>
+            </a:r>
+          </a:p>
+        </p:txBody>
+      </p:sp>
+      <p:sp>
+        <p:nvSpPr>
+          <p:cNvPr id="3" name="Content Placeholder 2">
+            <a:extLst>
+              <a:ext uri="{FF2B5EF4-FFF2-40B4-BE49-F238E27FC236}">
+                <a16:creationId xmlns:a16="http://schemas.microsoft.com/office/drawing/2014/main" id="{9FB84B51-7E6A-104A-8041-0162789CC268}"/>
+              </a:ext>
+            </a:extLst>
+          </p:cNvPr>
+          <p:cNvSpPr>
+            <a:spLocks noGrp="1"/>
+          </p:cNvSpPr>
+          <p:nvPr>
+            <p:ph idx="1"/>
+          </p:nvPr>
+        </p:nvSpPr>
+        <p:spPr/>
+        <p:txBody>
+          <a:bodyPr anchor="ctr"/>
+          <a:lstStyle/>
+          <a:p>
+            <a:pPr>
+              <a:lnSpc>
+                <a:spcPct val="125000"/>
+              </a:lnSpc>
+            </a:pPr>
+            <a:r>
+              <a:rPr lang="en-US"/>
+              <a:t>1. Dividir el problema original es dos (o más) subpro-blemas del mismo tipo</a:t>
+            </a:r>
+          </a:p>
+          <a:p>
+            <a:pPr>
+              <a:lnSpc>
+                <a:spcPct val="125000"/>
+              </a:lnSpc>
+            </a:pPr>
+            <a:r>
+              <a:rPr lang="en-US"/>
+              <a:t>2. Resolver (recursivamente) cada subproblema</a:t>
+            </a:r>
+          </a:p>
+          <a:p>
+            <a:pPr>
+              <a:lnSpc>
+                <a:spcPct val="125000"/>
+              </a:lnSpc>
+            </a:pPr>
+            <a:r>
+              <a:rPr lang="en-US"/>
+              <a:t>3. Encontrar la solución al problema original a partir de las soluciones a cada subproblema</a:t>
+            </a:r>
+          </a:p>
+        </p:txBody>
+      </p:sp>
+    </p:spTree>
+    <p:extLst>
+      <p:ext uri="{BB962C8B-B14F-4D97-AF65-F5344CB8AC3E}">
+        <p14:creationId xmlns:p14="http://schemas.microsoft.com/office/powerpoint/2010/main" val="3066922095"/>
+      </p:ext>
+    </p:extLst>
+  </p:cSld>
+  <p:clrMapOvr>
+    <a:masterClrMapping/>
+  </p:clrMapOvr>
+</p:sld>
+</file>
+
+<file path=ppt/slides/slide21.xml><?xml version="1.0" encoding="utf-8"?>
+<p:sld xmlns:a="http://schemas.openxmlformats.org/drawingml/2006/main" xmlns:r="http://schemas.openxmlformats.org/officeDocument/2006/relationships" xmlns:p="http://schemas.openxmlformats.org/presentationml/2006/main">
+  <p:cSld>
+    <p:spTree>
+      <p:nvGrpSpPr>
+        <p:cNvPr id="1" name=""/>
+        <p:cNvGrpSpPr/>
+        <p:nvPr/>
+      </p:nvGrpSpPr>
+      <p:grpSpPr>
+        <a:xfrm>
+          <a:off x="0" y="0"/>
+          <a:ext cx="0" cy="0"/>
+          <a:chOff x="0" y="0"/>
+          <a:chExt cx="0" cy="0"/>
+        </a:xfrm>
+      </p:grpSpPr>
+      <p:sp>
+        <p:nvSpPr>
+          <p:cNvPr id="2" name="Title 1">
+            <a:extLst>
+              <a:ext uri="{FF2B5EF4-FFF2-40B4-BE49-F238E27FC236}">
+                <a16:creationId xmlns:a16="http://schemas.microsoft.com/office/drawing/2014/main" id="{751022C4-A232-FA4B-ABCD-4BE41AC7F74E}"/>
+              </a:ext>
+            </a:extLst>
+          </p:cNvPr>
+          <p:cNvSpPr>
+            <a:spLocks noGrp="1"/>
+          </p:cNvSpPr>
+          <p:nvPr>
+            <p:ph type="title"/>
+          </p:nvPr>
+        </p:nvSpPr>
+        <p:spPr/>
+        <p:txBody>
+          <a:bodyPr>
+            <a:noAutofit/>
+          </a:bodyPr>
+          <a:lstStyle/>
+          <a:p>
+            <a:pPr algn="ctr"/>
+            <a:r>
+              <a:rPr lang="en-US" sz="4000" i="1"/>
+              <a:t>mergesort</a:t>
+            </a:r>
+            <a:r>
+              <a:rPr lang="en-US" sz="4000"/>
+              <a:t> es un algoritmo basado en</a:t>
+            </a:r>
+            <a:br>
+              <a:rPr lang="en-US" sz="4000"/>
+            </a:br>
+            <a:r>
+              <a:rPr lang="en-US" sz="4000"/>
+              <a:t>la estrategia </a:t>
+            </a:r>
+            <a:r>
+              <a:rPr lang="en-US" sz="4000" b="1"/>
+              <a:t>dividir para reinar</a:t>
+            </a:r>
+            <a:endParaRPr lang="en-US" sz="4000" b="1" i="1"/>
+          </a:p>
+        </p:txBody>
+      </p:sp>
+      <p:sp>
+        <p:nvSpPr>
+          <p:cNvPr id="3" name="Content Placeholder 2">
+            <a:extLst>
+              <a:ext uri="{FF2B5EF4-FFF2-40B4-BE49-F238E27FC236}">
+                <a16:creationId xmlns:a16="http://schemas.microsoft.com/office/drawing/2014/main" id="{599DD7BB-E378-344A-A351-6E012BF5E33F}"/>
+              </a:ext>
+            </a:extLst>
+          </p:cNvPr>
+          <p:cNvSpPr>
+            <a:spLocks noGrp="1"/>
+          </p:cNvSpPr>
+          <p:nvPr>
+            <p:ph idx="1"/>
+          </p:nvPr>
+        </p:nvSpPr>
+        <p:spPr>
+          <a:xfrm>
+            <a:off x="251461" y="1287532"/>
+            <a:ext cx="4089630" cy="4904072"/>
+          </a:xfrm>
+        </p:spPr>
+        <p:txBody>
+          <a:bodyPr anchor="ctr">
+            <a:normAutofit fontScale="85000" lnSpcReduction="10000"/>
+          </a:bodyPr>
+          <a:lstStyle/>
+          <a:p>
+            <a:pPr marL="174625" indent="-174625">
+              <a:lnSpc>
+                <a:spcPct val="125000"/>
+              </a:lnSpc>
+            </a:pPr>
+            <a:r>
+              <a:rPr lang="en-US"/>
+              <a:t>A. Dividir el problema original es dos subproblemas del mis-mo tipo</a:t>
+            </a:r>
+          </a:p>
+          <a:p>
+            <a:pPr marL="174625" indent="-174625">
+              <a:lnSpc>
+                <a:spcPct val="125000"/>
+              </a:lnSpc>
+            </a:pPr>
+            <a:r>
+              <a:rPr lang="en-US"/>
+              <a:t>B. Resolver (recursivamente) cada subproblema</a:t>
+            </a:r>
+          </a:p>
+          <a:p>
+            <a:pPr marL="174625" indent="-174625">
+              <a:lnSpc>
+                <a:spcPct val="125000"/>
+              </a:lnSpc>
+            </a:pPr>
+            <a:r>
+              <a:rPr lang="en-US"/>
+              <a:t>C. Encontrar la solución al problema original a partir de las soluciones a cada subpro-blema</a:t>
             </a:r>
           </a:p>
         </p:txBody>
@@ -16600,2484 +19505,6 @@
           </p:sp>
         </mc:Fallback>
       </mc:AlternateContent>
-      <p:cxnSp>
-        <p:nvCxnSpPr>
-          <p:cNvPr id="9" name="Straight Arrow Connector 8">
-            <a:extLst>
-              <a:ext uri="{FF2B5EF4-FFF2-40B4-BE49-F238E27FC236}">
-                <a16:creationId xmlns:a16="http://schemas.microsoft.com/office/drawing/2014/main" id="{C02F303F-9B91-254C-95E8-3F5D263A8D7F}"/>
-              </a:ext>
-            </a:extLst>
-          </p:cNvPr>
-          <p:cNvCxnSpPr>
-            <a:cxnSpLocks/>
-          </p:cNvCxnSpPr>
-          <p:nvPr/>
-        </p:nvCxnSpPr>
-        <p:spPr>
-          <a:xfrm flipV="1">
-            <a:off x="3619099" y="2483318"/>
-            <a:ext cx="1357162" cy="211757"/>
-          </a:xfrm>
-          <a:prstGeom prst="straightConnector1">
-            <a:avLst/>
-          </a:prstGeom>
-          <a:ln>
-            <a:solidFill>
-              <a:srgbClr val="FF0000"/>
-            </a:solidFill>
-            <a:tailEnd type="triangle" w="lg" len="lg"/>
-          </a:ln>
-        </p:spPr>
-        <p:style>
-          <a:lnRef idx="1">
-            <a:schemeClr val="accent1"/>
-          </a:lnRef>
-          <a:fillRef idx="0">
-            <a:schemeClr val="accent1"/>
-          </a:fillRef>
-          <a:effectRef idx="0">
-            <a:schemeClr val="accent1"/>
-          </a:effectRef>
-          <a:fontRef idx="minor">
-            <a:schemeClr val="tx1"/>
-          </a:fontRef>
-        </p:style>
-      </p:cxnSp>
-      <p:sp>
-        <p:nvSpPr>
-          <p:cNvPr id="12" name="Left Brace 11">
-            <a:extLst>
-              <a:ext uri="{FF2B5EF4-FFF2-40B4-BE49-F238E27FC236}">
-                <a16:creationId xmlns:a16="http://schemas.microsoft.com/office/drawing/2014/main" id="{8AC79143-2400-B54F-8FF1-7350C8FB7201}"/>
-              </a:ext>
-            </a:extLst>
-          </p:cNvPr>
-          <p:cNvSpPr/>
-          <p:nvPr/>
-        </p:nvSpPr>
-        <p:spPr>
-          <a:xfrm>
-            <a:off x="4562274" y="3306865"/>
-            <a:ext cx="336787" cy="1453415"/>
-          </a:xfrm>
-          <a:prstGeom prst="leftBrace">
-            <a:avLst>
-              <a:gd name="adj1" fmla="val 59303"/>
-              <a:gd name="adj2" fmla="val 50000"/>
-            </a:avLst>
-          </a:prstGeom>
-          <a:ln w="19050">
-            <a:solidFill>
-              <a:srgbClr val="FF0000"/>
-            </a:solidFill>
-          </a:ln>
-        </p:spPr>
-        <p:style>
-          <a:lnRef idx="1">
-            <a:schemeClr val="accent1"/>
-          </a:lnRef>
-          <a:fillRef idx="0">
-            <a:schemeClr val="accent1"/>
-          </a:fillRef>
-          <a:effectRef idx="0">
-            <a:schemeClr val="accent1"/>
-          </a:effectRef>
-          <a:fontRef idx="minor">
-            <a:schemeClr val="tx1"/>
-          </a:fontRef>
-        </p:style>
-        <p:txBody>
-          <a:bodyPr rtlCol="0" anchor="ctr"/>
-          <a:lstStyle/>
-          <a:p>
-            <a:pPr algn="ctr"/>
-            <a:endParaRPr lang="en-US"/>
-          </a:p>
-        </p:txBody>
-      </p:sp>
-      <p:cxnSp>
-        <p:nvCxnSpPr>
-          <p:cNvPr id="13" name="Straight Arrow Connector 12">
-            <a:extLst>
-              <a:ext uri="{FF2B5EF4-FFF2-40B4-BE49-F238E27FC236}">
-                <a16:creationId xmlns:a16="http://schemas.microsoft.com/office/drawing/2014/main" id="{0A4918C2-EC26-3948-9EEC-5D99E9421ACA}"/>
-              </a:ext>
-            </a:extLst>
-          </p:cNvPr>
-          <p:cNvCxnSpPr>
-            <a:cxnSpLocks/>
-          </p:cNvCxnSpPr>
-          <p:nvPr/>
-        </p:nvCxnSpPr>
-        <p:spPr>
-          <a:xfrm flipV="1">
-            <a:off x="3619099" y="4033573"/>
-            <a:ext cx="847023" cy="355547"/>
-          </a:xfrm>
-          <a:prstGeom prst="straightConnector1">
-            <a:avLst/>
-          </a:prstGeom>
-          <a:ln>
-            <a:solidFill>
-              <a:srgbClr val="FF0000"/>
-            </a:solidFill>
-            <a:tailEnd type="triangle" w="lg" len="lg"/>
-          </a:ln>
-        </p:spPr>
-        <p:style>
-          <a:lnRef idx="1">
-            <a:schemeClr val="accent1"/>
-          </a:lnRef>
-          <a:fillRef idx="0">
-            <a:schemeClr val="accent1"/>
-          </a:fillRef>
-          <a:effectRef idx="0">
-            <a:schemeClr val="accent1"/>
-          </a:effectRef>
-          <a:fontRef idx="minor">
-            <a:schemeClr val="tx1"/>
-          </a:fontRef>
-        </p:style>
-      </p:cxnSp>
-    </p:spTree>
-    <p:extLst>
-      <p:ext uri="{BB962C8B-B14F-4D97-AF65-F5344CB8AC3E}">
-        <p14:creationId xmlns:p14="http://schemas.microsoft.com/office/powerpoint/2010/main" val="4073360461"/>
-      </p:ext>
-    </p:extLst>
-  </p:cSld>
-  <p:clrMapOvr>
-    <a:masterClrMapping/>
-  </p:clrMapOvr>
-</p:sld>
-</file>
-
-<file path=ppt/slides/slide17.xml><?xml version="1.0" encoding="utf-8"?>
-<p:sld xmlns:a="http://schemas.openxmlformats.org/drawingml/2006/main" xmlns:r="http://schemas.openxmlformats.org/officeDocument/2006/relationships" xmlns:p="http://schemas.openxmlformats.org/presentationml/2006/main">
-  <p:cSld>
-    <p:spTree>
-      <p:nvGrpSpPr>
-        <p:cNvPr id="1" name=""/>
-        <p:cNvGrpSpPr/>
-        <p:nvPr/>
-      </p:nvGrpSpPr>
-      <p:grpSpPr>
-        <a:xfrm>
-          <a:off x="0" y="0"/>
-          <a:ext cx="0" cy="0"/>
-          <a:chOff x="0" y="0"/>
-          <a:chExt cx="0" cy="0"/>
-        </a:xfrm>
-      </p:grpSpPr>
-      <p:sp>
-        <p:nvSpPr>
-          <p:cNvPr id="2" name="Title 1">
-            <a:extLst>
-              <a:ext uri="{FF2B5EF4-FFF2-40B4-BE49-F238E27FC236}">
-                <a16:creationId xmlns:a16="http://schemas.microsoft.com/office/drawing/2014/main" id="{751022C4-A232-FA4B-ABCD-4BE41AC7F74E}"/>
-              </a:ext>
-            </a:extLst>
-          </p:cNvPr>
-          <p:cNvSpPr>
-            <a:spLocks noGrp="1"/>
-          </p:cNvSpPr>
-          <p:nvPr>
-            <p:ph type="title"/>
-          </p:nvPr>
-        </p:nvSpPr>
-        <p:spPr/>
-        <p:txBody>
-          <a:bodyPr>
-            <a:noAutofit/>
-          </a:bodyPr>
-          <a:lstStyle/>
-          <a:p>
-            <a:pPr algn="ctr"/>
-            <a:r>
-              <a:rPr lang="en-US" sz="4000"/>
-              <a:t>Sea </a:t>
-            </a:r>
-            <a:r>
-              <a:rPr lang="en-US" sz="4000" i="1"/>
-              <a:t>T</a:t>
-            </a:r>
-            <a:r>
-              <a:rPr lang="en-US" sz="4000"/>
-              <a:t>(</a:t>
-            </a:r>
-            <a:r>
-              <a:rPr lang="en-US" sz="4000" i="1"/>
-              <a:t>n</a:t>
-            </a:r>
-            <a:r>
-              <a:rPr lang="en-US" sz="4000"/>
-              <a:t>) el número de pasos que </a:t>
-            </a:r>
-            <a:r>
-              <a:rPr lang="en-US" sz="4000" i="1"/>
-              <a:t>mergeSort</a:t>
-            </a:r>
-            <a:r>
-              <a:rPr lang="en-US" sz="4000"/>
-              <a:t> toma para ordenar </a:t>
-            </a:r>
-            <a:r>
-              <a:rPr lang="en-US" sz="4000" i="1"/>
-              <a:t>n</a:t>
-            </a:r>
-            <a:r>
-              <a:rPr lang="en-US" sz="4000"/>
-              <a:t> elementos</a:t>
-            </a:r>
-          </a:p>
-        </p:txBody>
-      </p:sp>
-      <p:sp>
-        <p:nvSpPr>
-          <p:cNvPr id="3" name="Content Placeholder 2">
-            <a:extLst>
-              <a:ext uri="{FF2B5EF4-FFF2-40B4-BE49-F238E27FC236}">
-                <a16:creationId xmlns:a16="http://schemas.microsoft.com/office/drawing/2014/main" id="{599DD7BB-E378-344A-A351-6E012BF5E33F}"/>
-              </a:ext>
-            </a:extLst>
-          </p:cNvPr>
-          <p:cNvSpPr>
-            <a:spLocks noGrp="1"/>
-          </p:cNvSpPr>
-          <p:nvPr>
-            <p:ph idx="1"/>
-          </p:nvPr>
-        </p:nvSpPr>
-        <p:spPr>
-          <a:xfrm>
-            <a:off x="251461" y="1287532"/>
-            <a:ext cx="4089630" cy="4904072"/>
-          </a:xfrm>
-        </p:spPr>
-        <p:txBody>
-          <a:bodyPr anchor="ctr">
-            <a:normAutofit/>
-          </a:bodyPr>
-          <a:lstStyle/>
-          <a:p>
-            <a:pPr marL="174625" indent="-174625">
-              <a:lnSpc>
-                <a:spcPct val="112000"/>
-              </a:lnSpc>
-            </a:pPr>
-            <a:r>
-              <a:rPr lang="en-US"/>
-              <a:t>El caso base se calcula aparte:</a:t>
-            </a:r>
-          </a:p>
-          <a:p>
-            <a:pPr marL="292608" lvl="1" indent="0">
-              <a:lnSpc>
-                <a:spcPct val="112000"/>
-              </a:lnSpc>
-              <a:buNone/>
-            </a:pPr>
-            <a:r>
-              <a:rPr lang="en-US" i="1"/>
-              <a:t>T</a:t>
-            </a:r>
-            <a:r>
-              <a:rPr lang="en-US"/>
-              <a:t>(1)  =  1</a:t>
-            </a:r>
-          </a:p>
-          <a:p>
-            <a:pPr marL="174625" indent="-174625">
-              <a:lnSpc>
-                <a:spcPct val="112000"/>
-              </a:lnSpc>
-              <a:spcBef>
-                <a:spcPts val="2400"/>
-              </a:spcBef>
-            </a:pPr>
-            <a:r>
-              <a:rPr lang="en-US"/>
-              <a:t>El caso general se calcula a partir de una </a:t>
-            </a:r>
-            <a:r>
-              <a:rPr lang="en-US" i="1"/>
-              <a:t>ecuación de recurrencia</a:t>
-            </a:r>
-            <a:r>
-              <a:rPr lang="en-US"/>
-              <a:t>:</a:t>
-            </a:r>
-          </a:p>
-          <a:p>
-            <a:pPr marL="292608" lvl="1" indent="0">
-              <a:lnSpc>
-                <a:spcPct val="112000"/>
-              </a:lnSpc>
-              <a:buNone/>
-            </a:pPr>
-            <a:r>
-              <a:rPr lang="en-US" i="1"/>
-              <a:t>T</a:t>
-            </a:r>
-            <a:r>
-              <a:rPr lang="en-US"/>
-              <a:t>(</a:t>
-            </a:r>
-            <a:r>
-              <a:rPr lang="en-US" i="1"/>
-              <a:t>n</a:t>
-            </a:r>
-            <a:r>
-              <a:rPr lang="en-US"/>
-              <a:t>)  =  2</a:t>
-            </a:r>
-            <a:r>
-              <a:rPr lang="en-US" i="1"/>
-              <a:t>T</a:t>
-            </a:r>
-            <a:r>
-              <a:rPr lang="en-US"/>
-              <a:t>(</a:t>
-            </a:r>
-            <a:r>
-              <a:rPr lang="en-US" i="1"/>
-              <a:t>n</a:t>
-            </a:r>
-            <a:r>
-              <a:rPr lang="en-US"/>
-              <a:t>/2)  +  </a:t>
-            </a:r>
-            <a:r>
-              <a:rPr lang="en-US" i="1"/>
-              <a:t>n</a:t>
-            </a:r>
-          </a:p>
-        </p:txBody>
-      </p:sp>
-      <mc:AlternateContent xmlns:mc="http://schemas.openxmlformats.org/markup-compatibility/2006" xmlns:a14="http://schemas.microsoft.com/office/drawing/2010/main">
-        <mc:Choice Requires="a14">
-          <p:sp>
-            <p:nvSpPr>
-              <p:cNvPr id="4" name="Content Placeholder 2">
-                <a:extLst>
-                  <a:ext uri="{FF2B5EF4-FFF2-40B4-BE49-F238E27FC236}">
-                    <a16:creationId xmlns:a16="http://schemas.microsoft.com/office/drawing/2014/main" id="{E86CDFA1-7A45-C746-8211-DC95A2674969}"/>
-                  </a:ext>
-                </a:extLst>
-              </p:cNvPr>
-              <p:cNvSpPr txBox="1">
-                <a:spLocks/>
-              </p:cNvSpPr>
-              <p:nvPr/>
-            </p:nvSpPr>
-            <p:spPr>
-              <a:xfrm>
-                <a:off x="4802909" y="1287532"/>
-                <a:ext cx="4089628" cy="4904072"/>
-              </a:xfrm>
-              <a:prstGeom prst="rect">
-                <a:avLst/>
-              </a:prstGeom>
-              <a:solidFill>
-                <a:schemeClr val="accent1">
-                  <a:lumMod val="20000"/>
-                  <a:lumOff val="80000"/>
-                </a:schemeClr>
-              </a:solidFill>
-            </p:spPr>
-            <p:txBody>
-              <a:bodyPr vert="horz" lIns="91440" tIns="45720" rIns="91440" bIns="45720" rtlCol="0" anchor="ctr">
-                <a:normAutofit/>
-              </a:bodyPr>
-              <a:lstStyle>
-                <a:lvl1pPr marL="91440" indent="-91440" algn="l" defTabSz="914400" rtl="0" eaLnBrk="1" latinLnBrk="0" hangingPunct="1">
-                  <a:lnSpc>
-                    <a:spcPct val="150000"/>
-                  </a:lnSpc>
-                  <a:spcBef>
-                    <a:spcPts val="1200"/>
-                  </a:spcBef>
-                  <a:spcAft>
-                    <a:spcPts val="200"/>
-                  </a:spcAft>
-                  <a:buClr>
-                    <a:schemeClr val="accent1"/>
-                  </a:buClr>
-                  <a:buSzPct val="100000"/>
-                  <a:buFont typeface="Calibri" panose="020F0502020204030204" pitchFamily="34" charset="0"/>
-                  <a:buChar char=" "/>
-                  <a:defRPr sz="2800" kern="1200">
-                    <a:solidFill>
-                      <a:schemeClr val="tx1">
-                        <a:lumMod val="75000"/>
-                        <a:lumOff val="25000"/>
-                      </a:schemeClr>
-                    </a:solidFill>
-                    <a:latin typeface="+mn-lt"/>
-                    <a:ea typeface="+mn-ea"/>
-                    <a:cs typeface="+mn-cs"/>
-                  </a:defRPr>
-                </a:lvl1pPr>
-                <a:lvl2pPr marL="384048" indent="-182880" algn="l" defTabSz="914400" rtl="0" eaLnBrk="1" latinLnBrk="0" hangingPunct="1">
-                  <a:lnSpc>
-                    <a:spcPct val="150000"/>
-                  </a:lnSpc>
-                  <a:spcBef>
-                    <a:spcPts val="200"/>
-                  </a:spcBef>
-                  <a:spcAft>
-                    <a:spcPts val="400"/>
-                  </a:spcAft>
-                  <a:buClr>
-                    <a:schemeClr val="accent1"/>
-                  </a:buClr>
-                  <a:buFont typeface="Arial" panose="020B0604020202020204" pitchFamily="34" charset="0"/>
-                  <a:buChar char="•"/>
-                  <a:defRPr sz="2400" kern="1200">
-                    <a:solidFill>
-                      <a:schemeClr val="tx1">
-                        <a:lumMod val="75000"/>
-                        <a:lumOff val="25000"/>
-                      </a:schemeClr>
-                    </a:solidFill>
-                    <a:latin typeface="+mn-lt"/>
-                    <a:ea typeface="+mn-ea"/>
-                    <a:cs typeface="+mn-cs"/>
-                  </a:defRPr>
-                </a:lvl2pPr>
-                <a:lvl3pPr marL="566928" indent="-182880" algn="l" defTabSz="914400" rtl="0" eaLnBrk="1" latinLnBrk="0" hangingPunct="1">
-                  <a:lnSpc>
-                    <a:spcPct val="150000"/>
-                  </a:lnSpc>
-                  <a:spcBef>
-                    <a:spcPts val="200"/>
-                  </a:spcBef>
-                  <a:spcAft>
-                    <a:spcPts val="400"/>
-                  </a:spcAft>
-                  <a:buClr>
-                    <a:schemeClr val="accent1"/>
-                  </a:buClr>
-                  <a:buFont typeface="Arial" panose="020B0604020202020204" pitchFamily="34" charset="0"/>
-                  <a:buChar char="•"/>
-                  <a:defRPr sz="2000" kern="1200">
-                    <a:solidFill>
-                      <a:schemeClr val="tx1">
-                        <a:lumMod val="75000"/>
-                        <a:lumOff val="25000"/>
-                      </a:schemeClr>
-                    </a:solidFill>
-                    <a:latin typeface="+mn-lt"/>
-                    <a:ea typeface="+mn-ea"/>
-                    <a:cs typeface="+mn-cs"/>
-                  </a:defRPr>
-                </a:lvl3pPr>
-                <a:lvl4pPr marL="749808" indent="-182880" algn="l" defTabSz="914400" rtl="0" eaLnBrk="1" latinLnBrk="0" hangingPunct="1">
-                  <a:lnSpc>
-                    <a:spcPct val="150000"/>
-                  </a:lnSpc>
-                  <a:spcBef>
-                    <a:spcPts val="200"/>
-                  </a:spcBef>
-                  <a:spcAft>
-                    <a:spcPts val="400"/>
-                  </a:spcAft>
-                  <a:buClr>
-                    <a:schemeClr val="accent1"/>
-                  </a:buClr>
-                  <a:buFont typeface="Arial" panose="020B0604020202020204" pitchFamily="34" charset="0"/>
-                  <a:buChar char="•"/>
-                  <a:defRPr sz="1600" kern="1200">
-                    <a:solidFill>
-                      <a:schemeClr val="tx1">
-                        <a:lumMod val="75000"/>
-                        <a:lumOff val="25000"/>
-                      </a:schemeClr>
-                    </a:solidFill>
-                    <a:latin typeface="+mn-lt"/>
-                    <a:ea typeface="+mn-ea"/>
-                    <a:cs typeface="+mn-cs"/>
-                  </a:defRPr>
-                </a:lvl4pPr>
-                <a:lvl5pPr marL="932688" indent="-182880" algn="l" defTabSz="914400" rtl="0" eaLnBrk="1" latinLnBrk="0" hangingPunct="1">
-                  <a:lnSpc>
-                    <a:spcPct val="150000"/>
-                  </a:lnSpc>
-                  <a:spcBef>
-                    <a:spcPts val="200"/>
-                  </a:spcBef>
-                  <a:spcAft>
-                    <a:spcPts val="400"/>
-                  </a:spcAft>
-                  <a:buClr>
-                    <a:schemeClr val="accent1"/>
-                  </a:buClr>
-                  <a:buFont typeface="Arial" panose="020B0604020202020204" pitchFamily="34" charset="0"/>
-                  <a:buChar char="•"/>
-                  <a:defRPr sz="1200" kern="1200">
-                    <a:solidFill>
-                      <a:schemeClr val="tx1">
-                        <a:lumMod val="75000"/>
-                        <a:lumOff val="25000"/>
-                      </a:schemeClr>
-                    </a:solidFill>
-                    <a:latin typeface="+mn-lt"/>
-                    <a:ea typeface="+mn-ea"/>
-                    <a:cs typeface="+mn-cs"/>
-                  </a:defRPr>
-                </a:lvl5pPr>
-                <a:lvl6pPr marL="1100000" indent="-228600" algn="l" defTabSz="914400" rtl="0" eaLnBrk="1" latinLnBrk="0" hangingPunct="1">
-                  <a:lnSpc>
-                    <a:spcPct val="90000"/>
-                  </a:lnSpc>
-                  <a:spcBef>
-                    <a:spcPts val="200"/>
-                  </a:spcBef>
-                  <a:spcAft>
-                    <a:spcPts val="400"/>
-                  </a:spcAft>
-                  <a:buClr>
-                    <a:schemeClr val="accent1"/>
-                  </a:buClr>
-                  <a:buFont typeface="Calibri" pitchFamily="34" charset="0"/>
-                  <a:buChar char="◦"/>
-                  <a:defRPr sz="1400" kern="1200">
-                    <a:solidFill>
-                      <a:schemeClr val="tx1">
-                        <a:lumMod val="75000"/>
-                        <a:lumOff val="25000"/>
-                      </a:schemeClr>
-                    </a:solidFill>
-                    <a:latin typeface="+mn-lt"/>
-                    <a:ea typeface="+mn-ea"/>
-                    <a:cs typeface="+mn-cs"/>
-                  </a:defRPr>
-                </a:lvl6pPr>
-                <a:lvl7pPr marL="1300000" indent="-228600" algn="l" defTabSz="914400" rtl="0" eaLnBrk="1" latinLnBrk="0" hangingPunct="1">
-                  <a:lnSpc>
-                    <a:spcPct val="90000"/>
-                  </a:lnSpc>
-                  <a:spcBef>
-                    <a:spcPts val="200"/>
-                  </a:spcBef>
-                  <a:spcAft>
-                    <a:spcPts val="400"/>
-                  </a:spcAft>
-                  <a:buClr>
-                    <a:schemeClr val="accent1"/>
-                  </a:buClr>
-                  <a:buFont typeface="Calibri" pitchFamily="34" charset="0"/>
-                  <a:buChar char="◦"/>
-                  <a:defRPr sz="1400" kern="1200">
-                    <a:solidFill>
-                      <a:schemeClr val="tx1">
-                        <a:lumMod val="75000"/>
-                        <a:lumOff val="25000"/>
-                      </a:schemeClr>
-                    </a:solidFill>
-                    <a:latin typeface="+mn-lt"/>
-                    <a:ea typeface="+mn-ea"/>
-                    <a:cs typeface="+mn-cs"/>
-                  </a:defRPr>
-                </a:lvl7pPr>
-                <a:lvl8pPr marL="1500000" indent="-228600" algn="l" defTabSz="914400" rtl="0" eaLnBrk="1" latinLnBrk="0" hangingPunct="1">
-                  <a:lnSpc>
-                    <a:spcPct val="90000"/>
-                  </a:lnSpc>
-                  <a:spcBef>
-                    <a:spcPts val="200"/>
-                  </a:spcBef>
-                  <a:spcAft>
-                    <a:spcPts val="400"/>
-                  </a:spcAft>
-                  <a:buClr>
-                    <a:schemeClr val="accent1"/>
-                  </a:buClr>
-                  <a:buFont typeface="Calibri" pitchFamily="34" charset="0"/>
-                  <a:buChar char="◦"/>
-                  <a:defRPr sz="1400" kern="1200">
-                    <a:solidFill>
-                      <a:schemeClr val="tx1">
-                        <a:lumMod val="75000"/>
-                        <a:lumOff val="25000"/>
-                      </a:schemeClr>
-                    </a:solidFill>
-                    <a:latin typeface="+mn-lt"/>
-                    <a:ea typeface="+mn-ea"/>
-                    <a:cs typeface="+mn-cs"/>
-                  </a:defRPr>
-                </a:lvl8pPr>
-                <a:lvl9pPr marL="1700000" indent="-228600" algn="l" defTabSz="914400" rtl="0" eaLnBrk="1" latinLnBrk="0" hangingPunct="1">
-                  <a:lnSpc>
-                    <a:spcPct val="90000"/>
-                  </a:lnSpc>
-                  <a:spcBef>
-                    <a:spcPts val="200"/>
-                  </a:spcBef>
-                  <a:spcAft>
-                    <a:spcPts val="400"/>
-                  </a:spcAft>
-                  <a:buClr>
-                    <a:schemeClr val="accent1"/>
-                  </a:buClr>
-                  <a:buFont typeface="Calibri" pitchFamily="34" charset="0"/>
-                  <a:buChar char="◦"/>
-                  <a:defRPr sz="1400" kern="1200">
-                    <a:solidFill>
-                      <a:schemeClr val="tx1">
-                        <a:lumMod val="75000"/>
-                        <a:lumOff val="25000"/>
-                      </a:schemeClr>
-                    </a:solidFill>
-                    <a:latin typeface="+mn-lt"/>
-                    <a:ea typeface="+mn-ea"/>
-                    <a:cs typeface="+mn-cs"/>
-                  </a:defRPr>
-                </a:lvl9pPr>
-              </a:lstStyle>
-              <a:p>
-                <a:pPr>
-                  <a:lnSpc>
-                    <a:spcPct val="100000"/>
-                  </a:lnSpc>
-                </a:pPr>
-                <a:r>
-                  <a:rPr lang="es-CL" sz="2400" i="1" dirty="0"/>
-                  <a:t>mergeSort</a:t>
-                </a:r>
-                <a:r>
-                  <a:rPr lang="es-CL" sz="2400" dirty="0"/>
-                  <a:t>(secuencia </a:t>
-                </a:r>
-                <a14:m>
-                  <m:oMath xmlns:m="http://schemas.openxmlformats.org/officeDocument/2006/math">
-                    <m:r>
-                      <a:rPr lang="es-CL" sz="2400" i="1" dirty="0" smtClean="0">
-                        <a:latin typeface="Cambria Math" panose="02040503050406030204" pitchFamily="18" charset="0"/>
-                      </a:rPr>
-                      <m:t>𝐴</m:t>
-                    </m:r>
-                  </m:oMath>
-                </a14:m>
-                <a:r>
-                  <a:rPr lang="es-CL" sz="2400" dirty="0"/>
-                  <a:t>):</a:t>
-                </a:r>
-              </a:p>
-              <a:p>
-                <a:pPr marL="174625" indent="-174625">
-                  <a:lnSpc>
-                    <a:spcPct val="100000"/>
-                  </a:lnSpc>
-                  <a:buClr>
-                    <a:schemeClr val="accent2"/>
-                  </a:buClr>
-                </a:pPr>
-                <a:r>
-                  <a:rPr lang="es-CL" sz="2400" dirty="0"/>
-                  <a:t>1. Si </a:t>
-                </a:r>
-                <a14:m>
-                  <m:oMath xmlns:m="http://schemas.openxmlformats.org/officeDocument/2006/math">
-                    <m:r>
-                      <a:rPr lang="es-CL" sz="2400" i="1" dirty="0" smtClean="0">
-                        <a:latin typeface="Cambria Math" panose="02040503050406030204" pitchFamily="18" charset="0"/>
-                      </a:rPr>
-                      <m:t>𝐴</m:t>
-                    </m:r>
-                  </m:oMath>
-                </a14:m>
-                <a:r>
-                  <a:rPr lang="es-CL" sz="2400" dirty="0"/>
-                  <a:t> tiene un solo elemen-to, terminar en este paso</a:t>
-                </a:r>
-              </a:p>
-              <a:p>
-                <a:pPr marL="174625" indent="-174625">
-                  <a:lnSpc>
-                    <a:spcPct val="100000"/>
-                  </a:lnSpc>
-                  <a:buClr>
-                    <a:schemeClr val="accent2"/>
-                  </a:buClr>
-                </a:pPr>
-                <a:r>
-                  <a:rPr lang="es-CL" sz="2400" dirty="0"/>
-                  <a:t>2. Dividir la secuencia en mitades</a:t>
-                </a:r>
-              </a:p>
-              <a:p>
-                <a:pPr marL="174625" indent="-174625">
-                  <a:lnSpc>
-                    <a:spcPct val="100000"/>
-                  </a:lnSpc>
-                  <a:buClr>
-                    <a:schemeClr val="accent2"/>
-                  </a:buClr>
-                </a:pPr>
-                <a:r>
-                  <a:rPr lang="es-CL" sz="2400" dirty="0"/>
-                  <a:t>3. Ordenar cada mitad recur-sivamente usando </a:t>
-                </a:r>
-                <a:r>
-                  <a:rPr lang="es-CL" sz="2400" i="1" dirty="0"/>
-                  <a:t>mergeSort</a:t>
-                </a:r>
-              </a:p>
-              <a:p>
-                <a:pPr marL="174625" indent="-174625">
-                  <a:lnSpc>
-                    <a:spcPct val="100000"/>
-                  </a:lnSpc>
-                  <a:buClr>
-                    <a:schemeClr val="accent2"/>
-                  </a:buClr>
-                </a:pPr>
-                <a:r>
-                  <a:rPr lang="es-CL" sz="2400" dirty="0"/>
-                  <a:t>4. Combinar las mitades (ya ordenadas) usando </a:t>
-                </a:r>
-                <a:r>
-                  <a:rPr lang="es-CL" sz="2400" i="1" dirty="0"/>
-                  <a:t>merge</a:t>
-                </a:r>
-              </a:p>
-            </p:txBody>
-          </p:sp>
-        </mc:Choice>
-        <mc:Fallback xmlns="">
-          <p:sp>
-            <p:nvSpPr>
-              <p:cNvPr id="4" name="Content Placeholder 2">
-                <a:extLst>
-                  <a:ext uri="{FF2B5EF4-FFF2-40B4-BE49-F238E27FC236}">
-                    <a16:creationId xmlns:a16="http://schemas.microsoft.com/office/drawing/2014/main" id="{E86CDFA1-7A45-C746-8211-DC95A2674969}"/>
-                  </a:ext>
-                </a:extLst>
-              </p:cNvPr>
-              <p:cNvSpPr txBox="1">
-                <a:spLocks noRot="1" noChangeAspect="1" noMove="1" noResize="1" noEditPoints="1" noAdjustHandles="1" noChangeArrowheads="1" noChangeShapeType="1" noTextEdit="1"/>
-              </p:cNvSpPr>
-              <p:nvPr/>
-            </p:nvSpPr>
-            <p:spPr>
-              <a:xfrm>
-                <a:off x="4802909" y="1287532"/>
-                <a:ext cx="4089628" cy="4904072"/>
-              </a:xfrm>
-              <a:prstGeom prst="rect">
-                <a:avLst/>
-              </a:prstGeom>
-              <a:blipFill>
-                <a:blip r:embed="rId2"/>
-                <a:stretch>
-                  <a:fillRect/>
-                </a:stretch>
-              </a:blipFill>
-            </p:spPr>
-            <p:txBody>
-              <a:bodyPr/>
-              <a:lstStyle/>
-              <a:p>
-                <a:r>
-                  <a:rPr lang="en-US">
-                    <a:noFill/>
-                  </a:rPr>
-                  <a:t> </a:t>
-                </a:r>
-              </a:p>
-            </p:txBody>
-          </p:sp>
-        </mc:Fallback>
-      </mc:AlternateContent>
-      <p:cxnSp>
-        <p:nvCxnSpPr>
-          <p:cNvPr id="9" name="Straight Arrow Connector 8">
-            <a:extLst>
-              <a:ext uri="{FF2B5EF4-FFF2-40B4-BE49-F238E27FC236}">
-                <a16:creationId xmlns:a16="http://schemas.microsoft.com/office/drawing/2014/main" id="{C02F303F-9B91-254C-95E8-3F5D263A8D7F}"/>
-              </a:ext>
-            </a:extLst>
-          </p:cNvPr>
-          <p:cNvCxnSpPr>
-            <a:cxnSpLocks/>
-          </p:cNvCxnSpPr>
-          <p:nvPr/>
-        </p:nvCxnSpPr>
-        <p:spPr>
-          <a:xfrm flipV="1">
-            <a:off x="1820008" y="2483319"/>
-            <a:ext cx="3156253" cy="629158"/>
-          </a:xfrm>
-          <a:prstGeom prst="straightConnector1">
-            <a:avLst/>
-          </a:prstGeom>
-          <a:ln>
-            <a:solidFill>
-              <a:srgbClr val="FF0000"/>
-            </a:solidFill>
-            <a:tailEnd type="triangle" w="lg" len="lg"/>
-          </a:ln>
-        </p:spPr>
-        <p:style>
-          <a:lnRef idx="1">
-            <a:schemeClr val="accent1"/>
-          </a:lnRef>
-          <a:fillRef idx="0">
-            <a:schemeClr val="accent1"/>
-          </a:fillRef>
-          <a:effectRef idx="0">
-            <a:schemeClr val="accent1"/>
-          </a:effectRef>
-          <a:fontRef idx="minor">
-            <a:schemeClr val="tx1"/>
-          </a:fontRef>
-        </p:style>
-      </p:cxnSp>
-      <p:sp>
-        <p:nvSpPr>
-          <p:cNvPr id="12" name="Left Brace 11">
-            <a:extLst>
-              <a:ext uri="{FF2B5EF4-FFF2-40B4-BE49-F238E27FC236}">
-                <a16:creationId xmlns:a16="http://schemas.microsoft.com/office/drawing/2014/main" id="{8AC79143-2400-B54F-8FF1-7350C8FB7201}"/>
-              </a:ext>
-            </a:extLst>
-          </p:cNvPr>
-          <p:cNvSpPr/>
-          <p:nvPr/>
-        </p:nvSpPr>
-        <p:spPr>
-          <a:xfrm>
-            <a:off x="4562274" y="3306866"/>
-            <a:ext cx="336787" cy="1476150"/>
-          </a:xfrm>
-          <a:prstGeom prst="leftBrace">
-            <a:avLst>
-              <a:gd name="adj1" fmla="val 59303"/>
-              <a:gd name="adj2" fmla="val 50000"/>
-            </a:avLst>
-          </a:prstGeom>
-          <a:ln w="19050">
-            <a:solidFill>
-              <a:srgbClr val="FF0000"/>
-            </a:solidFill>
-          </a:ln>
-        </p:spPr>
-        <p:style>
-          <a:lnRef idx="1">
-            <a:schemeClr val="accent1"/>
-          </a:lnRef>
-          <a:fillRef idx="0">
-            <a:schemeClr val="accent1"/>
-          </a:fillRef>
-          <a:effectRef idx="0">
-            <a:schemeClr val="accent1"/>
-          </a:effectRef>
-          <a:fontRef idx="minor">
-            <a:schemeClr val="tx1"/>
-          </a:fontRef>
-        </p:style>
-        <p:txBody>
-          <a:bodyPr rtlCol="0" anchor="ctr"/>
-          <a:lstStyle/>
-          <a:p>
-            <a:pPr algn="ctr"/>
-            <a:endParaRPr lang="en-US"/>
-          </a:p>
-        </p:txBody>
-      </p:sp>
-      <p:cxnSp>
-        <p:nvCxnSpPr>
-          <p:cNvPr id="13" name="Straight Arrow Connector 12">
-            <a:extLst>
-              <a:ext uri="{FF2B5EF4-FFF2-40B4-BE49-F238E27FC236}">
-                <a16:creationId xmlns:a16="http://schemas.microsoft.com/office/drawing/2014/main" id="{0A4918C2-EC26-3948-9EEC-5D99E9421ACA}"/>
-              </a:ext>
-            </a:extLst>
-          </p:cNvPr>
-          <p:cNvCxnSpPr>
-            <a:cxnSpLocks/>
-          </p:cNvCxnSpPr>
-          <p:nvPr/>
-        </p:nvCxnSpPr>
-        <p:spPr>
-          <a:xfrm flipV="1">
-            <a:off x="2312377" y="4044462"/>
-            <a:ext cx="2162908" cy="1169377"/>
-          </a:xfrm>
-          <a:prstGeom prst="straightConnector1">
-            <a:avLst/>
-          </a:prstGeom>
-          <a:ln>
-            <a:solidFill>
-              <a:srgbClr val="FF0000"/>
-            </a:solidFill>
-            <a:tailEnd type="triangle" w="lg" len="lg"/>
-          </a:ln>
-        </p:spPr>
-        <p:style>
-          <a:lnRef idx="1">
-            <a:schemeClr val="accent1"/>
-          </a:lnRef>
-          <a:fillRef idx="0">
-            <a:schemeClr val="accent1"/>
-          </a:fillRef>
-          <a:effectRef idx="0">
-            <a:schemeClr val="accent1"/>
-          </a:effectRef>
-          <a:fontRef idx="minor">
-            <a:schemeClr val="tx1"/>
-          </a:fontRef>
-        </p:style>
-      </p:cxnSp>
-      <p:cxnSp>
-        <p:nvCxnSpPr>
-          <p:cNvPr id="14" name="Straight Arrow Connector 13">
-            <a:extLst>
-              <a:ext uri="{FF2B5EF4-FFF2-40B4-BE49-F238E27FC236}">
-                <a16:creationId xmlns:a16="http://schemas.microsoft.com/office/drawing/2014/main" id="{AB2B45D6-4C6B-1548-B27D-C74E7D737D00}"/>
-              </a:ext>
-            </a:extLst>
-          </p:cNvPr>
-          <p:cNvCxnSpPr>
-            <a:cxnSpLocks/>
-          </p:cNvCxnSpPr>
-          <p:nvPr/>
-        </p:nvCxnSpPr>
-        <p:spPr>
-          <a:xfrm flipV="1">
-            <a:off x="3103685" y="5213839"/>
-            <a:ext cx="1872576" cy="175846"/>
-          </a:xfrm>
-          <a:prstGeom prst="straightConnector1">
-            <a:avLst/>
-          </a:prstGeom>
-          <a:ln>
-            <a:solidFill>
-              <a:srgbClr val="FF0000"/>
-            </a:solidFill>
-            <a:tailEnd type="triangle" w="lg" len="lg"/>
-          </a:ln>
-        </p:spPr>
-        <p:style>
-          <a:lnRef idx="1">
-            <a:schemeClr val="accent1"/>
-          </a:lnRef>
-          <a:fillRef idx="0">
-            <a:schemeClr val="accent1"/>
-          </a:fillRef>
-          <a:effectRef idx="0">
-            <a:schemeClr val="accent1"/>
-          </a:effectRef>
-          <a:fontRef idx="minor">
-            <a:schemeClr val="tx1"/>
-          </a:fontRef>
-        </p:style>
-      </p:cxnSp>
-    </p:spTree>
-    <p:extLst>
-      <p:ext uri="{BB962C8B-B14F-4D97-AF65-F5344CB8AC3E}">
-        <p14:creationId xmlns:p14="http://schemas.microsoft.com/office/powerpoint/2010/main" val="962771825"/>
-      </p:ext>
-    </p:extLst>
-  </p:cSld>
-  <p:clrMapOvr>
-    <a:masterClrMapping/>
-  </p:clrMapOvr>
-</p:sld>
-</file>
-
-<file path=ppt/slides/slide18.xml><?xml version="1.0" encoding="utf-8"?>
-<p:sld xmlns:a="http://schemas.openxmlformats.org/drawingml/2006/main" xmlns:r="http://schemas.openxmlformats.org/officeDocument/2006/relationships" xmlns:p="http://schemas.openxmlformats.org/presentationml/2006/main">
-  <p:cSld>
-    <p:spTree>
-      <p:nvGrpSpPr>
-        <p:cNvPr id="1" name=""/>
-        <p:cNvGrpSpPr/>
-        <p:nvPr/>
-      </p:nvGrpSpPr>
-      <p:grpSpPr>
-        <a:xfrm>
-          <a:off x="0" y="0"/>
-          <a:ext cx="0" cy="0"/>
-          <a:chOff x="0" y="0"/>
-          <a:chExt cx="0" cy="0"/>
-        </a:xfrm>
-      </p:grpSpPr>
-      <p:sp>
-        <p:nvSpPr>
-          <p:cNvPr id="4" name="Content Placeholder 3">
-            <a:extLst>
-              <a:ext uri="{FF2B5EF4-FFF2-40B4-BE49-F238E27FC236}">
-                <a16:creationId xmlns:a16="http://schemas.microsoft.com/office/drawing/2014/main" id="{E88E69FB-F8E1-BB40-A2FF-B35887A684E2}"/>
-              </a:ext>
-            </a:extLst>
-          </p:cNvPr>
-          <p:cNvSpPr>
-            <a:spLocks noGrp="1"/>
-          </p:cNvSpPr>
-          <p:nvPr>
-            <p:ph sz="quarter" idx="10"/>
-          </p:nvPr>
-        </p:nvSpPr>
-        <p:spPr/>
-        <p:txBody>
-          <a:bodyPr anchor="ctr">
-            <a:normAutofit lnSpcReduction="10000"/>
-          </a:bodyPr>
-          <a:lstStyle/>
-          <a:p>
-            <a:pPr>
-              <a:lnSpc>
-                <a:spcPct val="120000"/>
-              </a:lnSpc>
-              <a:spcBef>
-                <a:spcPts val="4200"/>
-              </a:spcBef>
-            </a:pPr>
-            <a:r>
-              <a:rPr lang="en-US" sz="2400">
-                <a:ea typeface="ＭＳ Ｐゴシック" charset="0"/>
-              </a:rPr>
-              <a:t>Resolvamos la recurrencia	</a:t>
-            </a:r>
-            <a:r>
-              <a:rPr lang="en-US" sz="2400" i="1">
-                <a:ea typeface="ＭＳ Ｐゴシック" charset="0"/>
-              </a:rPr>
-              <a:t>T</a:t>
-            </a:r>
-            <a:r>
-              <a:rPr lang="en-US" sz="2400">
-                <a:ea typeface="ＭＳ Ｐゴシック" charset="0"/>
-              </a:rPr>
-              <a:t>(</a:t>
-            </a:r>
-            <a:r>
-              <a:rPr lang="en-US" sz="2400" i="1">
-                <a:ea typeface="ＭＳ Ｐゴシック" charset="0"/>
-              </a:rPr>
-              <a:t>n</a:t>
-            </a:r>
-            <a:r>
-              <a:rPr lang="en-US" sz="2400">
-                <a:ea typeface="ＭＳ Ｐゴシック" charset="0"/>
-              </a:rPr>
-              <a:t>) = 2</a:t>
-            </a:r>
-            <a:r>
-              <a:rPr lang="en-US" sz="2400" i="1">
-                <a:ea typeface="ＭＳ Ｐゴシック" charset="0"/>
-              </a:rPr>
-              <a:t>T</a:t>
-            </a:r>
-            <a:r>
-              <a:rPr lang="en-US" sz="2400">
-                <a:ea typeface="ＭＳ Ｐゴシック" charset="0"/>
-              </a:rPr>
-              <a:t>(</a:t>
-            </a:r>
-            <a:r>
-              <a:rPr lang="en-US" sz="2400" i="1">
-                <a:ea typeface="ＭＳ Ｐゴシック" charset="0"/>
-              </a:rPr>
-              <a:t>n</a:t>
-            </a:r>
-            <a:r>
-              <a:rPr lang="en-US" sz="2400">
-                <a:ea typeface="ＭＳ Ｐゴシック" charset="0"/>
-              </a:rPr>
-              <a:t>/2) + </a:t>
-            </a:r>
-            <a:r>
-              <a:rPr lang="en-US" sz="2400" i="1">
-                <a:ea typeface="ＭＳ Ｐゴシック" charset="0"/>
-              </a:rPr>
-              <a:t>n</a:t>
-            </a:r>
-          </a:p>
-          <a:p>
-            <a:pPr>
-              <a:lnSpc>
-                <a:spcPct val="120000"/>
-              </a:lnSpc>
-            </a:pPr>
-            <a:r>
-              <a:rPr lang="en-US" sz="2400">
-                <a:ea typeface="ＭＳ Ｐゴシック" charset="0"/>
-              </a:rPr>
-              <a:t>	</a:t>
-            </a:r>
-            <a:r>
-              <a:rPr lang="en-US" sz="2400" i="1">
-                <a:ea typeface="ＭＳ Ｐゴシック" charset="0"/>
-              </a:rPr>
-              <a:t>T</a:t>
-            </a:r>
-            <a:r>
-              <a:rPr lang="en-US" sz="2400">
-                <a:ea typeface="ＭＳ Ｐゴシック" charset="0"/>
-              </a:rPr>
-              <a:t>(</a:t>
-            </a:r>
-            <a:r>
-              <a:rPr lang="en-US" sz="2400" i="1">
-                <a:ea typeface="ＭＳ Ｐゴシック" charset="0"/>
-              </a:rPr>
-              <a:t>n</a:t>
-            </a:r>
-            <a:r>
-              <a:rPr lang="en-US" sz="2400">
-                <a:ea typeface="ＭＳ Ｐゴシック" charset="0"/>
-              </a:rPr>
-              <a:t>)/</a:t>
-            </a:r>
-            <a:r>
-              <a:rPr lang="en-US" sz="2400" i="1">
-                <a:ea typeface="ＭＳ Ｐゴシック" charset="0"/>
-              </a:rPr>
-              <a:t>n</a:t>
-            </a:r>
-            <a:r>
-              <a:rPr lang="en-US" sz="2400">
-                <a:ea typeface="ＭＳ Ｐゴシック" charset="0"/>
-              </a:rPr>
-              <a:t> 		=	</a:t>
-            </a:r>
-            <a:r>
-              <a:rPr lang="en-US" sz="2400" i="1">
-                <a:ea typeface="ＭＳ Ｐゴシック" charset="0"/>
-              </a:rPr>
-              <a:t>T</a:t>
-            </a:r>
-            <a:r>
-              <a:rPr lang="en-US" sz="2400">
-                <a:ea typeface="ＭＳ Ｐゴシック" charset="0"/>
-              </a:rPr>
-              <a:t>(</a:t>
-            </a:r>
-            <a:r>
-              <a:rPr lang="en-US" sz="2400" i="1">
-                <a:ea typeface="ＭＳ Ｐゴシック" charset="0"/>
-              </a:rPr>
-              <a:t>n</a:t>
-            </a:r>
-            <a:r>
-              <a:rPr lang="en-US" sz="2400">
-                <a:ea typeface="ＭＳ Ｐゴシック" charset="0"/>
-              </a:rPr>
-              <a:t>/2)/(</a:t>
-            </a:r>
-            <a:r>
-              <a:rPr lang="en-US" sz="2400" i="1">
-                <a:ea typeface="ＭＳ Ｐゴシック" charset="0"/>
-              </a:rPr>
-              <a:t>n</a:t>
-            </a:r>
-            <a:r>
-              <a:rPr lang="en-US" sz="2400">
-                <a:ea typeface="ＭＳ Ｐゴシック" charset="0"/>
-              </a:rPr>
-              <a:t>/2) + 1</a:t>
-            </a:r>
-          </a:p>
-          <a:p>
-            <a:pPr>
-              <a:lnSpc>
-                <a:spcPct val="120000"/>
-              </a:lnSpc>
-            </a:pPr>
-            <a:r>
-              <a:rPr lang="en-US" sz="2400">
-                <a:ea typeface="ＭＳ Ｐゴシック" charset="0"/>
-              </a:rPr>
-              <a:t>	</a:t>
-            </a:r>
-            <a:r>
-              <a:rPr lang="en-US" sz="2400" i="1">
-                <a:ea typeface="ＭＳ Ｐゴシック" charset="0"/>
-              </a:rPr>
-              <a:t>T</a:t>
-            </a:r>
-            <a:r>
-              <a:rPr lang="en-US" sz="2400">
-                <a:ea typeface="ＭＳ Ｐゴシック" charset="0"/>
-              </a:rPr>
-              <a:t>(</a:t>
-            </a:r>
-            <a:r>
-              <a:rPr lang="en-US" sz="2400" i="1">
-                <a:ea typeface="ＭＳ Ｐゴシック" charset="0"/>
-              </a:rPr>
-              <a:t>n</a:t>
-            </a:r>
-            <a:r>
-              <a:rPr lang="en-US" sz="2400">
-                <a:ea typeface="ＭＳ Ｐゴシック" charset="0"/>
-              </a:rPr>
-              <a:t>/2)/(</a:t>
-            </a:r>
-            <a:r>
-              <a:rPr lang="en-US" sz="2400" i="1">
-                <a:ea typeface="ＭＳ Ｐゴシック" charset="0"/>
-              </a:rPr>
-              <a:t>n</a:t>
-            </a:r>
-            <a:r>
-              <a:rPr lang="en-US" sz="2400">
-                <a:ea typeface="ＭＳ Ｐゴシック" charset="0"/>
-              </a:rPr>
-              <a:t>/2)	=	</a:t>
-            </a:r>
-            <a:r>
-              <a:rPr lang="en-US" sz="2400" i="1">
-                <a:ea typeface="ＭＳ Ｐゴシック" charset="0"/>
-              </a:rPr>
-              <a:t>T</a:t>
-            </a:r>
-            <a:r>
-              <a:rPr lang="en-US" sz="2400">
-                <a:ea typeface="ＭＳ Ｐゴシック" charset="0"/>
-              </a:rPr>
-              <a:t>(</a:t>
-            </a:r>
-            <a:r>
-              <a:rPr lang="en-US" sz="2400" i="1">
-                <a:ea typeface="ＭＳ Ｐゴシック" charset="0"/>
-              </a:rPr>
-              <a:t>n</a:t>
-            </a:r>
-            <a:r>
-              <a:rPr lang="en-US" sz="2400">
-                <a:ea typeface="ＭＳ Ｐゴシック" charset="0"/>
-              </a:rPr>
-              <a:t>/4)/(</a:t>
-            </a:r>
-            <a:r>
-              <a:rPr lang="en-US" sz="2400" i="1">
-                <a:ea typeface="ＭＳ Ｐゴシック" charset="0"/>
-              </a:rPr>
-              <a:t>n</a:t>
-            </a:r>
-            <a:r>
-              <a:rPr lang="en-US" sz="2400">
-                <a:ea typeface="ＭＳ Ｐゴシック" charset="0"/>
-              </a:rPr>
-              <a:t>/4) + 1</a:t>
-            </a:r>
-          </a:p>
-          <a:p>
-            <a:pPr>
-              <a:lnSpc>
-                <a:spcPct val="120000"/>
-              </a:lnSpc>
-            </a:pPr>
-            <a:r>
-              <a:rPr lang="en-US" sz="2400">
-                <a:ea typeface="ＭＳ Ｐゴシック" charset="0"/>
-              </a:rPr>
-              <a:t>	</a:t>
-            </a:r>
-            <a:r>
-              <a:rPr lang="en-US" sz="2400" i="1">
-                <a:ea typeface="ＭＳ Ｐゴシック" charset="0"/>
-              </a:rPr>
-              <a:t>T</a:t>
-            </a:r>
-            <a:r>
-              <a:rPr lang="en-US" sz="2400">
-                <a:ea typeface="ＭＳ Ｐゴシック" charset="0"/>
-              </a:rPr>
-              <a:t>(</a:t>
-            </a:r>
-            <a:r>
-              <a:rPr lang="en-US" sz="2400" i="1">
-                <a:ea typeface="ＭＳ Ｐゴシック" charset="0"/>
-              </a:rPr>
-              <a:t>n</a:t>
-            </a:r>
-            <a:r>
-              <a:rPr lang="en-US" sz="2400">
-                <a:ea typeface="ＭＳ Ｐゴシック" charset="0"/>
-              </a:rPr>
-              <a:t>/4)/(</a:t>
-            </a:r>
-            <a:r>
-              <a:rPr lang="en-US" sz="2400" i="1">
-                <a:ea typeface="ＭＳ Ｐゴシック" charset="0"/>
-              </a:rPr>
-              <a:t>n</a:t>
-            </a:r>
-            <a:r>
-              <a:rPr lang="en-US" sz="2400">
-                <a:ea typeface="ＭＳ Ｐゴシック" charset="0"/>
-              </a:rPr>
-              <a:t>/4)	=	</a:t>
-            </a:r>
-            <a:r>
-              <a:rPr lang="en-US" sz="2400" i="1">
-                <a:ea typeface="ＭＳ Ｐゴシック" charset="0"/>
-              </a:rPr>
-              <a:t>T</a:t>
-            </a:r>
-            <a:r>
-              <a:rPr lang="en-US" sz="2400">
-                <a:ea typeface="ＭＳ Ｐゴシック" charset="0"/>
-              </a:rPr>
-              <a:t>(</a:t>
-            </a:r>
-            <a:r>
-              <a:rPr lang="en-US" sz="2400" i="1">
-                <a:ea typeface="ＭＳ Ｐゴシック" charset="0"/>
-              </a:rPr>
-              <a:t>n</a:t>
-            </a:r>
-            <a:r>
-              <a:rPr lang="en-US" sz="2400">
-                <a:ea typeface="ＭＳ Ｐゴシック" charset="0"/>
-              </a:rPr>
-              <a:t>/8)/(</a:t>
-            </a:r>
-            <a:r>
-              <a:rPr lang="en-US" sz="2400" i="1">
-                <a:ea typeface="ＭＳ Ｐゴシック" charset="0"/>
-              </a:rPr>
-              <a:t>n</a:t>
-            </a:r>
-            <a:r>
-              <a:rPr lang="en-US" sz="2400">
-                <a:ea typeface="ＭＳ Ｐゴシック" charset="0"/>
-              </a:rPr>
-              <a:t>/8) + 1</a:t>
-            </a:r>
-          </a:p>
-          <a:p>
-            <a:pPr>
-              <a:lnSpc>
-                <a:spcPct val="120000"/>
-              </a:lnSpc>
-            </a:pPr>
-            <a:r>
-              <a:rPr lang="en-US" sz="2400">
-                <a:ea typeface="ＭＳ Ｐゴシック" charset="0"/>
-              </a:rPr>
-              <a:t>			⋮</a:t>
-            </a:r>
-          </a:p>
-          <a:p>
-            <a:pPr>
-              <a:lnSpc>
-                <a:spcPct val="120000"/>
-              </a:lnSpc>
-            </a:pPr>
-            <a:r>
-              <a:rPr lang="en-US" sz="2400">
-                <a:ea typeface="ＭＳ Ｐゴシック" charset="0"/>
-              </a:rPr>
-              <a:t>	</a:t>
-            </a:r>
-            <a:r>
-              <a:rPr lang="en-US" sz="2400" i="1">
-                <a:ea typeface="ＭＳ Ｐゴシック" charset="0"/>
-              </a:rPr>
-              <a:t>T</a:t>
-            </a:r>
-            <a:r>
-              <a:rPr lang="en-US" sz="2400">
-                <a:ea typeface="ＭＳ Ｐゴシック" charset="0"/>
-              </a:rPr>
-              <a:t>(2)/2		=	</a:t>
-            </a:r>
-            <a:r>
-              <a:rPr lang="en-US" sz="2400" i="1">
-                <a:ea typeface="ＭＳ Ｐゴシック" charset="0"/>
-              </a:rPr>
-              <a:t>T</a:t>
-            </a:r>
-            <a:r>
-              <a:rPr lang="en-US" sz="2400">
-                <a:ea typeface="ＭＳ Ｐゴシック" charset="0"/>
-              </a:rPr>
-              <a:t>(1)/1 + 1</a:t>
-            </a:r>
-          </a:p>
-          <a:p>
-            <a:pPr>
-              <a:lnSpc>
-                <a:spcPct val="120000"/>
-              </a:lnSpc>
-            </a:pPr>
-            <a:r>
-              <a:rPr lang="en-US" sz="2400">
-                <a:ea typeface="ＭＳ Ｐゴシック" charset="0"/>
-              </a:rPr>
-              <a:t>Si sumamos ambos lados del signo = y cancelamos los términos que aparecen a ambos lados, obtenemos</a:t>
-            </a:r>
-          </a:p>
-          <a:p>
-            <a:pPr>
-              <a:lnSpc>
-                <a:spcPct val="120000"/>
-              </a:lnSpc>
-            </a:pPr>
-            <a:r>
-              <a:rPr lang="en-US" sz="2400">
-                <a:ea typeface="ＭＳ Ｐゴシック" charset="0"/>
-              </a:rPr>
-              <a:t>	</a:t>
-            </a:r>
-            <a:r>
-              <a:rPr lang="en-US" sz="2400" i="1">
-                <a:ea typeface="ＭＳ Ｐゴシック" charset="0"/>
-              </a:rPr>
-              <a:t>T</a:t>
-            </a:r>
-            <a:r>
-              <a:rPr lang="en-US" sz="2400">
-                <a:ea typeface="ＭＳ Ｐゴシック" charset="0"/>
-              </a:rPr>
-              <a:t>(</a:t>
-            </a:r>
-            <a:r>
-              <a:rPr lang="en-US" sz="2400" i="1">
-                <a:ea typeface="ＭＳ Ｐゴシック" charset="0"/>
-              </a:rPr>
-              <a:t>n</a:t>
-            </a:r>
-            <a:r>
-              <a:rPr lang="en-US" sz="2400">
-                <a:ea typeface="ＭＳ Ｐゴシック" charset="0"/>
-              </a:rPr>
-              <a:t>)/</a:t>
-            </a:r>
-            <a:r>
-              <a:rPr lang="en-US" sz="2400" i="1">
-                <a:ea typeface="ＭＳ Ｐゴシック" charset="0"/>
-              </a:rPr>
-              <a:t>n</a:t>
-            </a:r>
-            <a:r>
-              <a:rPr lang="en-US" sz="2400">
-                <a:ea typeface="ＭＳ Ｐゴシック" charset="0"/>
-              </a:rPr>
-              <a:t>		=	</a:t>
-            </a:r>
-            <a:r>
-              <a:rPr lang="en-US" sz="2400" i="1">
-                <a:ea typeface="ＭＳ Ｐゴシック" charset="0"/>
-              </a:rPr>
-              <a:t>T</a:t>
-            </a:r>
-            <a:r>
-              <a:rPr lang="en-US" sz="2400">
-                <a:ea typeface="ＭＳ Ｐゴシック" charset="0"/>
-              </a:rPr>
-              <a:t>(1)/1 + log </a:t>
-            </a:r>
-            <a:r>
-              <a:rPr lang="en-US" sz="2400" i="1">
-                <a:ea typeface="ＭＳ Ｐゴシック" charset="0"/>
-              </a:rPr>
-              <a:t>n</a:t>
-            </a:r>
-            <a:endParaRPr lang="en-US" sz="2400">
-              <a:ea typeface="ＭＳ Ｐゴシック" charset="0"/>
-            </a:endParaRPr>
-          </a:p>
-          <a:p>
-            <a:pPr>
-              <a:lnSpc>
-                <a:spcPct val="120000"/>
-              </a:lnSpc>
-              <a:spcBef>
-                <a:spcPts val="2400"/>
-              </a:spcBef>
-            </a:pPr>
-            <a:r>
-              <a:rPr lang="en-US" sz="2400" b="1">
-                <a:ea typeface="ＭＳ Ｐゴシック" charset="0"/>
-              </a:rPr>
-              <a:t>⇒		</a:t>
-            </a:r>
-            <a:r>
-              <a:rPr lang="en-US" sz="2400" b="1" i="1">
-                <a:ea typeface="ＭＳ Ｐゴシック" charset="0"/>
-              </a:rPr>
-              <a:t>T</a:t>
-            </a:r>
-            <a:r>
-              <a:rPr lang="en-US" sz="2400" b="1">
-                <a:ea typeface="ＭＳ Ｐゴシック" charset="0"/>
-              </a:rPr>
-              <a:t>(</a:t>
-            </a:r>
-            <a:r>
-              <a:rPr lang="en-US" sz="2400" b="1" i="1">
-                <a:ea typeface="ＭＳ Ｐゴシック" charset="0"/>
-              </a:rPr>
-              <a:t>n</a:t>
-            </a:r>
-            <a:r>
-              <a:rPr lang="en-US" sz="2400" b="1">
-                <a:ea typeface="ＭＳ Ｐゴシック" charset="0"/>
-              </a:rPr>
-              <a:t>) = </a:t>
-            </a:r>
-            <a:r>
-              <a:rPr lang="en-US" sz="2400" b="1" i="1">
-                <a:ea typeface="ＭＳ Ｐゴシック" charset="0"/>
-              </a:rPr>
-              <a:t>n</a:t>
-            </a:r>
-            <a:r>
-              <a:rPr lang="en-US" sz="2400" b="1">
-                <a:ea typeface="ＭＳ Ｐゴシック" charset="0"/>
-              </a:rPr>
-              <a:t> log </a:t>
-            </a:r>
-            <a:r>
-              <a:rPr lang="en-US" sz="2400" b="1" i="1">
-                <a:ea typeface="ＭＳ Ｐゴシック" charset="0"/>
-              </a:rPr>
-              <a:t>n</a:t>
-            </a:r>
-            <a:r>
-              <a:rPr lang="en-US" sz="2400" b="1">
-                <a:ea typeface="ＭＳ Ｐゴシック" charset="0"/>
-              </a:rPr>
-              <a:t> + </a:t>
-            </a:r>
-            <a:r>
-              <a:rPr lang="en-US" sz="2400" b="1" i="1">
-                <a:ea typeface="ＭＳ Ｐゴシック" charset="0"/>
-              </a:rPr>
-              <a:t>n</a:t>
-            </a:r>
-          </a:p>
-        </p:txBody>
-      </p:sp>
-    </p:spTree>
-    <p:extLst>
-      <p:ext uri="{BB962C8B-B14F-4D97-AF65-F5344CB8AC3E}">
-        <p14:creationId xmlns:p14="http://schemas.microsoft.com/office/powerpoint/2010/main" val="2104139321"/>
-      </p:ext>
-    </p:extLst>
-  </p:cSld>
-  <p:clrMapOvr>
-    <a:masterClrMapping/>
-  </p:clrMapOvr>
-</p:sld>
-</file>
-
-<file path=ppt/slides/slide19.xml><?xml version="1.0" encoding="utf-8"?>
-<p:sld xmlns:a="http://schemas.openxmlformats.org/drawingml/2006/main" xmlns:r="http://schemas.openxmlformats.org/officeDocument/2006/relationships" xmlns:p="http://schemas.openxmlformats.org/presentationml/2006/main">
-  <p:cSld>
-    <p:spTree>
-      <p:nvGrpSpPr>
-        <p:cNvPr id="1" name=""/>
-        <p:cNvGrpSpPr/>
-        <p:nvPr/>
-      </p:nvGrpSpPr>
-      <p:grpSpPr>
-        <a:xfrm>
-          <a:off x="0" y="0"/>
-          <a:ext cx="0" cy="0"/>
-          <a:chOff x="0" y="0"/>
-          <a:chExt cx="0" cy="0"/>
-        </a:xfrm>
-      </p:grpSpPr>
-      <p:sp>
-        <p:nvSpPr>
-          <p:cNvPr id="2" name="Title 1">
-            <a:extLst>
-              <a:ext uri="{FF2B5EF4-FFF2-40B4-BE49-F238E27FC236}">
-                <a16:creationId xmlns:a16="http://schemas.microsoft.com/office/drawing/2014/main" id="{C924869F-C800-F445-8DC7-8945143241E2}"/>
-              </a:ext>
-            </a:extLst>
-          </p:cNvPr>
-          <p:cNvSpPr>
-            <a:spLocks noGrp="1"/>
-          </p:cNvSpPr>
-          <p:nvPr>
-            <p:ph type="title"/>
-          </p:nvPr>
-        </p:nvSpPr>
-        <p:spPr/>
-        <p:txBody>
-          <a:bodyPr>
-            <a:noAutofit/>
-          </a:bodyPr>
-          <a:lstStyle/>
-          <a:p>
-            <a:pPr algn="ctr"/>
-            <a:r>
-              <a:rPr lang="en-US" sz="4000"/>
-              <a:t>La estrategia algorítmica</a:t>
-            </a:r>
-            <a:br>
-              <a:rPr lang="en-US" sz="4000"/>
-            </a:br>
-            <a:r>
-              <a:rPr lang="en-US" sz="4000" b="1"/>
-              <a:t>dividir para reinar</a:t>
-            </a:r>
-          </a:p>
-        </p:txBody>
-      </p:sp>
-      <p:sp>
-        <p:nvSpPr>
-          <p:cNvPr id="3" name="Content Placeholder 2">
-            <a:extLst>
-              <a:ext uri="{FF2B5EF4-FFF2-40B4-BE49-F238E27FC236}">
-                <a16:creationId xmlns:a16="http://schemas.microsoft.com/office/drawing/2014/main" id="{9FB84B51-7E6A-104A-8041-0162789CC268}"/>
-              </a:ext>
-            </a:extLst>
-          </p:cNvPr>
-          <p:cNvSpPr>
-            <a:spLocks noGrp="1"/>
-          </p:cNvSpPr>
-          <p:nvPr>
-            <p:ph idx="1"/>
-          </p:nvPr>
-        </p:nvSpPr>
-        <p:spPr/>
-        <p:txBody>
-          <a:bodyPr anchor="ctr"/>
-          <a:lstStyle/>
-          <a:p>
-            <a:pPr>
-              <a:lnSpc>
-                <a:spcPct val="125000"/>
-              </a:lnSpc>
-            </a:pPr>
-            <a:r>
-              <a:rPr lang="en-US"/>
-              <a:t>1. Dividir el problema original es dos (o más) subpro-blemas del mismo tipo</a:t>
-            </a:r>
-          </a:p>
-          <a:p>
-            <a:pPr>
-              <a:lnSpc>
-                <a:spcPct val="125000"/>
-              </a:lnSpc>
-            </a:pPr>
-            <a:r>
-              <a:rPr lang="en-US"/>
-              <a:t>2. Resolver (recursivamente) cada subproblema</a:t>
-            </a:r>
-          </a:p>
-          <a:p>
-            <a:pPr>
-              <a:lnSpc>
-                <a:spcPct val="125000"/>
-              </a:lnSpc>
-            </a:pPr>
-            <a:r>
-              <a:rPr lang="en-US"/>
-              <a:t>3. Encontrar la solución al problema original a partir de las soluciones a cada subproblema</a:t>
-            </a:r>
-          </a:p>
-        </p:txBody>
-      </p:sp>
-    </p:spTree>
-    <p:extLst>
-      <p:ext uri="{BB962C8B-B14F-4D97-AF65-F5344CB8AC3E}">
-        <p14:creationId xmlns:p14="http://schemas.microsoft.com/office/powerpoint/2010/main" val="3066922095"/>
-      </p:ext>
-    </p:extLst>
-  </p:cSld>
-  <p:clrMapOvr>
-    <a:masterClrMapping/>
-  </p:clrMapOvr>
-</p:sld>
-</file>
-
-<file path=ppt/slides/slide2.xml><?xml version="1.0" encoding="utf-8"?>
-<p:sld xmlns:a="http://schemas.openxmlformats.org/drawingml/2006/main" xmlns:r="http://schemas.openxmlformats.org/officeDocument/2006/relationships" xmlns:p="http://schemas.openxmlformats.org/presentationml/2006/main">
-  <p:cSld>
-    <p:spTree>
-      <p:nvGrpSpPr>
-        <p:cNvPr id="1" name=""/>
-        <p:cNvGrpSpPr/>
-        <p:nvPr/>
-      </p:nvGrpSpPr>
-      <p:grpSpPr>
-        <a:xfrm>
-          <a:off x="0" y="0"/>
-          <a:ext cx="0" cy="0"/>
-          <a:chOff x="0" y="0"/>
-          <a:chExt cx="0" cy="0"/>
-        </a:xfrm>
-      </p:grpSpPr>
-      <mc:AlternateContent xmlns:mc="http://schemas.openxmlformats.org/markup-compatibility/2006" xmlns:a14="http://schemas.microsoft.com/office/drawing/2010/main">
-        <mc:Choice Requires="a14">
-          <p:sp>
-            <p:nvSpPr>
-              <p:cNvPr id="4" name="Content Placeholder 3">
-                <a:extLst>
-                  <a:ext uri="{FF2B5EF4-FFF2-40B4-BE49-F238E27FC236}">
-                    <a16:creationId xmlns:a16="http://schemas.microsoft.com/office/drawing/2014/main" id="{73A675ED-2AB5-7B47-9EA8-3DB6522D3B6D}"/>
-                  </a:ext>
-                </a:extLst>
-              </p:cNvPr>
-              <p:cNvSpPr>
-                <a:spLocks noGrp="1"/>
-              </p:cNvSpPr>
-              <p:nvPr>
-                <p:ph sz="quarter" idx="10"/>
-              </p:nvPr>
-            </p:nvSpPr>
-            <p:spPr/>
-            <p:txBody>
-              <a:bodyPr anchor="ctr">
-                <a:normAutofit/>
-              </a:bodyPr>
-              <a:lstStyle/>
-              <a:p>
-                <a:pPr>
-                  <a:lnSpc>
-                    <a:spcPct val="125000"/>
-                  </a:lnSpc>
-                </a:pPr>
-                <a:r>
-                  <a:rPr lang="en-US"/>
-                  <a:t>Vimos que el número promedio de inversiones en un arreglo de </a:t>
-                </a:r>
-                <a:r>
-                  <a:rPr lang="en-US" i="1"/>
-                  <a:t>n</a:t>
-                </a:r>
-                <a:r>
-                  <a:rPr lang="en-US"/>
-                  <a:t> elementos es </a:t>
-                </a:r>
-                <a:r>
-                  <a:rPr lang="en-US" i="1"/>
-                  <a:t>n</a:t>
-                </a:r>
-                <a:r>
-                  <a:rPr lang="en-US"/>
-                  <a:t>(</a:t>
-                </a:r>
-                <a:r>
-                  <a:rPr lang="en-US" i="1"/>
-                  <a:t>n</a:t>
-                </a:r>
-                <a:r>
-                  <a:rPr lang="en-US"/>
-                  <a:t>–1)/4</a:t>
-                </a:r>
-              </a:p>
-              <a:p>
-                <a:pPr>
-                  <a:lnSpc>
-                    <a:spcPct val="125000"/>
-                  </a:lnSpc>
-                </a:pPr>
-                <a:r>
-                  <a:rPr lang="en-US"/>
-                  <a:t>… por lo que </a:t>
-                </a:r>
-                <a:r>
-                  <a:rPr lang="es-CL" dirty="0"/>
-                  <a:t>un algoritmo que ordena intercambiando elementos (después de compararlos)</a:t>
-                </a:r>
-              </a:p>
-              <a:p>
-                <a:pPr>
-                  <a:lnSpc>
-                    <a:spcPct val="125000"/>
-                  </a:lnSpc>
-                </a:pPr>
-                <a:r>
-                  <a:rPr lang="es-CL" dirty="0"/>
-                  <a:t>… y sólo corrige una inversión por intercambio (es decir, compara e intercambia sólo elementos adyacentes),</a:t>
-                </a:r>
-              </a:p>
-              <a:p>
-                <a:pPr>
-                  <a:lnSpc>
-                    <a:spcPct val="125000"/>
-                  </a:lnSpc>
-                </a:pPr>
-                <a:r>
-                  <a:rPr lang="es-CL" dirty="0"/>
-                  <a:t>… no puede ordenar más rápidamente que </a:t>
-                </a:r>
-                <a14:m>
-                  <m:oMath xmlns:m="http://schemas.openxmlformats.org/officeDocument/2006/math">
-                    <m:r>
-                      <a:rPr lang="es-CL" i="1">
-                        <a:latin typeface="Cambria Math" panose="02040503050406030204" pitchFamily="18" charset="0"/>
-                      </a:rPr>
-                      <m:t>𝑂</m:t>
-                    </m:r>
-                    <m:d>
-                      <m:dPr>
-                        <m:ctrlPr>
-                          <a:rPr lang="es-CL" i="1">
-                            <a:latin typeface="Cambria Math" panose="02040503050406030204" pitchFamily="18" charset="0"/>
-                          </a:rPr>
-                        </m:ctrlPr>
-                      </m:dPr>
-                      <m:e>
-                        <m:sSup>
-                          <m:sSupPr>
-                            <m:ctrlPr>
-                              <a:rPr lang="es-CL" i="1">
-                                <a:latin typeface="Cambria Math" panose="02040503050406030204" pitchFamily="18" charset="0"/>
-                              </a:rPr>
-                            </m:ctrlPr>
-                          </m:sSupPr>
-                          <m:e>
-                            <m:r>
-                              <a:rPr lang="es-CL" i="1">
-                                <a:latin typeface="Cambria Math" panose="02040503050406030204" pitchFamily="18" charset="0"/>
-                              </a:rPr>
-                              <m:t>𝑛</m:t>
-                            </m:r>
-                          </m:e>
-                          <m:sup>
-                            <m:r>
-                              <a:rPr lang="es-CL" i="1">
-                                <a:latin typeface="Cambria Math" panose="02040503050406030204" pitchFamily="18" charset="0"/>
-                              </a:rPr>
-                              <m:t>2</m:t>
-                            </m:r>
-                          </m:sup>
-                        </m:sSup>
-                      </m:e>
-                    </m:d>
-                  </m:oMath>
-                </a14:m>
-                <a:r>
-                  <a:rPr lang="es-CL" i="1" dirty="0"/>
-                  <a:t> </a:t>
-                </a:r>
-                <a:r>
-                  <a:rPr lang="es-CL" dirty="0"/>
-                  <a:t>en promedio (y en el peor caso)</a:t>
-                </a:r>
-              </a:p>
-            </p:txBody>
-          </p:sp>
-        </mc:Choice>
-        <mc:Fallback xmlns="">
-          <p:sp>
-            <p:nvSpPr>
-              <p:cNvPr id="4" name="Content Placeholder 3">
-                <a:extLst>
-                  <a:ext uri="{FF2B5EF4-FFF2-40B4-BE49-F238E27FC236}">
-                    <a16:creationId xmlns:a16="http://schemas.microsoft.com/office/drawing/2014/main" id="{73A675ED-2AB5-7B47-9EA8-3DB6522D3B6D}"/>
-                  </a:ext>
-                </a:extLst>
-              </p:cNvPr>
-              <p:cNvSpPr>
-                <a:spLocks noGrp="1" noRot="1" noChangeAspect="1" noMove="1" noResize="1" noEditPoints="1" noAdjustHandles="1" noChangeArrowheads="1" noChangeShapeType="1" noTextEdit="1"/>
-              </p:cNvSpPr>
-              <p:nvPr>
-                <p:ph sz="quarter" idx="10"/>
-              </p:nvPr>
-            </p:nvSpPr>
-            <p:spPr>
-              <a:blipFill>
-                <a:blip r:embed="rId2"/>
-                <a:stretch>
-                  <a:fillRect l="-292"/>
-                </a:stretch>
-              </a:blipFill>
-            </p:spPr>
-            <p:txBody>
-              <a:bodyPr/>
-              <a:lstStyle/>
-              <a:p>
-                <a:r>
-                  <a:rPr lang="en-US">
-                    <a:noFill/>
-                  </a:rPr>
-                  <a:t> </a:t>
-                </a:r>
-              </a:p>
-            </p:txBody>
-          </p:sp>
-        </mc:Fallback>
-      </mc:AlternateContent>
-    </p:spTree>
-    <p:extLst>
-      <p:ext uri="{BB962C8B-B14F-4D97-AF65-F5344CB8AC3E}">
-        <p14:creationId xmlns:p14="http://schemas.microsoft.com/office/powerpoint/2010/main" val="4206986214"/>
-      </p:ext>
-    </p:extLst>
-  </p:cSld>
-  <p:clrMapOvr>
-    <a:masterClrMapping/>
-  </p:clrMapOvr>
-</p:sld>
-</file>
-
-<file path=ppt/slides/slide20.xml><?xml version="1.0" encoding="utf-8"?>
-<p:sld xmlns:a="http://schemas.openxmlformats.org/drawingml/2006/main" xmlns:r="http://schemas.openxmlformats.org/officeDocument/2006/relationships" xmlns:p="http://schemas.openxmlformats.org/presentationml/2006/main">
-  <p:cSld>
-    <p:spTree>
-      <p:nvGrpSpPr>
-        <p:cNvPr id="1" name=""/>
-        <p:cNvGrpSpPr/>
-        <p:nvPr/>
-      </p:nvGrpSpPr>
-      <p:grpSpPr>
-        <a:xfrm>
-          <a:off x="0" y="0"/>
-          <a:ext cx="0" cy="0"/>
-          <a:chOff x="0" y="0"/>
-          <a:chExt cx="0" cy="0"/>
-        </a:xfrm>
-      </p:grpSpPr>
-      <p:sp>
-        <p:nvSpPr>
-          <p:cNvPr id="2" name="Title 1">
-            <a:extLst>
-              <a:ext uri="{FF2B5EF4-FFF2-40B4-BE49-F238E27FC236}">
-                <a16:creationId xmlns:a16="http://schemas.microsoft.com/office/drawing/2014/main" id="{751022C4-A232-FA4B-ABCD-4BE41AC7F74E}"/>
-              </a:ext>
-            </a:extLst>
-          </p:cNvPr>
-          <p:cNvSpPr>
-            <a:spLocks noGrp="1"/>
-          </p:cNvSpPr>
-          <p:nvPr>
-            <p:ph type="title"/>
-          </p:nvPr>
-        </p:nvSpPr>
-        <p:spPr/>
-        <p:txBody>
-          <a:bodyPr>
-            <a:noAutofit/>
-          </a:bodyPr>
-          <a:lstStyle/>
-          <a:p>
-            <a:pPr algn="ctr"/>
-            <a:r>
-              <a:rPr lang="en-US" sz="4000" i="1"/>
-              <a:t>mergesort</a:t>
-            </a:r>
-            <a:r>
-              <a:rPr lang="en-US" sz="4000"/>
-              <a:t> es un algoritmo basado en</a:t>
-            </a:r>
-            <a:br>
-              <a:rPr lang="en-US" sz="4000"/>
-            </a:br>
-            <a:r>
-              <a:rPr lang="en-US" sz="4000"/>
-              <a:t>la estrategia </a:t>
-            </a:r>
-            <a:r>
-              <a:rPr lang="en-US" sz="4000" b="1"/>
-              <a:t>dividir para reinar</a:t>
-            </a:r>
-            <a:endParaRPr lang="en-US" sz="4000" b="1" i="1"/>
-          </a:p>
-        </p:txBody>
-      </p:sp>
-      <p:sp>
-        <p:nvSpPr>
-          <p:cNvPr id="3" name="Content Placeholder 2">
-            <a:extLst>
-              <a:ext uri="{FF2B5EF4-FFF2-40B4-BE49-F238E27FC236}">
-                <a16:creationId xmlns:a16="http://schemas.microsoft.com/office/drawing/2014/main" id="{599DD7BB-E378-344A-A351-6E012BF5E33F}"/>
-              </a:ext>
-            </a:extLst>
-          </p:cNvPr>
-          <p:cNvSpPr>
-            <a:spLocks noGrp="1"/>
-          </p:cNvSpPr>
-          <p:nvPr>
-            <p:ph idx="1"/>
-          </p:nvPr>
-        </p:nvSpPr>
-        <p:spPr>
-          <a:xfrm>
-            <a:off x="251461" y="1287532"/>
-            <a:ext cx="4089630" cy="4904072"/>
-          </a:xfrm>
-        </p:spPr>
-        <p:txBody>
-          <a:bodyPr anchor="ctr">
-            <a:normAutofit fontScale="85000" lnSpcReduction="10000"/>
-          </a:bodyPr>
-          <a:lstStyle/>
-          <a:p>
-            <a:pPr marL="174625" indent="-174625">
-              <a:lnSpc>
-                <a:spcPct val="125000"/>
-              </a:lnSpc>
-            </a:pPr>
-            <a:r>
-              <a:rPr lang="en-US"/>
-              <a:t>A. Dividir el problema original es dos subproblemas del mis-mo tipo</a:t>
-            </a:r>
-          </a:p>
-          <a:p>
-            <a:pPr marL="174625" indent="-174625">
-              <a:lnSpc>
-                <a:spcPct val="125000"/>
-              </a:lnSpc>
-            </a:pPr>
-            <a:r>
-              <a:rPr lang="en-US"/>
-              <a:t>B. Resolver (recursivamente) cada subproblema</a:t>
-            </a:r>
-          </a:p>
-          <a:p>
-            <a:pPr marL="174625" indent="-174625">
-              <a:lnSpc>
-                <a:spcPct val="125000"/>
-              </a:lnSpc>
-            </a:pPr>
-            <a:r>
-              <a:rPr lang="en-US"/>
-              <a:t>C. Encontrar la solución al problema original a partir de las soluciones a cada subpro-blema</a:t>
-            </a:r>
-          </a:p>
-        </p:txBody>
-      </p:sp>
-      <mc:AlternateContent xmlns:mc="http://schemas.openxmlformats.org/markup-compatibility/2006" xmlns:a14="http://schemas.microsoft.com/office/drawing/2010/main">
-        <mc:Choice Requires="a14">
-          <p:sp>
-            <p:nvSpPr>
-              <p:cNvPr id="4" name="Content Placeholder 2">
-                <a:extLst>
-                  <a:ext uri="{FF2B5EF4-FFF2-40B4-BE49-F238E27FC236}">
-                    <a16:creationId xmlns:a16="http://schemas.microsoft.com/office/drawing/2014/main" id="{E86CDFA1-7A45-C746-8211-DC95A2674969}"/>
-                  </a:ext>
-                </a:extLst>
-              </p:cNvPr>
-              <p:cNvSpPr txBox="1">
-                <a:spLocks/>
-              </p:cNvSpPr>
-              <p:nvPr/>
-            </p:nvSpPr>
-            <p:spPr>
-              <a:xfrm>
-                <a:off x="4802909" y="1287532"/>
-                <a:ext cx="4089628" cy="4904072"/>
-              </a:xfrm>
-              <a:prstGeom prst="rect">
-                <a:avLst/>
-              </a:prstGeom>
-              <a:solidFill>
-                <a:schemeClr val="accent1">
-                  <a:lumMod val="20000"/>
-                  <a:lumOff val="80000"/>
-                </a:schemeClr>
-              </a:solidFill>
-            </p:spPr>
-            <p:txBody>
-              <a:bodyPr vert="horz" lIns="91440" tIns="45720" rIns="91440" bIns="45720" rtlCol="0" anchor="ctr">
-                <a:normAutofit/>
-              </a:bodyPr>
-              <a:lstStyle>
-                <a:lvl1pPr marL="91440" indent="-91440" algn="l" defTabSz="914400" rtl="0" eaLnBrk="1" latinLnBrk="0" hangingPunct="1">
-                  <a:lnSpc>
-                    <a:spcPct val="150000"/>
-                  </a:lnSpc>
-                  <a:spcBef>
-                    <a:spcPts val="1200"/>
-                  </a:spcBef>
-                  <a:spcAft>
-                    <a:spcPts val="200"/>
-                  </a:spcAft>
-                  <a:buClr>
-                    <a:schemeClr val="accent1"/>
-                  </a:buClr>
-                  <a:buSzPct val="100000"/>
-                  <a:buFont typeface="Calibri" panose="020F0502020204030204" pitchFamily="34" charset="0"/>
-                  <a:buChar char=" "/>
-                  <a:defRPr sz="2800" kern="1200">
-                    <a:solidFill>
-                      <a:schemeClr val="tx1">
-                        <a:lumMod val="75000"/>
-                        <a:lumOff val="25000"/>
-                      </a:schemeClr>
-                    </a:solidFill>
-                    <a:latin typeface="+mn-lt"/>
-                    <a:ea typeface="+mn-ea"/>
-                    <a:cs typeface="+mn-cs"/>
-                  </a:defRPr>
-                </a:lvl1pPr>
-                <a:lvl2pPr marL="384048" indent="-182880" algn="l" defTabSz="914400" rtl="0" eaLnBrk="1" latinLnBrk="0" hangingPunct="1">
-                  <a:lnSpc>
-                    <a:spcPct val="150000"/>
-                  </a:lnSpc>
-                  <a:spcBef>
-                    <a:spcPts val="200"/>
-                  </a:spcBef>
-                  <a:spcAft>
-                    <a:spcPts val="400"/>
-                  </a:spcAft>
-                  <a:buClr>
-                    <a:schemeClr val="accent1"/>
-                  </a:buClr>
-                  <a:buFont typeface="Arial" panose="020B0604020202020204" pitchFamily="34" charset="0"/>
-                  <a:buChar char="•"/>
-                  <a:defRPr sz="2400" kern="1200">
-                    <a:solidFill>
-                      <a:schemeClr val="tx1">
-                        <a:lumMod val="75000"/>
-                        <a:lumOff val="25000"/>
-                      </a:schemeClr>
-                    </a:solidFill>
-                    <a:latin typeface="+mn-lt"/>
-                    <a:ea typeface="+mn-ea"/>
-                    <a:cs typeface="+mn-cs"/>
-                  </a:defRPr>
-                </a:lvl2pPr>
-                <a:lvl3pPr marL="566928" indent="-182880" algn="l" defTabSz="914400" rtl="0" eaLnBrk="1" latinLnBrk="0" hangingPunct="1">
-                  <a:lnSpc>
-                    <a:spcPct val="150000"/>
-                  </a:lnSpc>
-                  <a:spcBef>
-                    <a:spcPts val="200"/>
-                  </a:spcBef>
-                  <a:spcAft>
-                    <a:spcPts val="400"/>
-                  </a:spcAft>
-                  <a:buClr>
-                    <a:schemeClr val="accent1"/>
-                  </a:buClr>
-                  <a:buFont typeface="Arial" panose="020B0604020202020204" pitchFamily="34" charset="0"/>
-                  <a:buChar char="•"/>
-                  <a:defRPr sz="2000" kern="1200">
-                    <a:solidFill>
-                      <a:schemeClr val="tx1">
-                        <a:lumMod val="75000"/>
-                        <a:lumOff val="25000"/>
-                      </a:schemeClr>
-                    </a:solidFill>
-                    <a:latin typeface="+mn-lt"/>
-                    <a:ea typeface="+mn-ea"/>
-                    <a:cs typeface="+mn-cs"/>
-                  </a:defRPr>
-                </a:lvl3pPr>
-                <a:lvl4pPr marL="749808" indent="-182880" algn="l" defTabSz="914400" rtl="0" eaLnBrk="1" latinLnBrk="0" hangingPunct="1">
-                  <a:lnSpc>
-                    <a:spcPct val="150000"/>
-                  </a:lnSpc>
-                  <a:spcBef>
-                    <a:spcPts val="200"/>
-                  </a:spcBef>
-                  <a:spcAft>
-                    <a:spcPts val="400"/>
-                  </a:spcAft>
-                  <a:buClr>
-                    <a:schemeClr val="accent1"/>
-                  </a:buClr>
-                  <a:buFont typeface="Arial" panose="020B0604020202020204" pitchFamily="34" charset="0"/>
-                  <a:buChar char="•"/>
-                  <a:defRPr sz="1600" kern="1200">
-                    <a:solidFill>
-                      <a:schemeClr val="tx1">
-                        <a:lumMod val="75000"/>
-                        <a:lumOff val="25000"/>
-                      </a:schemeClr>
-                    </a:solidFill>
-                    <a:latin typeface="+mn-lt"/>
-                    <a:ea typeface="+mn-ea"/>
-                    <a:cs typeface="+mn-cs"/>
-                  </a:defRPr>
-                </a:lvl4pPr>
-                <a:lvl5pPr marL="932688" indent="-182880" algn="l" defTabSz="914400" rtl="0" eaLnBrk="1" latinLnBrk="0" hangingPunct="1">
-                  <a:lnSpc>
-                    <a:spcPct val="150000"/>
-                  </a:lnSpc>
-                  <a:spcBef>
-                    <a:spcPts val="200"/>
-                  </a:spcBef>
-                  <a:spcAft>
-                    <a:spcPts val="400"/>
-                  </a:spcAft>
-                  <a:buClr>
-                    <a:schemeClr val="accent1"/>
-                  </a:buClr>
-                  <a:buFont typeface="Arial" panose="020B0604020202020204" pitchFamily="34" charset="0"/>
-                  <a:buChar char="•"/>
-                  <a:defRPr sz="1200" kern="1200">
-                    <a:solidFill>
-                      <a:schemeClr val="tx1">
-                        <a:lumMod val="75000"/>
-                        <a:lumOff val="25000"/>
-                      </a:schemeClr>
-                    </a:solidFill>
-                    <a:latin typeface="+mn-lt"/>
-                    <a:ea typeface="+mn-ea"/>
-                    <a:cs typeface="+mn-cs"/>
-                  </a:defRPr>
-                </a:lvl5pPr>
-                <a:lvl6pPr marL="1100000" indent="-228600" algn="l" defTabSz="914400" rtl="0" eaLnBrk="1" latinLnBrk="0" hangingPunct="1">
-                  <a:lnSpc>
-                    <a:spcPct val="90000"/>
-                  </a:lnSpc>
-                  <a:spcBef>
-                    <a:spcPts val="200"/>
-                  </a:spcBef>
-                  <a:spcAft>
-                    <a:spcPts val="400"/>
-                  </a:spcAft>
-                  <a:buClr>
-                    <a:schemeClr val="accent1"/>
-                  </a:buClr>
-                  <a:buFont typeface="Calibri" pitchFamily="34" charset="0"/>
-                  <a:buChar char="◦"/>
-                  <a:defRPr sz="1400" kern="1200">
-                    <a:solidFill>
-                      <a:schemeClr val="tx1">
-                        <a:lumMod val="75000"/>
-                        <a:lumOff val="25000"/>
-                      </a:schemeClr>
-                    </a:solidFill>
-                    <a:latin typeface="+mn-lt"/>
-                    <a:ea typeface="+mn-ea"/>
-                    <a:cs typeface="+mn-cs"/>
-                  </a:defRPr>
-                </a:lvl6pPr>
-                <a:lvl7pPr marL="1300000" indent="-228600" algn="l" defTabSz="914400" rtl="0" eaLnBrk="1" latinLnBrk="0" hangingPunct="1">
-                  <a:lnSpc>
-                    <a:spcPct val="90000"/>
-                  </a:lnSpc>
-                  <a:spcBef>
-                    <a:spcPts val="200"/>
-                  </a:spcBef>
-                  <a:spcAft>
-                    <a:spcPts val="400"/>
-                  </a:spcAft>
-                  <a:buClr>
-                    <a:schemeClr val="accent1"/>
-                  </a:buClr>
-                  <a:buFont typeface="Calibri" pitchFamily="34" charset="0"/>
-                  <a:buChar char="◦"/>
-                  <a:defRPr sz="1400" kern="1200">
-                    <a:solidFill>
-                      <a:schemeClr val="tx1">
-                        <a:lumMod val="75000"/>
-                        <a:lumOff val="25000"/>
-                      </a:schemeClr>
-                    </a:solidFill>
-                    <a:latin typeface="+mn-lt"/>
-                    <a:ea typeface="+mn-ea"/>
-                    <a:cs typeface="+mn-cs"/>
-                  </a:defRPr>
-                </a:lvl7pPr>
-                <a:lvl8pPr marL="1500000" indent="-228600" algn="l" defTabSz="914400" rtl="0" eaLnBrk="1" latinLnBrk="0" hangingPunct="1">
-                  <a:lnSpc>
-                    <a:spcPct val="90000"/>
-                  </a:lnSpc>
-                  <a:spcBef>
-                    <a:spcPts val="200"/>
-                  </a:spcBef>
-                  <a:spcAft>
-                    <a:spcPts val="400"/>
-                  </a:spcAft>
-                  <a:buClr>
-                    <a:schemeClr val="accent1"/>
-                  </a:buClr>
-                  <a:buFont typeface="Calibri" pitchFamily="34" charset="0"/>
-                  <a:buChar char="◦"/>
-                  <a:defRPr sz="1400" kern="1200">
-                    <a:solidFill>
-                      <a:schemeClr val="tx1">
-                        <a:lumMod val="75000"/>
-                        <a:lumOff val="25000"/>
-                      </a:schemeClr>
-                    </a:solidFill>
-                    <a:latin typeface="+mn-lt"/>
-                    <a:ea typeface="+mn-ea"/>
-                    <a:cs typeface="+mn-cs"/>
-                  </a:defRPr>
-                </a:lvl8pPr>
-                <a:lvl9pPr marL="1700000" indent="-228600" algn="l" defTabSz="914400" rtl="0" eaLnBrk="1" latinLnBrk="0" hangingPunct="1">
-                  <a:lnSpc>
-                    <a:spcPct val="90000"/>
-                  </a:lnSpc>
-                  <a:spcBef>
-                    <a:spcPts val="200"/>
-                  </a:spcBef>
-                  <a:spcAft>
-                    <a:spcPts val="400"/>
-                  </a:spcAft>
-                  <a:buClr>
-                    <a:schemeClr val="accent1"/>
-                  </a:buClr>
-                  <a:buFont typeface="Calibri" pitchFamily="34" charset="0"/>
-                  <a:buChar char="◦"/>
-                  <a:defRPr sz="1400" kern="1200">
-                    <a:solidFill>
-                      <a:schemeClr val="tx1">
-                        <a:lumMod val="75000"/>
-                        <a:lumOff val="25000"/>
-                      </a:schemeClr>
-                    </a:solidFill>
-                    <a:latin typeface="+mn-lt"/>
-                    <a:ea typeface="+mn-ea"/>
-                    <a:cs typeface="+mn-cs"/>
-                  </a:defRPr>
-                </a:lvl9pPr>
-              </a:lstStyle>
-              <a:p>
-                <a:pPr>
-                  <a:lnSpc>
-                    <a:spcPct val="100000"/>
-                  </a:lnSpc>
-                </a:pPr>
-                <a:r>
-                  <a:rPr lang="es-CL" sz="2400" i="1" dirty="0"/>
-                  <a:t>mergeSort</a:t>
-                </a:r>
-                <a:r>
-                  <a:rPr lang="es-CL" sz="2400" dirty="0"/>
-                  <a:t>(secuencia </a:t>
-                </a:r>
-                <a14:m>
-                  <m:oMath xmlns:m="http://schemas.openxmlformats.org/officeDocument/2006/math">
-                    <m:r>
-                      <a:rPr lang="es-CL" sz="2400" i="1" dirty="0" smtClean="0">
-                        <a:latin typeface="Cambria Math" panose="02040503050406030204" pitchFamily="18" charset="0"/>
-                      </a:rPr>
-                      <m:t>𝐴</m:t>
-                    </m:r>
-                  </m:oMath>
-                </a14:m>
-                <a:r>
-                  <a:rPr lang="es-CL" sz="2400" dirty="0"/>
-                  <a:t>):</a:t>
-                </a:r>
-              </a:p>
-              <a:p>
-                <a:pPr marL="174625" indent="-174625">
-                  <a:lnSpc>
-                    <a:spcPct val="100000"/>
-                  </a:lnSpc>
-                  <a:buClr>
-                    <a:schemeClr val="accent2"/>
-                  </a:buClr>
-                </a:pPr>
-                <a:r>
-                  <a:rPr lang="es-CL" sz="2400" dirty="0"/>
-                  <a:t>1. Si </a:t>
-                </a:r>
-                <a14:m>
-                  <m:oMath xmlns:m="http://schemas.openxmlformats.org/officeDocument/2006/math">
-                    <m:r>
-                      <a:rPr lang="es-CL" sz="2400" i="1" dirty="0" smtClean="0">
-                        <a:latin typeface="Cambria Math" panose="02040503050406030204" pitchFamily="18" charset="0"/>
-                      </a:rPr>
-                      <m:t>𝐴</m:t>
-                    </m:r>
-                  </m:oMath>
-                </a14:m>
-                <a:r>
-                  <a:rPr lang="es-CL" sz="2400" dirty="0"/>
-                  <a:t> tiene un solo elemen-to, terminar en este paso</a:t>
-                </a:r>
-              </a:p>
-              <a:p>
-                <a:pPr marL="174625" indent="-174625">
-                  <a:lnSpc>
-                    <a:spcPct val="100000"/>
-                  </a:lnSpc>
-                  <a:buClr>
-                    <a:schemeClr val="accent2"/>
-                  </a:buClr>
-                </a:pPr>
-                <a:r>
-                  <a:rPr lang="es-CL" sz="2400" dirty="0"/>
-                  <a:t>2. Dividir la secuencia en mitades</a:t>
-                </a:r>
-              </a:p>
-              <a:p>
-                <a:pPr marL="174625" indent="-174625">
-                  <a:lnSpc>
-                    <a:spcPct val="100000"/>
-                  </a:lnSpc>
-                  <a:buClr>
-                    <a:schemeClr val="accent2"/>
-                  </a:buClr>
-                </a:pPr>
-                <a:r>
-                  <a:rPr lang="es-CL" sz="2400" dirty="0"/>
-                  <a:t>3. Ordenar cada mitad recur-sivamente usando </a:t>
-                </a:r>
-                <a:r>
-                  <a:rPr lang="es-CL" sz="2400" i="1" dirty="0"/>
-                  <a:t>mergeSort</a:t>
-                </a:r>
-              </a:p>
-              <a:p>
-                <a:pPr marL="174625" indent="-174625">
-                  <a:lnSpc>
-                    <a:spcPct val="100000"/>
-                  </a:lnSpc>
-                  <a:buClr>
-                    <a:schemeClr val="accent2"/>
-                  </a:buClr>
-                </a:pPr>
-                <a:r>
-                  <a:rPr lang="es-CL" sz="2400" dirty="0"/>
-                  <a:t>4. Combinar las mitades (ya ordenadas) usando </a:t>
-                </a:r>
-                <a:r>
-                  <a:rPr lang="es-CL" sz="2400" i="1" dirty="0"/>
-                  <a:t>merge</a:t>
-                </a:r>
-              </a:p>
-            </p:txBody>
-          </p:sp>
-        </mc:Choice>
-        <mc:Fallback xmlns="">
-          <p:sp>
-            <p:nvSpPr>
-              <p:cNvPr id="4" name="Content Placeholder 2">
-                <a:extLst>
-                  <a:ext uri="{FF2B5EF4-FFF2-40B4-BE49-F238E27FC236}">
-                    <a16:creationId xmlns:a16="http://schemas.microsoft.com/office/drawing/2014/main" id="{E86CDFA1-7A45-C746-8211-DC95A2674969}"/>
-                  </a:ext>
-                </a:extLst>
-              </p:cNvPr>
-              <p:cNvSpPr txBox="1">
-                <a:spLocks noRot="1" noChangeAspect="1" noMove="1" noResize="1" noEditPoints="1" noAdjustHandles="1" noChangeArrowheads="1" noChangeShapeType="1" noTextEdit="1"/>
-              </p:cNvSpPr>
-              <p:nvPr/>
-            </p:nvSpPr>
-            <p:spPr>
-              <a:xfrm>
-                <a:off x="4802909" y="1287532"/>
-                <a:ext cx="4089628" cy="4904072"/>
-              </a:xfrm>
-              <a:prstGeom prst="rect">
-                <a:avLst/>
-              </a:prstGeom>
-              <a:blipFill>
-                <a:blip r:embed="rId2"/>
-                <a:stretch>
-                  <a:fillRect/>
-                </a:stretch>
-              </a:blipFill>
-            </p:spPr>
-            <p:txBody>
-              <a:bodyPr/>
-              <a:lstStyle/>
-              <a:p>
-                <a:r>
-                  <a:rPr lang="en-US">
-                    <a:noFill/>
-                  </a:rPr>
-                  <a:t> </a:t>
-                </a:r>
-              </a:p>
-            </p:txBody>
-          </p:sp>
-        </mc:Fallback>
-      </mc:AlternateContent>
       <p:sp>
         <p:nvSpPr>
           <p:cNvPr id="5" name="Left Brace 4">
@@ -19306,7 +19733,12 @@
             <p:ph sz="quarter" idx="10"/>
           </p:nvPr>
         </p:nvSpPr>
-        <p:spPr/>
+        <p:spPr>
+          <a:xfrm>
+            <a:off x="228600" y="228599"/>
+            <a:ext cx="8686800" cy="6001871"/>
+          </a:xfrm>
+        </p:spPr>
         <p:txBody>
           <a:bodyPr anchor="ctr">
             <a:normAutofit/>
@@ -19396,6 +19828,17 @@
             <a:r>
               <a:rPr lang="en-US"/>
               <a:t>(34, 8),  (34, 32),  (34, 21),  (64, 21),  (51, 21),  (32, 21)</a:t>
+            </a:r>
+          </a:p>
+          <a:p>
+            <a:pPr lvl="1">
+              <a:lnSpc>
+                <a:spcPct val="125000"/>
+              </a:lnSpc>
+            </a:pPr>
+            <a:r>
+              <a:rPr lang="en-US"/>
+              <a:t>( aunque introducimos algunas inversiones nuevas )</a:t>
             </a:r>
           </a:p>
         </p:txBody>
@@ -20138,7 +20581,7 @@
         </p:nvSpPr>
         <p:spPr>
           <a:xfrm>
-            <a:off x="877824" y="603504"/>
+            <a:off x="877824" y="379760"/>
             <a:ext cx="356616" cy="329184"/>
           </a:xfrm>
           <a:prstGeom prst="rect">
@@ -20197,7 +20640,7 @@
         </p:nvSpPr>
         <p:spPr>
           <a:xfrm>
-            <a:off x="877824" y="932688"/>
+            <a:off x="877824" y="708944"/>
             <a:ext cx="356616" cy="329184"/>
           </a:xfrm>
           <a:prstGeom prst="rect">
@@ -20256,7 +20699,7 @@
         </p:nvSpPr>
         <p:spPr>
           <a:xfrm>
-            <a:off x="877824" y="1261872"/>
+            <a:off x="877824" y="1038128"/>
             <a:ext cx="356616" cy="329184"/>
           </a:xfrm>
           <a:prstGeom prst="rect">
@@ -20315,7 +20758,7 @@
         </p:nvSpPr>
         <p:spPr>
           <a:xfrm>
-            <a:off x="877824" y="1591056"/>
+            <a:off x="877824" y="1367312"/>
             <a:ext cx="356616" cy="329184"/>
           </a:xfrm>
           <a:prstGeom prst="rect">
@@ -20374,7 +20817,7 @@
         </p:nvSpPr>
         <p:spPr>
           <a:xfrm>
-            <a:off x="877824" y="1920240"/>
+            <a:off x="877824" y="1696496"/>
             <a:ext cx="356616" cy="329184"/>
           </a:xfrm>
           <a:prstGeom prst="rect">
@@ -20433,7 +20876,7 @@
         </p:nvSpPr>
         <p:spPr>
           <a:xfrm>
-            <a:off x="877824" y="2249424"/>
+            <a:off x="877824" y="2025680"/>
             <a:ext cx="356616" cy="329184"/>
           </a:xfrm>
           <a:prstGeom prst="rect">
@@ -20492,7 +20935,7 @@
         </p:nvSpPr>
         <p:spPr>
           <a:xfrm>
-            <a:off x="877824" y="2578608"/>
+            <a:off x="877824" y="2354864"/>
             <a:ext cx="356616" cy="329184"/>
           </a:xfrm>
           <a:prstGeom prst="rect">
@@ -20551,7 +20994,7 @@
         </p:nvSpPr>
         <p:spPr>
           <a:xfrm>
-            <a:off x="877824" y="2907792"/>
+            <a:off x="877824" y="2684048"/>
             <a:ext cx="356616" cy="329184"/>
           </a:xfrm>
           <a:prstGeom prst="rect">
@@ -20610,7 +21053,7 @@
         </p:nvSpPr>
         <p:spPr>
           <a:xfrm>
-            <a:off x="877824" y="3236976"/>
+            <a:off x="877824" y="3013232"/>
             <a:ext cx="356616" cy="329184"/>
           </a:xfrm>
           <a:prstGeom prst="rect">
@@ -20669,7 +21112,7 @@
         </p:nvSpPr>
         <p:spPr>
           <a:xfrm>
-            <a:off x="877824" y="3566160"/>
+            <a:off x="877824" y="3342416"/>
             <a:ext cx="356616" cy="329184"/>
           </a:xfrm>
           <a:prstGeom prst="rect">
@@ -20728,7 +21171,7 @@
         </p:nvSpPr>
         <p:spPr>
           <a:xfrm>
-            <a:off x="877824" y="3895344"/>
+            <a:off x="877824" y="3671600"/>
             <a:ext cx="356616" cy="329184"/>
           </a:xfrm>
           <a:prstGeom prst="rect">
@@ -20787,7 +21230,7 @@
         </p:nvSpPr>
         <p:spPr>
           <a:xfrm>
-            <a:off x="877824" y="4224528"/>
+            <a:off x="877824" y="4000784"/>
             <a:ext cx="356616" cy="329184"/>
           </a:xfrm>
           <a:prstGeom prst="rect">
@@ -20846,7 +21289,7 @@
         </p:nvSpPr>
         <p:spPr>
           <a:xfrm>
-            <a:off x="877824" y="4553712"/>
+            <a:off x="877824" y="4329968"/>
             <a:ext cx="356616" cy="329184"/>
           </a:xfrm>
           <a:prstGeom prst="rect">
@@ -20905,7 +21348,7 @@
         </p:nvSpPr>
         <p:spPr>
           <a:xfrm>
-            <a:off x="877824" y="4882896"/>
+            <a:off x="877824" y="4659152"/>
             <a:ext cx="356616" cy="329184"/>
           </a:xfrm>
           <a:prstGeom prst="rect">
@@ -20964,7 +21407,7 @@
         </p:nvSpPr>
         <p:spPr>
           <a:xfrm>
-            <a:off x="877824" y="5212080"/>
+            <a:off x="877824" y="4988336"/>
             <a:ext cx="356616" cy="329184"/>
           </a:xfrm>
           <a:prstGeom prst="rect">
@@ -21023,7 +21466,7 @@
         </p:nvSpPr>
         <p:spPr>
           <a:xfrm>
-            <a:off x="1560576" y="603504"/>
+            <a:off x="1560576" y="379760"/>
             <a:ext cx="356616" cy="329184"/>
           </a:xfrm>
           <a:prstGeom prst="rect">
@@ -21074,7 +21517,7 @@
         </p:nvSpPr>
         <p:spPr>
           <a:xfrm>
-            <a:off x="1560576" y="932688"/>
+            <a:off x="1560576" y="708944"/>
             <a:ext cx="356616" cy="329184"/>
           </a:xfrm>
           <a:prstGeom prst="rect">
@@ -21125,7 +21568,7 @@
         </p:nvSpPr>
         <p:spPr>
           <a:xfrm>
-            <a:off x="1560576" y="1261872"/>
+            <a:off x="1560576" y="1038128"/>
             <a:ext cx="356616" cy="329184"/>
           </a:xfrm>
           <a:prstGeom prst="rect">
@@ -21176,7 +21619,7 @@
         </p:nvSpPr>
         <p:spPr>
           <a:xfrm>
-            <a:off x="1560576" y="1591056"/>
+            <a:off x="1560576" y="1367312"/>
             <a:ext cx="356616" cy="329184"/>
           </a:xfrm>
           <a:prstGeom prst="rect">
@@ -21227,7 +21670,7 @@
         </p:nvSpPr>
         <p:spPr>
           <a:xfrm>
-            <a:off x="1560576" y="1920240"/>
+            <a:off x="1560576" y="1696496"/>
             <a:ext cx="356616" cy="329184"/>
           </a:xfrm>
           <a:prstGeom prst="rect">
@@ -21278,7 +21721,7 @@
         </p:nvSpPr>
         <p:spPr>
           <a:xfrm>
-            <a:off x="1560576" y="2249424"/>
+            <a:off x="1560576" y="2025680"/>
             <a:ext cx="356616" cy="329184"/>
           </a:xfrm>
           <a:prstGeom prst="rect">
@@ -21329,7 +21772,7 @@
         </p:nvSpPr>
         <p:spPr>
           <a:xfrm>
-            <a:off x="1560576" y="2578608"/>
+            <a:off x="1560576" y="2354864"/>
             <a:ext cx="356616" cy="329184"/>
           </a:xfrm>
           <a:prstGeom prst="rect">
@@ -21380,7 +21823,7 @@
         </p:nvSpPr>
         <p:spPr>
           <a:xfrm>
-            <a:off x="1560576" y="2907792"/>
+            <a:off x="1560576" y="2684048"/>
             <a:ext cx="356616" cy="329184"/>
           </a:xfrm>
           <a:prstGeom prst="rect">
@@ -21431,7 +21874,7 @@
         </p:nvSpPr>
         <p:spPr>
           <a:xfrm>
-            <a:off x="1560576" y="3236976"/>
+            <a:off x="1560576" y="3013232"/>
             <a:ext cx="356616" cy="329184"/>
           </a:xfrm>
           <a:prstGeom prst="rect">
@@ -21482,7 +21925,7 @@
         </p:nvSpPr>
         <p:spPr>
           <a:xfrm>
-            <a:off x="1560576" y="3566160"/>
+            <a:off x="1560576" y="3342416"/>
             <a:ext cx="356616" cy="329184"/>
           </a:xfrm>
           <a:prstGeom prst="rect">
@@ -21533,7 +21976,7 @@
         </p:nvSpPr>
         <p:spPr>
           <a:xfrm>
-            <a:off x="1560576" y="3895344"/>
+            <a:off x="1560576" y="3671600"/>
             <a:ext cx="356616" cy="329184"/>
           </a:xfrm>
           <a:prstGeom prst="rect">
@@ -21584,7 +22027,7 @@
         </p:nvSpPr>
         <p:spPr>
           <a:xfrm>
-            <a:off x="1560576" y="4224528"/>
+            <a:off x="1560576" y="4000784"/>
             <a:ext cx="356616" cy="329184"/>
           </a:xfrm>
           <a:prstGeom prst="rect">
@@ -21635,7 +22078,7 @@
         </p:nvSpPr>
         <p:spPr>
           <a:xfrm>
-            <a:off x="1560576" y="4553712"/>
+            <a:off x="1560576" y="4329968"/>
             <a:ext cx="356616" cy="329184"/>
           </a:xfrm>
           <a:prstGeom prst="rect">
@@ -21686,7 +22129,7 @@
         </p:nvSpPr>
         <p:spPr>
           <a:xfrm>
-            <a:off x="1560576" y="4882896"/>
+            <a:off x="1560576" y="4659152"/>
             <a:ext cx="356616" cy="329184"/>
           </a:xfrm>
           <a:prstGeom prst="rect">
@@ -21737,7 +22180,7 @@
         </p:nvSpPr>
         <p:spPr>
           <a:xfrm>
-            <a:off x="1560576" y="5212080"/>
+            <a:off x="1560576" y="4988336"/>
             <a:ext cx="356616" cy="329184"/>
           </a:xfrm>
           <a:prstGeom prst="rect">
@@ -21788,7 +22231,7 @@
         </p:nvSpPr>
         <p:spPr>
           <a:xfrm>
-            <a:off x="159262" y="1920240"/>
+            <a:off x="159262" y="1696496"/>
             <a:ext cx="317716" cy="369332"/>
           </a:xfrm>
           <a:prstGeom prst="rect">
@@ -21823,7 +22266,7 @@
         </p:nvSpPr>
         <p:spPr>
           <a:xfrm>
-            <a:off x="163270" y="4406884"/>
+            <a:off x="163270" y="4183140"/>
             <a:ext cx="309700" cy="369332"/>
           </a:xfrm>
           <a:prstGeom prst="rect">
@@ -21858,7 +22301,7 @@
         </p:nvSpPr>
         <p:spPr>
           <a:xfrm>
-            <a:off x="170483" y="603504"/>
+            <a:off x="170483" y="379760"/>
             <a:ext cx="295274" cy="369332"/>
           </a:xfrm>
           <a:prstGeom prst="rect">
@@ -21893,7 +22336,7 @@
         </p:nvSpPr>
         <p:spPr>
           <a:xfrm>
-            <a:off x="159262" y="3575304"/>
+            <a:off x="159262" y="3351560"/>
             <a:ext cx="306494" cy="369332"/>
           </a:xfrm>
           <a:prstGeom prst="rect">
@@ -21928,7 +22371,7 @@
         </p:nvSpPr>
         <p:spPr>
           <a:xfrm>
-            <a:off x="493776" y="603504"/>
+            <a:off x="493776" y="379760"/>
             <a:ext cx="222122" cy="2962656"/>
           </a:xfrm>
           <a:prstGeom prst="leftBrace">
@@ -21980,7 +22423,7 @@
         </p:nvSpPr>
         <p:spPr>
           <a:xfrm>
-            <a:off x="535115" y="3566160"/>
+            <a:off x="535115" y="3342416"/>
             <a:ext cx="222122" cy="2005584"/>
           </a:xfrm>
           <a:prstGeom prst="leftBrace">
@@ -22035,7 +22478,7 @@
         </p:nvCxnSpPr>
         <p:spPr>
           <a:xfrm flipV="1">
-            <a:off x="465757" y="768096"/>
+            <a:off x="465757" y="544352"/>
             <a:ext cx="412067" cy="20074"/>
           </a:xfrm>
           <a:prstGeom prst="straightConnector1">
@@ -22077,7 +22520,7 @@
         </p:nvCxnSpPr>
         <p:spPr>
           <a:xfrm flipV="1">
-            <a:off x="465756" y="3730752"/>
+            <a:off x="465756" y="3507008"/>
             <a:ext cx="412068" cy="29218"/>
           </a:xfrm>
           <a:prstGeom prst="straightConnector1">
@@ -22116,7 +22559,7 @@
         </p:nvSpPr>
         <p:spPr>
           <a:xfrm>
-            <a:off x="2066544" y="2907792"/>
+            <a:off x="2066544" y="2684048"/>
             <a:ext cx="308098" cy="369332"/>
           </a:xfrm>
           <a:prstGeom prst="rect">
@@ -22151,7 +22594,7 @@
         </p:nvSpPr>
         <p:spPr>
           <a:xfrm>
-            <a:off x="2923032" y="603504"/>
+            <a:off x="2923032" y="379760"/>
             <a:ext cx="356616" cy="329184"/>
           </a:xfrm>
           <a:prstGeom prst="rect">
@@ -22207,7 +22650,7 @@
         </p:nvSpPr>
         <p:spPr>
           <a:xfrm>
-            <a:off x="2923032" y="932688"/>
+            <a:off x="2923032" y="708944"/>
             <a:ext cx="356616" cy="329184"/>
           </a:xfrm>
           <a:prstGeom prst="rect">
@@ -22266,7 +22709,7 @@
         </p:nvSpPr>
         <p:spPr>
           <a:xfrm>
-            <a:off x="2923032" y="1261872"/>
+            <a:off x="2923032" y="1038128"/>
             <a:ext cx="356616" cy="329184"/>
           </a:xfrm>
           <a:prstGeom prst="rect">
@@ -22325,7 +22768,7 @@
         </p:nvSpPr>
         <p:spPr>
           <a:xfrm>
-            <a:off x="2923032" y="1591056"/>
+            <a:off x="2923032" y="1367312"/>
             <a:ext cx="356616" cy="329184"/>
           </a:xfrm>
           <a:prstGeom prst="rect">
@@ -22384,7 +22827,7 @@
         </p:nvSpPr>
         <p:spPr>
           <a:xfrm>
-            <a:off x="2923032" y="1920240"/>
+            <a:off x="2923032" y="1696496"/>
             <a:ext cx="356616" cy="329184"/>
           </a:xfrm>
           <a:prstGeom prst="rect">
@@ -22443,7 +22886,7 @@
         </p:nvSpPr>
         <p:spPr>
           <a:xfrm>
-            <a:off x="2923032" y="2249424"/>
+            <a:off x="2923032" y="2025680"/>
             <a:ext cx="356616" cy="329184"/>
           </a:xfrm>
           <a:prstGeom prst="rect">
@@ -22502,7 +22945,7 @@
         </p:nvSpPr>
         <p:spPr>
           <a:xfrm>
-            <a:off x="2923032" y="2578608"/>
+            <a:off x="2923032" y="2354864"/>
             <a:ext cx="356616" cy="329184"/>
           </a:xfrm>
           <a:prstGeom prst="rect">
@@ -22561,7 +23004,7 @@
         </p:nvSpPr>
         <p:spPr>
           <a:xfrm>
-            <a:off x="2923032" y="2907792"/>
+            <a:off x="2923032" y="2684048"/>
             <a:ext cx="356616" cy="329184"/>
           </a:xfrm>
           <a:prstGeom prst="rect">
@@ -22620,7 +23063,7 @@
         </p:nvSpPr>
         <p:spPr>
           <a:xfrm>
-            <a:off x="2923032" y="3236976"/>
+            <a:off x="2923032" y="3013232"/>
             <a:ext cx="356616" cy="329184"/>
           </a:xfrm>
           <a:prstGeom prst="rect">
@@ -22679,7 +23122,7 @@
         </p:nvSpPr>
         <p:spPr>
           <a:xfrm>
-            <a:off x="2923032" y="3566160"/>
+            <a:off x="2923032" y="3342416"/>
             <a:ext cx="356616" cy="329184"/>
           </a:xfrm>
           <a:prstGeom prst="rect">
@@ -22738,7 +23181,7 @@
         </p:nvSpPr>
         <p:spPr>
           <a:xfrm>
-            <a:off x="2923032" y="3895344"/>
+            <a:off x="2923032" y="3671600"/>
             <a:ext cx="356616" cy="329184"/>
           </a:xfrm>
           <a:prstGeom prst="rect">
@@ -22797,7 +23240,7 @@
         </p:nvSpPr>
         <p:spPr>
           <a:xfrm>
-            <a:off x="2923032" y="4224528"/>
+            <a:off x="2923032" y="4000784"/>
             <a:ext cx="356616" cy="329184"/>
           </a:xfrm>
           <a:prstGeom prst="rect">
@@ -22856,7 +23299,7 @@
         </p:nvSpPr>
         <p:spPr>
           <a:xfrm>
-            <a:off x="2923032" y="4553712"/>
+            <a:off x="2923032" y="4329968"/>
             <a:ext cx="356616" cy="329184"/>
           </a:xfrm>
           <a:prstGeom prst="rect">
@@ -22915,7 +23358,7 @@
         </p:nvSpPr>
         <p:spPr>
           <a:xfrm>
-            <a:off x="2923032" y="4882896"/>
+            <a:off x="2923032" y="4659152"/>
             <a:ext cx="356616" cy="329184"/>
           </a:xfrm>
           <a:prstGeom prst="rect">
@@ -22974,7 +23417,7 @@
         </p:nvSpPr>
         <p:spPr>
           <a:xfrm>
-            <a:off x="2923032" y="5212080"/>
+            <a:off x="2923032" y="4988336"/>
             <a:ext cx="356616" cy="329184"/>
           </a:xfrm>
           <a:prstGeom prst="rect">
@@ -23033,7 +23476,7 @@
         </p:nvSpPr>
         <p:spPr>
           <a:xfrm>
-            <a:off x="3742944" y="932688"/>
+            <a:off x="3742944" y="708944"/>
             <a:ext cx="356616" cy="329184"/>
           </a:xfrm>
           <a:prstGeom prst="rect">
@@ -23084,7 +23527,7 @@
         </p:nvSpPr>
         <p:spPr>
           <a:xfrm>
-            <a:off x="3742944" y="1261872"/>
+            <a:off x="3742944" y="1038128"/>
             <a:ext cx="356616" cy="329184"/>
           </a:xfrm>
           <a:prstGeom prst="rect">
@@ -23135,7 +23578,7 @@
         </p:nvSpPr>
         <p:spPr>
           <a:xfrm>
-            <a:off x="3742944" y="1591056"/>
+            <a:off x="3742944" y="1367312"/>
             <a:ext cx="356616" cy="329184"/>
           </a:xfrm>
           <a:prstGeom prst="rect">
@@ -23186,7 +23629,7 @@
         </p:nvSpPr>
         <p:spPr>
           <a:xfrm>
-            <a:off x="3742944" y="1920240"/>
+            <a:off x="3742944" y="1696496"/>
             <a:ext cx="356616" cy="329184"/>
           </a:xfrm>
           <a:prstGeom prst="rect">
@@ -23237,7 +23680,7 @@
         </p:nvSpPr>
         <p:spPr>
           <a:xfrm>
-            <a:off x="3742944" y="2249424"/>
+            <a:off x="3742944" y="2025680"/>
             <a:ext cx="356616" cy="329184"/>
           </a:xfrm>
           <a:prstGeom prst="rect">
@@ -23288,7 +23731,7 @@
         </p:nvSpPr>
         <p:spPr>
           <a:xfrm>
-            <a:off x="3742944" y="2578608"/>
+            <a:off x="3742944" y="2354864"/>
             <a:ext cx="356616" cy="329184"/>
           </a:xfrm>
           <a:prstGeom prst="rect">
@@ -23339,7 +23782,7 @@
         </p:nvSpPr>
         <p:spPr>
           <a:xfrm>
-            <a:off x="3742944" y="2907792"/>
+            <a:off x="3742944" y="2684048"/>
             <a:ext cx="356616" cy="329184"/>
           </a:xfrm>
           <a:prstGeom prst="rect">
@@ -23390,7 +23833,7 @@
         </p:nvSpPr>
         <p:spPr>
           <a:xfrm>
-            <a:off x="3742944" y="3236976"/>
+            <a:off x="3742944" y="3013232"/>
             <a:ext cx="356616" cy="329184"/>
           </a:xfrm>
           <a:prstGeom prst="rect">
@@ -23441,7 +23884,7 @@
         </p:nvSpPr>
         <p:spPr>
           <a:xfrm>
-            <a:off x="3742944" y="3566160"/>
+            <a:off x="3742944" y="3342416"/>
             <a:ext cx="356616" cy="329184"/>
           </a:xfrm>
           <a:prstGeom prst="rect">
@@ -23492,7 +23935,7 @@
         </p:nvSpPr>
         <p:spPr>
           <a:xfrm>
-            <a:off x="3742944" y="3895344"/>
+            <a:off x="3742944" y="3671600"/>
             <a:ext cx="356616" cy="329184"/>
           </a:xfrm>
           <a:prstGeom prst="rect">
@@ -23543,7 +23986,7 @@
         </p:nvSpPr>
         <p:spPr>
           <a:xfrm>
-            <a:off x="3742944" y="4224528"/>
+            <a:off x="3742944" y="4000784"/>
             <a:ext cx="356616" cy="329184"/>
           </a:xfrm>
           <a:prstGeom prst="rect">
@@ -23594,7 +24037,7 @@
         </p:nvSpPr>
         <p:spPr>
           <a:xfrm>
-            <a:off x="3742944" y="4553712"/>
+            <a:off x="3742944" y="4329968"/>
             <a:ext cx="356616" cy="329184"/>
           </a:xfrm>
           <a:prstGeom prst="rect">
@@ -23645,7 +24088,7 @@
         </p:nvSpPr>
         <p:spPr>
           <a:xfrm>
-            <a:off x="3742944" y="4882896"/>
+            <a:off x="3742944" y="4659152"/>
             <a:ext cx="356616" cy="329184"/>
           </a:xfrm>
           <a:prstGeom prst="rect">
@@ -23696,7 +24139,7 @@
         </p:nvSpPr>
         <p:spPr>
           <a:xfrm>
-            <a:off x="3742944" y="5212080"/>
+            <a:off x="3742944" y="4988336"/>
             <a:ext cx="356616" cy="329184"/>
           </a:xfrm>
           <a:prstGeom prst="rect">
@@ -23749,7 +24192,7 @@
         </p:nvCxnSpPr>
         <p:spPr>
           <a:xfrm flipV="1">
-            <a:off x="2510965" y="1097280"/>
+            <a:off x="2510965" y="873536"/>
             <a:ext cx="412067" cy="20074"/>
           </a:xfrm>
           <a:prstGeom prst="straightConnector1">
@@ -23790,7 +24233,7 @@
         </p:nvCxnSpPr>
         <p:spPr>
           <a:xfrm flipV="1">
-            <a:off x="2510964" y="3730752"/>
+            <a:off x="2510964" y="3507008"/>
             <a:ext cx="412068" cy="29218"/>
           </a:xfrm>
           <a:prstGeom prst="straightConnector1">
@@ -23829,7 +24272,7 @@
         </p:nvSpPr>
         <p:spPr>
           <a:xfrm>
-            <a:off x="3742944" y="603504"/>
+            <a:off x="3742944" y="379760"/>
             <a:ext cx="356616" cy="329184"/>
           </a:xfrm>
           <a:prstGeom prst="rect">
@@ -23888,7 +24331,7 @@
         </p:nvSpPr>
         <p:spPr>
           <a:xfrm>
-            <a:off x="2214078" y="972836"/>
+            <a:off x="2214078" y="749092"/>
             <a:ext cx="295274" cy="369332"/>
           </a:xfrm>
           <a:prstGeom prst="rect">
@@ -23923,7 +24366,7 @@
         </p:nvSpPr>
         <p:spPr>
           <a:xfrm>
-            <a:off x="2284601" y="3566160"/>
+            <a:off x="2284601" y="3342416"/>
             <a:ext cx="306494" cy="369332"/>
           </a:xfrm>
           <a:prstGeom prst="rect">
@@ -23958,7 +24401,7 @@
         </p:nvSpPr>
         <p:spPr>
           <a:xfrm>
-            <a:off x="4968240" y="603504"/>
+            <a:off x="4968240" y="379760"/>
             <a:ext cx="356616" cy="329184"/>
           </a:xfrm>
           <a:prstGeom prst="rect">
@@ -24014,7 +24457,7 @@
         </p:nvSpPr>
         <p:spPr>
           <a:xfrm>
-            <a:off x="4968240" y="932688"/>
+            <a:off x="4968240" y="708944"/>
             <a:ext cx="356616" cy="329184"/>
           </a:xfrm>
           <a:prstGeom prst="rect">
@@ -24073,7 +24516,7 @@
         </p:nvSpPr>
         <p:spPr>
           <a:xfrm>
-            <a:off x="4968240" y="1261872"/>
+            <a:off x="4968240" y="1038128"/>
             <a:ext cx="356616" cy="329184"/>
           </a:xfrm>
           <a:prstGeom prst="rect">
@@ -24132,7 +24575,7 @@
         </p:nvSpPr>
         <p:spPr>
           <a:xfrm>
-            <a:off x="4968240" y="1591056"/>
+            <a:off x="4968240" y="1367312"/>
             <a:ext cx="356616" cy="329184"/>
           </a:xfrm>
           <a:prstGeom prst="rect">
@@ -24191,7 +24634,7 @@
         </p:nvSpPr>
         <p:spPr>
           <a:xfrm>
-            <a:off x="4968240" y="1920240"/>
+            <a:off x="4968240" y="1696496"/>
             <a:ext cx="356616" cy="329184"/>
           </a:xfrm>
           <a:prstGeom prst="rect">
@@ -24250,7 +24693,7 @@
         </p:nvSpPr>
         <p:spPr>
           <a:xfrm>
-            <a:off x="4968240" y="2249424"/>
+            <a:off x="4968240" y="2025680"/>
             <a:ext cx="356616" cy="329184"/>
           </a:xfrm>
           <a:prstGeom prst="rect">
@@ -24309,7 +24752,7 @@
         </p:nvSpPr>
         <p:spPr>
           <a:xfrm>
-            <a:off x="4968240" y="2578608"/>
+            <a:off x="4968240" y="2354864"/>
             <a:ext cx="356616" cy="329184"/>
           </a:xfrm>
           <a:prstGeom prst="rect">
@@ -24368,7 +24811,7 @@
         </p:nvSpPr>
         <p:spPr>
           <a:xfrm>
-            <a:off x="4968240" y="2907792"/>
+            <a:off x="4968240" y="2684048"/>
             <a:ext cx="356616" cy="329184"/>
           </a:xfrm>
           <a:prstGeom prst="rect">
@@ -24427,7 +24870,7 @@
         </p:nvSpPr>
         <p:spPr>
           <a:xfrm>
-            <a:off x="4968240" y="3236976"/>
+            <a:off x="4968240" y="3013232"/>
             <a:ext cx="356616" cy="329184"/>
           </a:xfrm>
           <a:prstGeom prst="rect">
@@ -24486,7 +24929,7 @@
         </p:nvSpPr>
         <p:spPr>
           <a:xfrm>
-            <a:off x="4968240" y="3566160"/>
+            <a:off x="4968240" y="3342416"/>
             <a:ext cx="356616" cy="329184"/>
           </a:xfrm>
           <a:prstGeom prst="rect">
@@ -24542,7 +24985,7 @@
         </p:nvSpPr>
         <p:spPr>
           <a:xfrm>
-            <a:off x="4968240" y="3895344"/>
+            <a:off x="4968240" y="3671600"/>
             <a:ext cx="356616" cy="329184"/>
           </a:xfrm>
           <a:prstGeom prst="rect">
@@ -24601,7 +25044,7 @@
         </p:nvSpPr>
         <p:spPr>
           <a:xfrm>
-            <a:off x="4968240" y="4224528"/>
+            <a:off x="4968240" y="4000784"/>
             <a:ext cx="356616" cy="329184"/>
           </a:xfrm>
           <a:prstGeom prst="rect">
@@ -24660,7 +25103,7 @@
         </p:nvSpPr>
         <p:spPr>
           <a:xfrm>
-            <a:off x="4968240" y="4553712"/>
+            <a:off x="4968240" y="4329968"/>
             <a:ext cx="356616" cy="329184"/>
           </a:xfrm>
           <a:prstGeom prst="rect">
@@ -24719,7 +25162,7 @@
         </p:nvSpPr>
         <p:spPr>
           <a:xfrm>
-            <a:off x="4968240" y="4882896"/>
+            <a:off x="4968240" y="4659152"/>
             <a:ext cx="356616" cy="329184"/>
           </a:xfrm>
           <a:prstGeom prst="rect">
@@ -24778,7 +25221,7 @@
         </p:nvSpPr>
         <p:spPr>
           <a:xfrm>
-            <a:off x="4968240" y="5212080"/>
+            <a:off x="4968240" y="4988336"/>
             <a:ext cx="356616" cy="329184"/>
           </a:xfrm>
           <a:prstGeom prst="rect">
@@ -24837,7 +25280,7 @@
         </p:nvSpPr>
         <p:spPr>
           <a:xfrm>
-            <a:off x="5788152" y="1261872"/>
+            <a:off x="5788152" y="1038128"/>
             <a:ext cx="356616" cy="329184"/>
           </a:xfrm>
           <a:prstGeom prst="rect">
@@ -24888,7 +25331,7 @@
         </p:nvSpPr>
         <p:spPr>
           <a:xfrm>
-            <a:off x="5788152" y="1591056"/>
+            <a:off x="5788152" y="1367312"/>
             <a:ext cx="356616" cy="329184"/>
           </a:xfrm>
           <a:prstGeom prst="rect">
@@ -24939,7 +25382,7 @@
         </p:nvSpPr>
         <p:spPr>
           <a:xfrm>
-            <a:off x="5788152" y="1920240"/>
+            <a:off x="5788152" y="1696496"/>
             <a:ext cx="356616" cy="329184"/>
           </a:xfrm>
           <a:prstGeom prst="rect">
@@ -24990,7 +25433,7 @@
         </p:nvSpPr>
         <p:spPr>
           <a:xfrm>
-            <a:off x="5788152" y="2249424"/>
+            <a:off x="5788152" y="2025680"/>
             <a:ext cx="356616" cy="329184"/>
           </a:xfrm>
           <a:prstGeom prst="rect">
@@ -25041,7 +25484,7 @@
         </p:nvSpPr>
         <p:spPr>
           <a:xfrm>
-            <a:off x="5788152" y="2578608"/>
+            <a:off x="5788152" y="2354864"/>
             <a:ext cx="356616" cy="329184"/>
           </a:xfrm>
           <a:prstGeom prst="rect">
@@ -25092,7 +25535,7 @@
         </p:nvSpPr>
         <p:spPr>
           <a:xfrm>
-            <a:off x="5788152" y="2907792"/>
+            <a:off x="5788152" y="2684048"/>
             <a:ext cx="356616" cy="329184"/>
           </a:xfrm>
           <a:prstGeom prst="rect">
@@ -25143,7 +25586,7 @@
         </p:nvSpPr>
         <p:spPr>
           <a:xfrm>
-            <a:off x="5788152" y="3236976"/>
+            <a:off x="5788152" y="3013232"/>
             <a:ext cx="356616" cy="329184"/>
           </a:xfrm>
           <a:prstGeom prst="rect">
@@ -25194,7 +25637,7 @@
         </p:nvSpPr>
         <p:spPr>
           <a:xfrm>
-            <a:off x="5788152" y="3566160"/>
+            <a:off x="5788152" y="3342416"/>
             <a:ext cx="356616" cy="329184"/>
           </a:xfrm>
           <a:prstGeom prst="rect">
@@ -25245,7 +25688,7 @@
         </p:nvSpPr>
         <p:spPr>
           <a:xfrm>
-            <a:off x="5788152" y="3895344"/>
+            <a:off x="5788152" y="3671600"/>
             <a:ext cx="356616" cy="329184"/>
           </a:xfrm>
           <a:prstGeom prst="rect">
@@ -25296,7 +25739,7 @@
         </p:nvSpPr>
         <p:spPr>
           <a:xfrm>
-            <a:off x="5788152" y="4224528"/>
+            <a:off x="5788152" y="4000784"/>
             <a:ext cx="356616" cy="329184"/>
           </a:xfrm>
           <a:prstGeom prst="rect">
@@ -25347,7 +25790,7 @@
         </p:nvSpPr>
         <p:spPr>
           <a:xfrm>
-            <a:off x="5788152" y="4553712"/>
+            <a:off x="5788152" y="4329968"/>
             <a:ext cx="356616" cy="329184"/>
           </a:xfrm>
           <a:prstGeom prst="rect">
@@ -25398,7 +25841,7 @@
         </p:nvSpPr>
         <p:spPr>
           <a:xfrm>
-            <a:off x="5788152" y="4882896"/>
+            <a:off x="5788152" y="4659152"/>
             <a:ext cx="356616" cy="329184"/>
           </a:xfrm>
           <a:prstGeom prst="rect">
@@ -25449,7 +25892,7 @@
         </p:nvSpPr>
         <p:spPr>
           <a:xfrm>
-            <a:off x="5788152" y="5212080"/>
+            <a:off x="5788152" y="4988336"/>
             <a:ext cx="356616" cy="329184"/>
           </a:xfrm>
           <a:prstGeom prst="rect">
@@ -25502,7 +25945,7 @@
         </p:nvCxnSpPr>
         <p:spPr>
           <a:xfrm flipV="1">
-            <a:off x="4556173" y="1097280"/>
+            <a:off x="4556173" y="873536"/>
             <a:ext cx="412067" cy="20074"/>
           </a:xfrm>
           <a:prstGeom prst="straightConnector1">
@@ -25543,7 +25986,7 @@
         </p:nvCxnSpPr>
         <p:spPr>
           <a:xfrm flipV="1">
-            <a:off x="4572642" y="4065401"/>
+            <a:off x="4572642" y="3841657"/>
             <a:ext cx="412068" cy="29218"/>
           </a:xfrm>
           <a:prstGeom prst="straightConnector1">
@@ -25582,7 +26025,7 @@
         </p:nvSpPr>
         <p:spPr>
           <a:xfrm>
-            <a:off x="5788152" y="603504"/>
+            <a:off x="5788152" y="379760"/>
             <a:ext cx="356616" cy="329184"/>
           </a:xfrm>
           <a:prstGeom prst="rect">
@@ -25641,7 +26084,7 @@
         </p:nvSpPr>
         <p:spPr>
           <a:xfrm>
-            <a:off x="4259286" y="972836"/>
+            <a:off x="4259286" y="749092"/>
             <a:ext cx="295274" cy="369332"/>
           </a:xfrm>
           <a:prstGeom prst="rect">
@@ -25676,7 +26119,7 @@
         </p:nvSpPr>
         <p:spPr>
           <a:xfrm>
-            <a:off x="4346279" y="3900809"/>
+            <a:off x="4346279" y="3677065"/>
             <a:ext cx="306494" cy="369332"/>
           </a:xfrm>
           <a:prstGeom prst="rect">
@@ -25711,7 +26154,7 @@
         </p:nvSpPr>
         <p:spPr>
           <a:xfrm>
-            <a:off x="5788152" y="932688"/>
+            <a:off x="5788152" y="708944"/>
             <a:ext cx="356616" cy="329184"/>
           </a:xfrm>
           <a:prstGeom prst="rect">
@@ -25770,7 +26213,7 @@
         </p:nvSpPr>
         <p:spPr>
           <a:xfrm>
-            <a:off x="7086600" y="603504"/>
+            <a:off x="7086600" y="379760"/>
             <a:ext cx="356616" cy="329184"/>
           </a:xfrm>
           <a:prstGeom prst="rect">
@@ -25826,7 +26269,7 @@
         </p:nvSpPr>
         <p:spPr>
           <a:xfrm>
-            <a:off x="7086600" y="932688"/>
+            <a:off x="7086600" y="708944"/>
             <a:ext cx="356616" cy="329184"/>
           </a:xfrm>
           <a:prstGeom prst="rect">
@@ -25885,7 +26328,7 @@
         </p:nvSpPr>
         <p:spPr>
           <a:xfrm>
-            <a:off x="7086600" y="1261872"/>
+            <a:off x="7086600" y="1038128"/>
             <a:ext cx="356616" cy="329184"/>
           </a:xfrm>
           <a:prstGeom prst="rect">
@@ -25944,7 +26387,7 @@
         </p:nvSpPr>
         <p:spPr>
           <a:xfrm>
-            <a:off x="7086600" y="1591056"/>
+            <a:off x="7086600" y="1367312"/>
             <a:ext cx="356616" cy="329184"/>
           </a:xfrm>
           <a:prstGeom prst="rect">
@@ -26003,7 +26446,7 @@
         </p:nvSpPr>
         <p:spPr>
           <a:xfrm>
-            <a:off x="7086600" y="1920240"/>
+            <a:off x="7086600" y="1696496"/>
             <a:ext cx="356616" cy="329184"/>
           </a:xfrm>
           <a:prstGeom prst="rect">
@@ -26062,7 +26505,7 @@
         </p:nvSpPr>
         <p:spPr>
           <a:xfrm>
-            <a:off x="7086600" y="2249424"/>
+            <a:off x="7086600" y="2025680"/>
             <a:ext cx="356616" cy="329184"/>
           </a:xfrm>
           <a:prstGeom prst="rect">
@@ -26121,7 +26564,7 @@
         </p:nvSpPr>
         <p:spPr>
           <a:xfrm>
-            <a:off x="7086600" y="2578608"/>
+            <a:off x="7086600" y="2354864"/>
             <a:ext cx="356616" cy="329184"/>
           </a:xfrm>
           <a:prstGeom prst="rect">
@@ -26180,7 +26623,7 @@
         </p:nvSpPr>
         <p:spPr>
           <a:xfrm>
-            <a:off x="7086600" y="2907792"/>
+            <a:off x="7086600" y="2684048"/>
             <a:ext cx="356616" cy="329184"/>
           </a:xfrm>
           <a:prstGeom prst="rect">
@@ -26239,7 +26682,7 @@
         </p:nvSpPr>
         <p:spPr>
           <a:xfrm>
-            <a:off x="7086600" y="3236976"/>
+            <a:off x="7086600" y="3013232"/>
             <a:ext cx="356616" cy="329184"/>
           </a:xfrm>
           <a:prstGeom prst="rect">
@@ -26298,7 +26741,7 @@
         </p:nvSpPr>
         <p:spPr>
           <a:xfrm>
-            <a:off x="7086600" y="3566160"/>
+            <a:off x="7086600" y="3342416"/>
             <a:ext cx="356616" cy="329184"/>
           </a:xfrm>
           <a:prstGeom prst="rect">
@@ -26354,7 +26797,7 @@
         </p:nvSpPr>
         <p:spPr>
           <a:xfrm>
-            <a:off x="7086600" y="3895344"/>
+            <a:off x="7086600" y="3671600"/>
             <a:ext cx="356616" cy="329184"/>
           </a:xfrm>
           <a:prstGeom prst="rect">
@@ -26410,7 +26853,7 @@
         </p:nvSpPr>
         <p:spPr>
           <a:xfrm>
-            <a:off x="7086600" y="4224528"/>
+            <a:off x="7086600" y="4000784"/>
             <a:ext cx="356616" cy="329184"/>
           </a:xfrm>
           <a:prstGeom prst="rect">
@@ -26469,7 +26912,7 @@
         </p:nvSpPr>
         <p:spPr>
           <a:xfrm>
-            <a:off x="7086600" y="4553712"/>
+            <a:off x="7086600" y="4329968"/>
             <a:ext cx="356616" cy="329184"/>
           </a:xfrm>
           <a:prstGeom prst="rect">
@@ -26528,7 +26971,7 @@
         </p:nvSpPr>
         <p:spPr>
           <a:xfrm>
-            <a:off x="7086600" y="4882896"/>
+            <a:off x="7086600" y="4659152"/>
             <a:ext cx="356616" cy="329184"/>
           </a:xfrm>
           <a:prstGeom prst="rect">
@@ -26587,7 +27030,7 @@
         </p:nvSpPr>
         <p:spPr>
           <a:xfrm>
-            <a:off x="7086600" y="5212080"/>
+            <a:off x="7086600" y="4988336"/>
             <a:ext cx="356616" cy="329184"/>
           </a:xfrm>
           <a:prstGeom prst="rect">
@@ -26646,7 +27089,7 @@
         </p:nvSpPr>
         <p:spPr>
           <a:xfrm>
-            <a:off x="7906512" y="1591056"/>
+            <a:off x="7906512" y="1367312"/>
             <a:ext cx="356616" cy="329184"/>
           </a:xfrm>
           <a:prstGeom prst="rect">
@@ -26697,7 +27140,7 @@
         </p:nvSpPr>
         <p:spPr>
           <a:xfrm>
-            <a:off x="7906512" y="1920240"/>
+            <a:off x="7906512" y="1696496"/>
             <a:ext cx="356616" cy="329184"/>
           </a:xfrm>
           <a:prstGeom prst="rect">
@@ -26748,7 +27191,7 @@
         </p:nvSpPr>
         <p:spPr>
           <a:xfrm>
-            <a:off x="7906512" y="2249424"/>
+            <a:off x="7906512" y="2025680"/>
             <a:ext cx="356616" cy="329184"/>
           </a:xfrm>
           <a:prstGeom prst="rect">
@@ -26799,7 +27242,7 @@
         </p:nvSpPr>
         <p:spPr>
           <a:xfrm>
-            <a:off x="7906512" y="2578608"/>
+            <a:off x="7906512" y="2354864"/>
             <a:ext cx="356616" cy="329184"/>
           </a:xfrm>
           <a:prstGeom prst="rect">
@@ -26850,7 +27293,7 @@
         </p:nvSpPr>
         <p:spPr>
           <a:xfrm>
-            <a:off x="7906512" y="2907792"/>
+            <a:off x="7906512" y="2684048"/>
             <a:ext cx="356616" cy="329184"/>
           </a:xfrm>
           <a:prstGeom prst="rect">
@@ -26901,7 +27344,7 @@
         </p:nvSpPr>
         <p:spPr>
           <a:xfrm>
-            <a:off x="7906512" y="3236976"/>
+            <a:off x="7906512" y="3013232"/>
             <a:ext cx="356616" cy="329184"/>
           </a:xfrm>
           <a:prstGeom prst="rect">
@@ -26952,7 +27395,7 @@
         </p:nvSpPr>
         <p:spPr>
           <a:xfrm>
-            <a:off x="7906512" y="3566160"/>
+            <a:off x="7906512" y="3342416"/>
             <a:ext cx="356616" cy="329184"/>
           </a:xfrm>
           <a:prstGeom prst="rect">
@@ -27003,7 +27446,7 @@
         </p:nvSpPr>
         <p:spPr>
           <a:xfrm>
-            <a:off x="7906512" y="3895344"/>
+            <a:off x="7906512" y="3671600"/>
             <a:ext cx="356616" cy="329184"/>
           </a:xfrm>
           <a:prstGeom prst="rect">
@@ -27054,7 +27497,7 @@
         </p:nvSpPr>
         <p:spPr>
           <a:xfrm>
-            <a:off x="7906512" y="4224528"/>
+            <a:off x="7906512" y="4000784"/>
             <a:ext cx="356616" cy="329184"/>
           </a:xfrm>
           <a:prstGeom prst="rect">
@@ -27105,7 +27548,7 @@
         </p:nvSpPr>
         <p:spPr>
           <a:xfrm>
-            <a:off x="7906512" y="4553712"/>
+            <a:off x="7906512" y="4329968"/>
             <a:ext cx="356616" cy="329184"/>
           </a:xfrm>
           <a:prstGeom prst="rect">
@@ -27156,7 +27599,7 @@
         </p:nvSpPr>
         <p:spPr>
           <a:xfrm>
-            <a:off x="7906512" y="4882896"/>
+            <a:off x="7906512" y="4659152"/>
             <a:ext cx="356616" cy="329184"/>
           </a:xfrm>
           <a:prstGeom prst="rect">
@@ -27207,7 +27650,7 @@
         </p:nvSpPr>
         <p:spPr>
           <a:xfrm>
-            <a:off x="7906512" y="5212080"/>
+            <a:off x="7906512" y="4988336"/>
             <a:ext cx="356616" cy="329184"/>
           </a:xfrm>
           <a:prstGeom prst="rect">
@@ -27260,7 +27703,7 @@
         </p:nvCxnSpPr>
         <p:spPr>
           <a:xfrm flipV="1">
-            <a:off x="6674533" y="1097280"/>
+            <a:off x="6674533" y="873536"/>
             <a:ext cx="412067" cy="20074"/>
           </a:xfrm>
           <a:prstGeom prst="straightConnector1">
@@ -27301,7 +27744,7 @@
         </p:nvCxnSpPr>
         <p:spPr>
           <a:xfrm flipV="1">
-            <a:off x="6674532" y="4390906"/>
+            <a:off x="6674532" y="4167162"/>
             <a:ext cx="412068" cy="29218"/>
           </a:xfrm>
           <a:prstGeom prst="straightConnector1">
@@ -27340,7 +27783,7 @@
         </p:nvSpPr>
         <p:spPr>
           <a:xfrm>
-            <a:off x="7906512" y="603504"/>
+            <a:off x="7906512" y="379760"/>
             <a:ext cx="356616" cy="329184"/>
           </a:xfrm>
           <a:prstGeom prst="rect">
@@ -27399,7 +27842,7 @@
         </p:nvSpPr>
         <p:spPr>
           <a:xfrm>
-            <a:off x="6377646" y="972836"/>
+            <a:off x="6377646" y="749092"/>
             <a:ext cx="295274" cy="369332"/>
           </a:xfrm>
           <a:prstGeom prst="rect">
@@ -27434,7 +27877,7 @@
         </p:nvSpPr>
         <p:spPr>
           <a:xfrm>
-            <a:off x="6448169" y="4226314"/>
+            <a:off x="6448169" y="4002570"/>
             <a:ext cx="306494" cy="369332"/>
           </a:xfrm>
           <a:prstGeom prst="rect">
@@ -27469,7 +27912,7 @@
         </p:nvSpPr>
         <p:spPr>
           <a:xfrm>
-            <a:off x="7906512" y="932688"/>
+            <a:off x="7906512" y="708944"/>
             <a:ext cx="356616" cy="329184"/>
           </a:xfrm>
           <a:prstGeom prst="rect">
@@ -27528,7 +27971,7 @@
         </p:nvSpPr>
         <p:spPr>
           <a:xfrm>
-            <a:off x="7906512" y="1261872"/>
+            <a:off x="7906512" y="1038128"/>
             <a:ext cx="356616" cy="329184"/>
           </a:xfrm>
           <a:prstGeom prst="rect">
@@ -27569,6 +28012,188 @@
                 </a:solidFill>
               </a:rPr>
               <a:t>5</a:t>
+            </a:r>
+          </a:p>
+        </p:txBody>
+      </p:sp>
+      <p:sp>
+        <p:nvSpPr>
+          <p:cNvPr id="2" name="TextBox 1">
+            <a:extLst>
+              <a:ext uri="{FF2B5EF4-FFF2-40B4-BE49-F238E27FC236}">
+                <a16:creationId xmlns:a16="http://schemas.microsoft.com/office/drawing/2014/main" id="{953CCD44-9BEF-7548-B182-C8C91122D994}"/>
+              </a:ext>
+            </a:extLst>
+          </p:cNvPr>
+          <p:cNvSpPr txBox="1"/>
+          <p:nvPr/>
+        </p:nvSpPr>
+        <p:spPr>
+          <a:xfrm>
+            <a:off x="923211" y="5474467"/>
+            <a:ext cx="815673" cy="646331"/>
+          </a:xfrm>
+          <a:prstGeom prst="rect">
+            <a:avLst/>
+          </a:prstGeom>
+          <a:noFill/>
+        </p:spPr>
+        <p:txBody>
+          <a:bodyPr wrap="none" rtlCol="0">
+            <a:spAutoFit/>
+          </a:bodyPr>
+          <a:lstStyle/>
+          <a:p>
+            <a:r>
+              <a:rPr lang="en-US"/>
+              <a:t>estado</a:t>
+            </a:r>
+          </a:p>
+          <a:p>
+            <a:r>
+              <a:rPr lang="en-US"/>
+              <a:t>inicial</a:t>
+            </a:r>
+          </a:p>
+        </p:txBody>
+      </p:sp>
+      <p:sp>
+        <p:nvSpPr>
+          <p:cNvPr id="3" name="TextBox 2">
+            <a:extLst>
+              <a:ext uri="{FF2B5EF4-FFF2-40B4-BE49-F238E27FC236}">
+                <a16:creationId xmlns:a16="http://schemas.microsoft.com/office/drawing/2014/main" id="{7DAFD9A6-A901-0948-9081-F52A581D6D44}"/>
+              </a:ext>
+            </a:extLst>
+          </p:cNvPr>
+          <p:cNvSpPr txBox="1"/>
+          <p:nvPr/>
+        </p:nvSpPr>
+        <p:spPr>
+          <a:xfrm>
+            <a:off x="2792951" y="5385166"/>
+            <a:ext cx="1374094" cy="923330"/>
+          </a:xfrm>
+          <a:prstGeom prst="rect">
+            <a:avLst/>
+          </a:prstGeom>
+          <a:noFill/>
+        </p:spPr>
+        <p:txBody>
+          <a:bodyPr wrap="none" rtlCol="0">
+            <a:spAutoFit/>
+          </a:bodyPr>
+          <a:lstStyle/>
+          <a:p>
+            <a:r>
+              <a:rPr lang="en-US"/>
+              <a:t>primera</a:t>
+            </a:r>
+          </a:p>
+          <a:p>
+            <a:r>
+              <a:rPr lang="en-US"/>
+              <a:t>ejecución de</a:t>
+            </a:r>
+          </a:p>
+          <a:p>
+            <a:r>
+              <a:rPr lang="en-US"/>
+              <a:t>pasos 3 y 4</a:t>
+            </a:r>
+          </a:p>
+        </p:txBody>
+      </p:sp>
+      <p:sp>
+        <p:nvSpPr>
+          <p:cNvPr id="156" name="TextBox 155">
+            <a:extLst>
+              <a:ext uri="{FF2B5EF4-FFF2-40B4-BE49-F238E27FC236}">
+                <a16:creationId xmlns:a16="http://schemas.microsoft.com/office/drawing/2014/main" id="{606CAA1F-4B1A-E847-B97B-2D6F8D77C96B}"/>
+              </a:ext>
+            </a:extLst>
+          </p:cNvPr>
+          <p:cNvSpPr txBox="1"/>
+          <p:nvPr/>
+        </p:nvSpPr>
+        <p:spPr>
+          <a:xfrm>
+            <a:off x="4817881" y="5371830"/>
+            <a:ext cx="1374094" cy="923330"/>
+          </a:xfrm>
+          <a:prstGeom prst="rect">
+            <a:avLst/>
+          </a:prstGeom>
+          <a:noFill/>
+        </p:spPr>
+        <p:txBody>
+          <a:bodyPr wrap="none" rtlCol="0">
+            <a:spAutoFit/>
+          </a:bodyPr>
+          <a:lstStyle/>
+          <a:p>
+            <a:r>
+              <a:rPr lang="en-US"/>
+              <a:t>segunda</a:t>
+            </a:r>
+          </a:p>
+          <a:p>
+            <a:r>
+              <a:rPr lang="en-US"/>
+              <a:t>ejecución de</a:t>
+            </a:r>
+          </a:p>
+          <a:p>
+            <a:r>
+              <a:rPr lang="en-US"/>
+              <a:t>pasos 3 y 4</a:t>
+            </a:r>
+          </a:p>
+        </p:txBody>
+      </p:sp>
+      <p:sp>
+        <p:nvSpPr>
+          <p:cNvPr id="157" name="TextBox 156">
+            <a:extLst>
+              <a:ext uri="{FF2B5EF4-FFF2-40B4-BE49-F238E27FC236}">
+                <a16:creationId xmlns:a16="http://schemas.microsoft.com/office/drawing/2014/main" id="{F8659A00-DE35-8646-AB71-8F6BF1867149}"/>
+              </a:ext>
+            </a:extLst>
+          </p:cNvPr>
+          <p:cNvSpPr txBox="1"/>
+          <p:nvPr/>
+        </p:nvSpPr>
+        <p:spPr>
+          <a:xfrm>
+            <a:off x="6983905" y="5367456"/>
+            <a:ext cx="1374094" cy="923330"/>
+          </a:xfrm>
+          <a:prstGeom prst="rect">
+            <a:avLst/>
+          </a:prstGeom>
+          <a:noFill/>
+        </p:spPr>
+        <p:txBody>
+          <a:bodyPr wrap="none" rtlCol="0">
+            <a:spAutoFit/>
+          </a:bodyPr>
+          <a:lstStyle/>
+          <a:p>
+            <a:r>
+              <a:rPr lang="en-US"/>
+              <a:t>tercera</a:t>
+            </a:r>
+          </a:p>
+          <a:p>
+            <a:r>
+              <a:rPr lang="en-US"/>
+              <a:t>ejecución de</a:t>
+            </a:r>
+          </a:p>
+          <a:p>
+            <a:r>
+              <a:rPr lang="en-US"/>
+              <a:t>pasos 3 y 4</a:t>
             </a:r>
           </a:p>
         </p:txBody>
@@ -27617,7 +28242,7 @@
         </p:nvSpPr>
         <p:spPr>
           <a:xfrm>
-            <a:off x="868680" y="603504"/>
+            <a:off x="868680" y="389488"/>
             <a:ext cx="356616" cy="329184"/>
           </a:xfrm>
           <a:prstGeom prst="rect">
@@ -27673,7 +28298,7 @@
         </p:nvSpPr>
         <p:spPr>
           <a:xfrm>
-            <a:off x="868680" y="932688"/>
+            <a:off x="868680" y="718672"/>
             <a:ext cx="356616" cy="329184"/>
           </a:xfrm>
           <a:prstGeom prst="rect">
@@ -27729,7 +28354,7 @@
         </p:nvSpPr>
         <p:spPr>
           <a:xfrm>
-            <a:off x="868680" y="1261872"/>
+            <a:off x="868680" y="1047856"/>
             <a:ext cx="356616" cy="329184"/>
           </a:xfrm>
           <a:prstGeom prst="rect">
@@ -27788,7 +28413,7 @@
         </p:nvSpPr>
         <p:spPr>
           <a:xfrm>
-            <a:off x="868680" y="1591056"/>
+            <a:off x="868680" y="1377040"/>
             <a:ext cx="356616" cy="329184"/>
           </a:xfrm>
           <a:prstGeom prst="rect">
@@ -27847,7 +28472,7 @@
         </p:nvSpPr>
         <p:spPr>
           <a:xfrm>
-            <a:off x="868680" y="1920240"/>
+            <a:off x="868680" y="1706224"/>
             <a:ext cx="356616" cy="329184"/>
           </a:xfrm>
           <a:prstGeom prst="rect">
@@ -27906,7 +28531,7 @@
         </p:nvSpPr>
         <p:spPr>
           <a:xfrm>
-            <a:off x="868680" y="2249424"/>
+            <a:off x="868680" y="2035408"/>
             <a:ext cx="356616" cy="329184"/>
           </a:xfrm>
           <a:prstGeom prst="rect">
@@ -27965,7 +28590,7 @@
         </p:nvSpPr>
         <p:spPr>
           <a:xfrm>
-            <a:off x="868680" y="2578608"/>
+            <a:off x="868680" y="2364592"/>
             <a:ext cx="356616" cy="329184"/>
           </a:xfrm>
           <a:prstGeom prst="rect">
@@ -28024,7 +28649,7 @@
         </p:nvSpPr>
         <p:spPr>
           <a:xfrm>
-            <a:off x="868680" y="2907792"/>
+            <a:off x="868680" y="2693776"/>
             <a:ext cx="356616" cy="329184"/>
           </a:xfrm>
           <a:prstGeom prst="rect">
@@ -28083,7 +28708,7 @@
         </p:nvSpPr>
         <p:spPr>
           <a:xfrm>
-            <a:off x="868680" y="3236976"/>
+            <a:off x="868680" y="3022960"/>
             <a:ext cx="356616" cy="329184"/>
           </a:xfrm>
           <a:prstGeom prst="rect">
@@ -28142,7 +28767,7 @@
         </p:nvSpPr>
         <p:spPr>
           <a:xfrm>
-            <a:off x="868680" y="3566160"/>
+            <a:off x="868680" y="3352144"/>
             <a:ext cx="356616" cy="329184"/>
           </a:xfrm>
           <a:prstGeom prst="rect">
@@ -28198,7 +28823,7 @@
         </p:nvSpPr>
         <p:spPr>
           <a:xfrm>
-            <a:off x="868680" y="3895344"/>
+            <a:off x="868680" y="3681328"/>
             <a:ext cx="356616" cy="329184"/>
           </a:xfrm>
           <a:prstGeom prst="rect">
@@ -28254,7 +28879,7 @@
         </p:nvSpPr>
         <p:spPr>
           <a:xfrm>
-            <a:off x="868680" y="4224528"/>
+            <a:off x="868680" y="4010512"/>
             <a:ext cx="356616" cy="329184"/>
           </a:xfrm>
           <a:prstGeom prst="rect">
@@ -28313,7 +28938,7 @@
         </p:nvSpPr>
         <p:spPr>
           <a:xfrm>
-            <a:off x="868680" y="4553712"/>
+            <a:off x="868680" y="4339696"/>
             <a:ext cx="356616" cy="329184"/>
           </a:xfrm>
           <a:prstGeom prst="rect">
@@ -28372,7 +28997,7 @@
         </p:nvSpPr>
         <p:spPr>
           <a:xfrm>
-            <a:off x="868680" y="4882896"/>
+            <a:off x="868680" y="4668880"/>
             <a:ext cx="356616" cy="329184"/>
           </a:xfrm>
           <a:prstGeom prst="rect">
@@ -28431,7 +29056,7 @@
         </p:nvSpPr>
         <p:spPr>
           <a:xfrm>
-            <a:off x="868680" y="5212080"/>
+            <a:off x="868680" y="4998064"/>
             <a:ext cx="356616" cy="329184"/>
           </a:xfrm>
           <a:prstGeom prst="rect">
@@ -28490,7 +29115,7 @@
         </p:nvSpPr>
         <p:spPr>
           <a:xfrm>
-            <a:off x="1688592" y="1920240"/>
+            <a:off x="1688592" y="1706224"/>
             <a:ext cx="356616" cy="329184"/>
           </a:xfrm>
           <a:prstGeom prst="rect">
@@ -28541,7 +29166,7 @@
         </p:nvSpPr>
         <p:spPr>
           <a:xfrm>
-            <a:off x="1688592" y="2249424"/>
+            <a:off x="1688592" y="2035408"/>
             <a:ext cx="356616" cy="329184"/>
           </a:xfrm>
           <a:prstGeom prst="rect">
@@ -28592,7 +29217,7 @@
         </p:nvSpPr>
         <p:spPr>
           <a:xfrm>
-            <a:off x="1688592" y="2578608"/>
+            <a:off x="1688592" y="2364592"/>
             <a:ext cx="356616" cy="329184"/>
           </a:xfrm>
           <a:prstGeom prst="rect">
@@ -28643,7 +29268,7 @@
         </p:nvSpPr>
         <p:spPr>
           <a:xfrm>
-            <a:off x="1688592" y="2907792"/>
+            <a:off x="1688592" y="2693776"/>
             <a:ext cx="356616" cy="329184"/>
           </a:xfrm>
           <a:prstGeom prst="rect">
@@ -28694,7 +29319,7 @@
         </p:nvSpPr>
         <p:spPr>
           <a:xfrm>
-            <a:off x="1688592" y="3236976"/>
+            <a:off x="1688592" y="3022960"/>
             <a:ext cx="356616" cy="329184"/>
           </a:xfrm>
           <a:prstGeom prst="rect">
@@ -28745,7 +29370,7 @@
         </p:nvSpPr>
         <p:spPr>
           <a:xfrm>
-            <a:off x="1688592" y="3566160"/>
+            <a:off x="1688592" y="3352144"/>
             <a:ext cx="356616" cy="329184"/>
           </a:xfrm>
           <a:prstGeom prst="rect">
@@ -28796,7 +29421,7 @@
         </p:nvSpPr>
         <p:spPr>
           <a:xfrm>
-            <a:off x="1688592" y="3895344"/>
+            <a:off x="1688592" y="3681328"/>
             <a:ext cx="356616" cy="329184"/>
           </a:xfrm>
           <a:prstGeom prst="rect">
@@ -28847,7 +29472,7 @@
         </p:nvSpPr>
         <p:spPr>
           <a:xfrm>
-            <a:off x="1688592" y="4224528"/>
+            <a:off x="1688592" y="4010512"/>
             <a:ext cx="356616" cy="329184"/>
           </a:xfrm>
           <a:prstGeom prst="rect">
@@ -28898,7 +29523,7 @@
         </p:nvSpPr>
         <p:spPr>
           <a:xfrm>
-            <a:off x="1688592" y="4553712"/>
+            <a:off x="1688592" y="4339696"/>
             <a:ext cx="356616" cy="329184"/>
           </a:xfrm>
           <a:prstGeom prst="rect">
@@ -28949,7 +29574,7 @@
         </p:nvSpPr>
         <p:spPr>
           <a:xfrm>
-            <a:off x="1688592" y="4882896"/>
+            <a:off x="1688592" y="4668880"/>
             <a:ext cx="356616" cy="329184"/>
           </a:xfrm>
           <a:prstGeom prst="rect">
@@ -29000,7 +29625,7 @@
         </p:nvSpPr>
         <p:spPr>
           <a:xfrm>
-            <a:off x="1688592" y="5212080"/>
+            <a:off x="1688592" y="4998064"/>
             <a:ext cx="356616" cy="329184"/>
           </a:xfrm>
           <a:prstGeom prst="rect">
@@ -29053,7 +29678,7 @@
         </p:nvCxnSpPr>
         <p:spPr>
           <a:xfrm flipV="1">
-            <a:off x="470035" y="1437394"/>
+            <a:off x="470035" y="1223378"/>
             <a:ext cx="412067" cy="20074"/>
           </a:xfrm>
           <a:prstGeom prst="straightConnector1">
@@ -29094,7 +29719,7 @@
         </p:nvCxnSpPr>
         <p:spPr>
           <a:xfrm flipV="1">
-            <a:off x="456612" y="4390906"/>
+            <a:off x="456612" y="4176890"/>
             <a:ext cx="412068" cy="29218"/>
           </a:xfrm>
           <a:prstGeom prst="straightConnector1">
@@ -29133,7 +29758,7 @@
         </p:nvSpPr>
         <p:spPr>
           <a:xfrm>
-            <a:off x="1688592" y="603504"/>
+            <a:off x="1688592" y="389488"/>
             <a:ext cx="356616" cy="329184"/>
           </a:xfrm>
           <a:prstGeom prst="rect">
@@ -29192,7 +29817,7 @@
         </p:nvSpPr>
         <p:spPr>
           <a:xfrm>
-            <a:off x="173148" y="1312950"/>
+            <a:off x="173148" y="1098934"/>
             <a:ext cx="295274" cy="369332"/>
           </a:xfrm>
           <a:prstGeom prst="rect">
@@ -29227,7 +29852,7 @@
         </p:nvSpPr>
         <p:spPr>
           <a:xfrm>
-            <a:off x="230249" y="4226314"/>
+            <a:off x="230249" y="4012298"/>
             <a:ext cx="306494" cy="369332"/>
           </a:xfrm>
           <a:prstGeom prst="rect">
@@ -29262,7 +29887,7 @@
         </p:nvSpPr>
         <p:spPr>
           <a:xfrm>
-            <a:off x="1688592" y="932688"/>
+            <a:off x="1688592" y="718672"/>
             <a:ext cx="356616" cy="329184"/>
           </a:xfrm>
           <a:prstGeom prst="rect">
@@ -29321,7 +29946,7 @@
         </p:nvSpPr>
         <p:spPr>
           <a:xfrm>
-            <a:off x="1688592" y="1261872"/>
+            <a:off x="1688592" y="1047856"/>
             <a:ext cx="356616" cy="329184"/>
           </a:xfrm>
           <a:prstGeom prst="rect">
@@ -29380,7 +30005,7 @@
         </p:nvSpPr>
         <p:spPr>
           <a:xfrm>
-            <a:off x="1688592" y="1591056"/>
+            <a:off x="1688592" y="1377040"/>
             <a:ext cx="356616" cy="329184"/>
           </a:xfrm>
           <a:prstGeom prst="rect">
@@ -29439,7 +30064,7 @@
         </p:nvSpPr>
         <p:spPr>
           <a:xfrm>
-            <a:off x="2959608" y="603504"/>
+            <a:off x="2959608" y="389488"/>
             <a:ext cx="356616" cy="329184"/>
           </a:xfrm>
           <a:prstGeom prst="rect">
@@ -29495,7 +30120,7 @@
         </p:nvSpPr>
         <p:spPr>
           <a:xfrm>
-            <a:off x="2959608" y="932688"/>
+            <a:off x="2959608" y="718672"/>
             <a:ext cx="356616" cy="329184"/>
           </a:xfrm>
           <a:prstGeom prst="rect">
@@ -29551,7 +30176,7 @@
         </p:nvSpPr>
         <p:spPr>
           <a:xfrm>
-            <a:off x="2959608" y="1261872"/>
+            <a:off x="2959608" y="1047856"/>
             <a:ext cx="356616" cy="329184"/>
           </a:xfrm>
           <a:prstGeom prst="rect">
@@ -29610,7 +30235,7 @@
         </p:nvSpPr>
         <p:spPr>
           <a:xfrm>
-            <a:off x="2959608" y="1591056"/>
+            <a:off x="2959608" y="1377040"/>
             <a:ext cx="356616" cy="329184"/>
           </a:xfrm>
           <a:prstGeom prst="rect">
@@ -29669,7 +30294,7 @@
         </p:nvSpPr>
         <p:spPr>
           <a:xfrm>
-            <a:off x="2959608" y="1920240"/>
+            <a:off x="2959608" y="1706224"/>
             <a:ext cx="356616" cy="329184"/>
           </a:xfrm>
           <a:prstGeom prst="rect">
@@ -29728,7 +30353,7 @@
         </p:nvSpPr>
         <p:spPr>
           <a:xfrm>
-            <a:off x="2959608" y="2249424"/>
+            <a:off x="2959608" y="2035408"/>
             <a:ext cx="356616" cy="329184"/>
           </a:xfrm>
           <a:prstGeom prst="rect">
@@ -29787,7 +30412,7 @@
         </p:nvSpPr>
         <p:spPr>
           <a:xfrm>
-            <a:off x="2959608" y="2578608"/>
+            <a:off x="2959608" y="2364592"/>
             <a:ext cx="356616" cy="329184"/>
           </a:xfrm>
           <a:prstGeom prst="rect">
@@ -29846,7 +30471,7 @@
         </p:nvSpPr>
         <p:spPr>
           <a:xfrm>
-            <a:off x="2959608" y="2907792"/>
+            <a:off x="2959608" y="2693776"/>
             <a:ext cx="356616" cy="329184"/>
           </a:xfrm>
           <a:prstGeom prst="rect">
@@ -29905,7 +30530,7 @@
         </p:nvSpPr>
         <p:spPr>
           <a:xfrm>
-            <a:off x="2959608" y="3236976"/>
+            <a:off x="2959608" y="3022960"/>
             <a:ext cx="356616" cy="329184"/>
           </a:xfrm>
           <a:prstGeom prst="rect">
@@ -29964,7 +30589,7 @@
         </p:nvSpPr>
         <p:spPr>
           <a:xfrm>
-            <a:off x="2959608" y="3566160"/>
+            <a:off x="2959608" y="3352144"/>
             <a:ext cx="356616" cy="329184"/>
           </a:xfrm>
           <a:prstGeom prst="rect">
@@ -30020,7 +30645,7 @@
         </p:nvSpPr>
         <p:spPr>
           <a:xfrm>
-            <a:off x="2959608" y="3895344"/>
+            <a:off x="2959608" y="3681328"/>
             <a:ext cx="356616" cy="329184"/>
           </a:xfrm>
           <a:prstGeom prst="rect">
@@ -30076,7 +30701,7 @@
         </p:nvSpPr>
         <p:spPr>
           <a:xfrm>
-            <a:off x="2959608" y="4224528"/>
+            <a:off x="2959608" y="4010512"/>
             <a:ext cx="356616" cy="329184"/>
           </a:xfrm>
           <a:prstGeom prst="rect">
@@ -30132,7 +30757,7 @@
         </p:nvSpPr>
         <p:spPr>
           <a:xfrm>
-            <a:off x="2959608" y="4553712"/>
+            <a:off x="2959608" y="4339696"/>
             <a:ext cx="356616" cy="329184"/>
           </a:xfrm>
           <a:prstGeom prst="rect">
@@ -30191,7 +30816,7 @@
         </p:nvSpPr>
         <p:spPr>
           <a:xfrm>
-            <a:off x="2959608" y="4882896"/>
+            <a:off x="2959608" y="4668880"/>
             <a:ext cx="356616" cy="329184"/>
           </a:xfrm>
           <a:prstGeom prst="rect">
@@ -30250,7 +30875,7 @@
         </p:nvSpPr>
         <p:spPr>
           <a:xfrm>
-            <a:off x="2959608" y="5212080"/>
+            <a:off x="2959608" y="4998064"/>
             <a:ext cx="356616" cy="329184"/>
           </a:xfrm>
           <a:prstGeom prst="rect">
@@ -30309,7 +30934,7 @@
         </p:nvSpPr>
         <p:spPr>
           <a:xfrm>
-            <a:off x="3779520" y="2249424"/>
+            <a:off x="3779520" y="2035408"/>
             <a:ext cx="356616" cy="329184"/>
           </a:xfrm>
           <a:prstGeom prst="rect">
@@ -30360,7 +30985,7 @@
         </p:nvSpPr>
         <p:spPr>
           <a:xfrm>
-            <a:off x="3779520" y="2578608"/>
+            <a:off x="3779520" y="2364592"/>
             <a:ext cx="356616" cy="329184"/>
           </a:xfrm>
           <a:prstGeom prst="rect">
@@ -30411,7 +31036,7 @@
         </p:nvSpPr>
         <p:spPr>
           <a:xfrm>
-            <a:off x="3779520" y="2907792"/>
+            <a:off x="3779520" y="2693776"/>
             <a:ext cx="356616" cy="329184"/>
           </a:xfrm>
           <a:prstGeom prst="rect">
@@ -30462,7 +31087,7 @@
         </p:nvSpPr>
         <p:spPr>
           <a:xfrm>
-            <a:off x="3779520" y="3236976"/>
+            <a:off x="3779520" y="3022960"/>
             <a:ext cx="356616" cy="329184"/>
           </a:xfrm>
           <a:prstGeom prst="rect">
@@ -30513,7 +31138,7 @@
         </p:nvSpPr>
         <p:spPr>
           <a:xfrm>
-            <a:off x="3779520" y="3566160"/>
+            <a:off x="3779520" y="3352144"/>
             <a:ext cx="356616" cy="329184"/>
           </a:xfrm>
           <a:prstGeom prst="rect">
@@ -30564,7 +31189,7 @@
         </p:nvSpPr>
         <p:spPr>
           <a:xfrm>
-            <a:off x="3779520" y="3895344"/>
+            <a:off x="3779520" y="3681328"/>
             <a:ext cx="356616" cy="329184"/>
           </a:xfrm>
           <a:prstGeom prst="rect">
@@ -30615,7 +31240,7 @@
         </p:nvSpPr>
         <p:spPr>
           <a:xfrm>
-            <a:off x="3779520" y="4224528"/>
+            <a:off x="3779520" y="4010512"/>
             <a:ext cx="356616" cy="329184"/>
           </a:xfrm>
           <a:prstGeom prst="rect">
@@ -30666,7 +31291,7 @@
         </p:nvSpPr>
         <p:spPr>
           <a:xfrm>
-            <a:off x="3779520" y="4553712"/>
+            <a:off x="3779520" y="4339696"/>
             <a:ext cx="356616" cy="329184"/>
           </a:xfrm>
           <a:prstGeom prst="rect">
@@ -30717,7 +31342,7 @@
         </p:nvSpPr>
         <p:spPr>
           <a:xfrm>
-            <a:off x="3779520" y="4882896"/>
+            <a:off x="3779520" y="4668880"/>
             <a:ext cx="356616" cy="329184"/>
           </a:xfrm>
           <a:prstGeom prst="rect">
@@ -30768,7 +31393,7 @@
         </p:nvSpPr>
         <p:spPr>
           <a:xfrm>
-            <a:off x="3779520" y="5212080"/>
+            <a:off x="3779520" y="4998064"/>
             <a:ext cx="356616" cy="329184"/>
           </a:xfrm>
           <a:prstGeom prst="rect">
@@ -30821,7 +31446,7 @@
         </p:nvCxnSpPr>
         <p:spPr>
           <a:xfrm flipV="1">
-            <a:off x="2560963" y="1437394"/>
+            <a:off x="2560963" y="1223378"/>
             <a:ext cx="412067" cy="20074"/>
           </a:xfrm>
           <a:prstGeom prst="straightConnector1">
@@ -30862,7 +31487,7 @@
         </p:nvCxnSpPr>
         <p:spPr>
           <a:xfrm flipV="1">
-            <a:off x="2547540" y="4718304"/>
+            <a:off x="2547540" y="4504288"/>
             <a:ext cx="412068" cy="29218"/>
           </a:xfrm>
           <a:prstGeom prst="straightConnector1">
@@ -30901,7 +31526,7 @@
         </p:nvSpPr>
         <p:spPr>
           <a:xfrm>
-            <a:off x="3779520" y="603504"/>
+            <a:off x="3779520" y="389488"/>
             <a:ext cx="356616" cy="329184"/>
           </a:xfrm>
           <a:prstGeom prst="rect">
@@ -30960,7 +31585,7 @@
         </p:nvSpPr>
         <p:spPr>
           <a:xfrm>
-            <a:off x="2264076" y="1312950"/>
+            <a:off x="2264076" y="1098934"/>
             <a:ext cx="295274" cy="369332"/>
           </a:xfrm>
           <a:prstGeom prst="rect">
@@ -30995,7 +31620,7 @@
         </p:nvSpPr>
         <p:spPr>
           <a:xfrm>
-            <a:off x="2321177" y="4553712"/>
+            <a:off x="2321177" y="4339696"/>
             <a:ext cx="306494" cy="369332"/>
           </a:xfrm>
           <a:prstGeom prst="rect">
@@ -31030,7 +31655,7 @@
         </p:nvSpPr>
         <p:spPr>
           <a:xfrm>
-            <a:off x="3779520" y="932688"/>
+            <a:off x="3779520" y="718672"/>
             <a:ext cx="356616" cy="329184"/>
           </a:xfrm>
           <a:prstGeom prst="rect">
@@ -31089,7 +31714,7 @@
         </p:nvSpPr>
         <p:spPr>
           <a:xfrm>
-            <a:off x="3779520" y="1261872"/>
+            <a:off x="3779520" y="1047856"/>
             <a:ext cx="356616" cy="329184"/>
           </a:xfrm>
           <a:prstGeom prst="rect">
@@ -31148,7 +31773,7 @@
         </p:nvSpPr>
         <p:spPr>
           <a:xfrm>
-            <a:off x="3779520" y="1591056"/>
+            <a:off x="3779520" y="1377040"/>
             <a:ext cx="356616" cy="329184"/>
           </a:xfrm>
           <a:prstGeom prst="rect">
@@ -31207,7 +31832,7 @@
         </p:nvSpPr>
         <p:spPr>
           <a:xfrm>
-            <a:off x="3779520" y="1920240"/>
+            <a:off x="3779520" y="1706224"/>
             <a:ext cx="356616" cy="329184"/>
           </a:xfrm>
           <a:prstGeom prst="rect">
@@ -31266,7 +31891,7 @@
         </p:nvSpPr>
         <p:spPr>
           <a:xfrm>
-            <a:off x="4874340" y="603504"/>
+            <a:off x="4874340" y="389488"/>
             <a:ext cx="356616" cy="329184"/>
           </a:xfrm>
           <a:prstGeom prst="rect">
@@ -31322,7 +31947,7 @@
         </p:nvSpPr>
         <p:spPr>
           <a:xfrm>
-            <a:off x="4874340" y="932688"/>
+            <a:off x="4874340" y="718672"/>
             <a:ext cx="356616" cy="329184"/>
           </a:xfrm>
           <a:prstGeom prst="rect">
@@ -31378,7 +32003,7 @@
         </p:nvSpPr>
         <p:spPr>
           <a:xfrm>
-            <a:off x="4874340" y="1261872"/>
+            <a:off x="4874340" y="1047856"/>
             <a:ext cx="356616" cy="329184"/>
           </a:xfrm>
           <a:prstGeom prst="rect">
@@ -31434,7 +32059,7 @@
         </p:nvSpPr>
         <p:spPr>
           <a:xfrm>
-            <a:off x="4874340" y="1591056"/>
+            <a:off x="4874340" y="1377040"/>
             <a:ext cx="356616" cy="329184"/>
           </a:xfrm>
           <a:prstGeom prst="rect">
@@ -31493,7 +32118,7 @@
         </p:nvSpPr>
         <p:spPr>
           <a:xfrm>
-            <a:off x="4874340" y="1920240"/>
+            <a:off x="4874340" y="1706224"/>
             <a:ext cx="356616" cy="329184"/>
           </a:xfrm>
           <a:prstGeom prst="rect">
@@ -31552,7 +32177,7 @@
         </p:nvSpPr>
         <p:spPr>
           <a:xfrm>
-            <a:off x="4874340" y="2249424"/>
+            <a:off x="4874340" y="2035408"/>
             <a:ext cx="356616" cy="329184"/>
           </a:xfrm>
           <a:prstGeom prst="rect">
@@ -31611,7 +32236,7 @@
         </p:nvSpPr>
         <p:spPr>
           <a:xfrm>
-            <a:off x="4874340" y="2578608"/>
+            <a:off x="4874340" y="2364592"/>
             <a:ext cx="356616" cy="329184"/>
           </a:xfrm>
           <a:prstGeom prst="rect">
@@ -31670,7 +32295,7 @@
         </p:nvSpPr>
         <p:spPr>
           <a:xfrm>
-            <a:off x="4874340" y="2907792"/>
+            <a:off x="4874340" y="2693776"/>
             <a:ext cx="356616" cy="329184"/>
           </a:xfrm>
           <a:prstGeom prst="rect">
@@ -31729,7 +32354,7 @@
         </p:nvSpPr>
         <p:spPr>
           <a:xfrm>
-            <a:off x="4874340" y="3236976"/>
+            <a:off x="4874340" y="3022960"/>
             <a:ext cx="356616" cy="329184"/>
           </a:xfrm>
           <a:prstGeom prst="rect">
@@ -31788,7 +32413,7 @@
         </p:nvSpPr>
         <p:spPr>
           <a:xfrm>
-            <a:off x="4874340" y="3566160"/>
+            <a:off x="4874340" y="3352144"/>
             <a:ext cx="356616" cy="329184"/>
           </a:xfrm>
           <a:prstGeom prst="rect">
@@ -31844,7 +32469,7 @@
         </p:nvSpPr>
         <p:spPr>
           <a:xfrm>
-            <a:off x="4874340" y="3895344"/>
+            <a:off x="4874340" y="3681328"/>
             <a:ext cx="356616" cy="329184"/>
           </a:xfrm>
           <a:prstGeom prst="rect">
@@ -31900,7 +32525,7 @@
         </p:nvSpPr>
         <p:spPr>
           <a:xfrm>
-            <a:off x="4874340" y="4224528"/>
+            <a:off x="4874340" y="4010512"/>
             <a:ext cx="356616" cy="329184"/>
           </a:xfrm>
           <a:prstGeom prst="rect">
@@ -31956,7 +32581,7 @@
         </p:nvSpPr>
         <p:spPr>
           <a:xfrm>
-            <a:off x="4874340" y="4553712"/>
+            <a:off x="4874340" y="4339696"/>
             <a:ext cx="356616" cy="329184"/>
           </a:xfrm>
           <a:prstGeom prst="rect">
@@ -32015,7 +32640,7 @@
         </p:nvSpPr>
         <p:spPr>
           <a:xfrm>
-            <a:off x="4874340" y="4882896"/>
+            <a:off x="4874340" y="4668880"/>
             <a:ext cx="356616" cy="329184"/>
           </a:xfrm>
           <a:prstGeom prst="rect">
@@ -32074,7 +32699,7 @@
         </p:nvSpPr>
         <p:spPr>
           <a:xfrm>
-            <a:off x="4874340" y="5212080"/>
+            <a:off x="4874340" y="4998064"/>
             <a:ext cx="356616" cy="329184"/>
           </a:xfrm>
           <a:prstGeom prst="rect">
@@ -32133,7 +32758,7 @@
         </p:nvSpPr>
         <p:spPr>
           <a:xfrm>
-            <a:off x="5694252" y="2578608"/>
+            <a:off x="5694252" y="2364592"/>
             <a:ext cx="356616" cy="329184"/>
           </a:xfrm>
           <a:prstGeom prst="rect">
@@ -32184,7 +32809,7 @@
         </p:nvSpPr>
         <p:spPr>
           <a:xfrm>
-            <a:off x="5694252" y="2907792"/>
+            <a:off x="5694252" y="2693776"/>
             <a:ext cx="356616" cy="329184"/>
           </a:xfrm>
           <a:prstGeom prst="rect">
@@ -32235,7 +32860,7 @@
         </p:nvSpPr>
         <p:spPr>
           <a:xfrm>
-            <a:off x="5694252" y="3236976"/>
+            <a:off x="5694252" y="3022960"/>
             <a:ext cx="356616" cy="329184"/>
           </a:xfrm>
           <a:prstGeom prst="rect">
@@ -32286,7 +32911,7 @@
         </p:nvSpPr>
         <p:spPr>
           <a:xfrm>
-            <a:off x="5694252" y="3566160"/>
+            <a:off x="5694252" y="3352144"/>
             <a:ext cx="356616" cy="329184"/>
           </a:xfrm>
           <a:prstGeom prst="rect">
@@ -32337,7 +32962,7 @@
         </p:nvSpPr>
         <p:spPr>
           <a:xfrm>
-            <a:off x="5694252" y="3895344"/>
+            <a:off x="5694252" y="3681328"/>
             <a:ext cx="356616" cy="329184"/>
           </a:xfrm>
           <a:prstGeom prst="rect">
@@ -32388,7 +33013,7 @@
         </p:nvSpPr>
         <p:spPr>
           <a:xfrm>
-            <a:off x="5694252" y="4224528"/>
+            <a:off x="5694252" y="4010512"/>
             <a:ext cx="356616" cy="329184"/>
           </a:xfrm>
           <a:prstGeom prst="rect">
@@ -32439,7 +33064,7 @@
         </p:nvSpPr>
         <p:spPr>
           <a:xfrm>
-            <a:off x="5694252" y="4553712"/>
+            <a:off x="5694252" y="4339696"/>
             <a:ext cx="356616" cy="329184"/>
           </a:xfrm>
           <a:prstGeom prst="rect">
@@ -32490,7 +33115,7 @@
         </p:nvSpPr>
         <p:spPr>
           <a:xfrm>
-            <a:off x="5694252" y="4882896"/>
+            <a:off x="5694252" y="4668880"/>
             <a:ext cx="356616" cy="329184"/>
           </a:xfrm>
           <a:prstGeom prst="rect">
@@ -32541,7 +33166,7 @@
         </p:nvSpPr>
         <p:spPr>
           <a:xfrm>
-            <a:off x="5694252" y="5212080"/>
+            <a:off x="5694252" y="4998064"/>
             <a:ext cx="356616" cy="329184"/>
           </a:xfrm>
           <a:prstGeom prst="rect">
@@ -32594,7 +33219,7 @@
         </p:nvCxnSpPr>
         <p:spPr>
           <a:xfrm flipV="1">
-            <a:off x="4476283" y="1755648"/>
+            <a:off x="4476283" y="1541632"/>
             <a:ext cx="412067" cy="20074"/>
           </a:xfrm>
           <a:prstGeom prst="straightConnector1">
@@ -32635,7 +33260,7 @@
         </p:nvCxnSpPr>
         <p:spPr>
           <a:xfrm flipV="1">
-            <a:off x="4462272" y="4718304"/>
+            <a:off x="4462272" y="4504288"/>
             <a:ext cx="412068" cy="29218"/>
           </a:xfrm>
           <a:prstGeom prst="straightConnector1">
@@ -32674,7 +33299,7 @@
         </p:nvSpPr>
         <p:spPr>
           <a:xfrm>
-            <a:off x="5694252" y="603504"/>
+            <a:off x="5694252" y="389488"/>
             <a:ext cx="356616" cy="329184"/>
           </a:xfrm>
           <a:prstGeom prst="rect">
@@ -32733,7 +33358,7 @@
         </p:nvSpPr>
         <p:spPr>
           <a:xfrm>
-            <a:off x="4179396" y="1631204"/>
+            <a:off x="4179396" y="1417188"/>
             <a:ext cx="295274" cy="369332"/>
           </a:xfrm>
           <a:prstGeom prst="rect">
@@ -32768,7 +33393,7 @@
         </p:nvSpPr>
         <p:spPr>
           <a:xfrm>
-            <a:off x="4235909" y="4553712"/>
+            <a:off x="4235909" y="4339696"/>
             <a:ext cx="306494" cy="369332"/>
           </a:xfrm>
           <a:prstGeom prst="rect">
@@ -32803,7 +33428,7 @@
         </p:nvSpPr>
         <p:spPr>
           <a:xfrm>
-            <a:off x="5694252" y="932688"/>
+            <a:off x="5694252" y="718672"/>
             <a:ext cx="356616" cy="329184"/>
           </a:xfrm>
           <a:prstGeom prst="rect">
@@ -32862,7 +33487,7 @@
         </p:nvSpPr>
         <p:spPr>
           <a:xfrm>
-            <a:off x="5694252" y="1261872"/>
+            <a:off x="5694252" y="1047856"/>
             <a:ext cx="356616" cy="329184"/>
           </a:xfrm>
           <a:prstGeom prst="rect">
@@ -32921,7 +33546,7 @@
         </p:nvSpPr>
         <p:spPr>
           <a:xfrm>
-            <a:off x="5694252" y="1591056"/>
+            <a:off x="5694252" y="1377040"/>
             <a:ext cx="356616" cy="329184"/>
           </a:xfrm>
           <a:prstGeom prst="rect">
@@ -32980,7 +33605,7 @@
         </p:nvSpPr>
         <p:spPr>
           <a:xfrm>
-            <a:off x="5694252" y="1920240"/>
+            <a:off x="5694252" y="1706224"/>
             <a:ext cx="356616" cy="329184"/>
           </a:xfrm>
           <a:prstGeom prst="rect">
@@ -33039,7 +33664,7 @@
         </p:nvSpPr>
         <p:spPr>
           <a:xfrm>
-            <a:off x="5694252" y="2249424"/>
+            <a:off x="5694252" y="2035408"/>
             <a:ext cx="356616" cy="329184"/>
           </a:xfrm>
           <a:prstGeom prst="rect">
@@ -33098,7 +33723,7 @@
         </p:nvSpPr>
         <p:spPr>
           <a:xfrm>
-            <a:off x="6928692" y="603504"/>
+            <a:off x="6928692" y="389488"/>
             <a:ext cx="356616" cy="329184"/>
           </a:xfrm>
           <a:prstGeom prst="rect">
@@ -33154,7 +33779,7 @@
         </p:nvSpPr>
         <p:spPr>
           <a:xfrm>
-            <a:off x="6928692" y="932688"/>
+            <a:off x="6928692" y="718672"/>
             <a:ext cx="356616" cy="329184"/>
           </a:xfrm>
           <a:prstGeom prst="rect">
@@ -33210,7 +33835,7 @@
         </p:nvSpPr>
         <p:spPr>
           <a:xfrm>
-            <a:off x="6928692" y="1261872"/>
+            <a:off x="6928692" y="1047856"/>
             <a:ext cx="356616" cy="329184"/>
           </a:xfrm>
           <a:prstGeom prst="rect">
@@ -33266,7 +33891,7 @@
         </p:nvSpPr>
         <p:spPr>
           <a:xfrm>
-            <a:off x="6928692" y="1591056"/>
+            <a:off x="6928692" y="1377040"/>
             <a:ext cx="356616" cy="329184"/>
           </a:xfrm>
           <a:prstGeom prst="rect">
@@ -33322,7 +33947,7 @@
         </p:nvSpPr>
         <p:spPr>
           <a:xfrm>
-            <a:off x="6928692" y="1920240"/>
+            <a:off x="6928692" y="1706224"/>
             <a:ext cx="356616" cy="329184"/>
           </a:xfrm>
           <a:prstGeom prst="rect">
@@ -33381,7 +34006,7 @@
         </p:nvSpPr>
         <p:spPr>
           <a:xfrm>
-            <a:off x="6928692" y="2249424"/>
+            <a:off x="6928692" y="2035408"/>
             <a:ext cx="356616" cy="329184"/>
           </a:xfrm>
           <a:prstGeom prst="rect">
@@ -33440,7 +34065,7 @@
         </p:nvSpPr>
         <p:spPr>
           <a:xfrm>
-            <a:off x="6928692" y="2578608"/>
+            <a:off x="6928692" y="2364592"/>
             <a:ext cx="356616" cy="329184"/>
           </a:xfrm>
           <a:prstGeom prst="rect">
@@ -33499,7 +34124,7 @@
         </p:nvSpPr>
         <p:spPr>
           <a:xfrm>
-            <a:off x="6928692" y="2907792"/>
+            <a:off x="6928692" y="2693776"/>
             <a:ext cx="356616" cy="329184"/>
           </a:xfrm>
           <a:prstGeom prst="rect">
@@ -33558,7 +34183,7 @@
         </p:nvSpPr>
         <p:spPr>
           <a:xfrm>
-            <a:off x="6928692" y="3236976"/>
+            <a:off x="6928692" y="3022960"/>
             <a:ext cx="356616" cy="329184"/>
           </a:xfrm>
           <a:prstGeom prst="rect">
@@ -33617,7 +34242,7 @@
         </p:nvSpPr>
         <p:spPr>
           <a:xfrm>
-            <a:off x="6928692" y="3566160"/>
+            <a:off x="6928692" y="3352144"/>
             <a:ext cx="356616" cy="329184"/>
           </a:xfrm>
           <a:prstGeom prst="rect">
@@ -33673,7 +34298,7 @@
         </p:nvSpPr>
         <p:spPr>
           <a:xfrm>
-            <a:off x="6928692" y="3895344"/>
+            <a:off x="6928692" y="3681328"/>
             <a:ext cx="356616" cy="329184"/>
           </a:xfrm>
           <a:prstGeom prst="rect">
@@ -33729,7 +34354,7 @@
         </p:nvSpPr>
         <p:spPr>
           <a:xfrm>
-            <a:off x="6928692" y="4224528"/>
+            <a:off x="6928692" y="4010512"/>
             <a:ext cx="356616" cy="329184"/>
           </a:xfrm>
           <a:prstGeom prst="rect">
@@ -33785,7 +34410,7 @@
         </p:nvSpPr>
         <p:spPr>
           <a:xfrm>
-            <a:off x="6928692" y="4553712"/>
+            <a:off x="6928692" y="4339696"/>
             <a:ext cx="356616" cy="329184"/>
           </a:xfrm>
           <a:prstGeom prst="rect">
@@ -33844,7 +34469,7 @@
         </p:nvSpPr>
         <p:spPr>
           <a:xfrm>
-            <a:off x="6928692" y="4882896"/>
+            <a:off x="6928692" y="4668880"/>
             <a:ext cx="356616" cy="329184"/>
           </a:xfrm>
           <a:prstGeom prst="rect">
@@ -33903,7 +34528,7 @@
         </p:nvSpPr>
         <p:spPr>
           <a:xfrm>
-            <a:off x="6928692" y="5212080"/>
+            <a:off x="6928692" y="4998064"/>
             <a:ext cx="356616" cy="329184"/>
           </a:xfrm>
           <a:prstGeom prst="rect">
@@ -33962,7 +34587,7 @@
         </p:nvSpPr>
         <p:spPr>
           <a:xfrm>
-            <a:off x="7748604" y="2907792"/>
+            <a:off x="7748604" y="2693776"/>
             <a:ext cx="356616" cy="329184"/>
           </a:xfrm>
           <a:prstGeom prst="rect">
@@ -34013,7 +34638,7 @@
         </p:nvSpPr>
         <p:spPr>
           <a:xfrm>
-            <a:off x="7748604" y="3236976"/>
+            <a:off x="7748604" y="3022960"/>
             <a:ext cx="356616" cy="329184"/>
           </a:xfrm>
           <a:prstGeom prst="rect">
@@ -34064,7 +34689,7 @@
         </p:nvSpPr>
         <p:spPr>
           <a:xfrm>
-            <a:off x="7748604" y="3566160"/>
+            <a:off x="7748604" y="3352144"/>
             <a:ext cx="356616" cy="329184"/>
           </a:xfrm>
           <a:prstGeom prst="rect">
@@ -34115,7 +34740,7 @@
         </p:nvSpPr>
         <p:spPr>
           <a:xfrm>
-            <a:off x="7748604" y="3895344"/>
+            <a:off x="7748604" y="3681328"/>
             <a:ext cx="356616" cy="329184"/>
           </a:xfrm>
           <a:prstGeom prst="rect">
@@ -34166,7 +34791,7 @@
         </p:nvSpPr>
         <p:spPr>
           <a:xfrm>
-            <a:off x="7748604" y="4224528"/>
+            <a:off x="7748604" y="4010512"/>
             <a:ext cx="356616" cy="329184"/>
           </a:xfrm>
           <a:prstGeom prst="rect">
@@ -34217,7 +34842,7 @@
         </p:nvSpPr>
         <p:spPr>
           <a:xfrm>
-            <a:off x="7748604" y="4553712"/>
+            <a:off x="7748604" y="4339696"/>
             <a:ext cx="356616" cy="329184"/>
           </a:xfrm>
           <a:prstGeom prst="rect">
@@ -34268,7 +34893,7 @@
         </p:nvSpPr>
         <p:spPr>
           <a:xfrm>
-            <a:off x="7748604" y="4882896"/>
+            <a:off x="7748604" y="4668880"/>
             <a:ext cx="356616" cy="329184"/>
           </a:xfrm>
           <a:prstGeom prst="rect">
@@ -34319,7 +34944,7 @@
         </p:nvSpPr>
         <p:spPr>
           <a:xfrm>
-            <a:off x="7748604" y="5212080"/>
+            <a:off x="7748604" y="4998064"/>
             <a:ext cx="356616" cy="329184"/>
           </a:xfrm>
           <a:prstGeom prst="rect">
@@ -34372,7 +34997,7 @@
         </p:nvCxnSpPr>
         <p:spPr>
           <a:xfrm flipV="1">
-            <a:off x="6516625" y="2093976"/>
+            <a:off x="6516625" y="1879960"/>
             <a:ext cx="412067" cy="20074"/>
           </a:xfrm>
           <a:prstGeom prst="straightConnector1">
@@ -34413,7 +35038,7 @@
         </p:nvCxnSpPr>
         <p:spPr>
           <a:xfrm flipV="1">
-            <a:off x="6516624" y="4718304"/>
+            <a:off x="6516624" y="4504288"/>
             <a:ext cx="412068" cy="29218"/>
           </a:xfrm>
           <a:prstGeom prst="straightConnector1">
@@ -34452,7 +35077,7 @@
         </p:nvSpPr>
         <p:spPr>
           <a:xfrm>
-            <a:off x="7748604" y="603504"/>
+            <a:off x="7748604" y="389488"/>
             <a:ext cx="356616" cy="329184"/>
           </a:xfrm>
           <a:prstGeom prst="rect">
@@ -34511,7 +35136,7 @@
         </p:nvSpPr>
         <p:spPr>
           <a:xfrm>
-            <a:off x="6219738" y="1969532"/>
+            <a:off x="6219738" y="1755516"/>
             <a:ext cx="295274" cy="369332"/>
           </a:xfrm>
           <a:prstGeom prst="rect">
@@ -34546,7 +35171,7 @@
         </p:nvSpPr>
         <p:spPr>
           <a:xfrm>
-            <a:off x="6290261" y="4553712"/>
+            <a:off x="6290261" y="4339696"/>
             <a:ext cx="306494" cy="369332"/>
           </a:xfrm>
           <a:prstGeom prst="rect">
@@ -34581,7 +35206,7 @@
         </p:nvSpPr>
         <p:spPr>
           <a:xfrm>
-            <a:off x="7748604" y="932688"/>
+            <a:off x="7748604" y="718672"/>
             <a:ext cx="356616" cy="329184"/>
           </a:xfrm>
           <a:prstGeom prst="rect">
@@ -34640,7 +35265,7 @@
         </p:nvSpPr>
         <p:spPr>
           <a:xfrm>
-            <a:off x="7748604" y="1261872"/>
+            <a:off x="7748604" y="1047856"/>
             <a:ext cx="356616" cy="329184"/>
           </a:xfrm>
           <a:prstGeom prst="rect">
@@ -34699,7 +35324,7 @@
         </p:nvSpPr>
         <p:spPr>
           <a:xfrm>
-            <a:off x="7748604" y="1591056"/>
+            <a:off x="7748604" y="1377040"/>
             <a:ext cx="356616" cy="329184"/>
           </a:xfrm>
           <a:prstGeom prst="rect">
@@ -34758,7 +35383,7 @@
         </p:nvSpPr>
         <p:spPr>
           <a:xfrm>
-            <a:off x="7748604" y="1920240"/>
+            <a:off x="7748604" y="1706224"/>
             <a:ext cx="356616" cy="329184"/>
           </a:xfrm>
           <a:prstGeom prst="rect">
@@ -34817,7 +35442,7 @@
         </p:nvSpPr>
         <p:spPr>
           <a:xfrm>
-            <a:off x="7748604" y="2249424"/>
+            <a:off x="7748604" y="2035408"/>
             <a:ext cx="356616" cy="329184"/>
           </a:xfrm>
           <a:prstGeom prst="rect">
@@ -34876,7 +35501,7 @@
         </p:nvSpPr>
         <p:spPr>
           <a:xfrm>
-            <a:off x="7748604" y="2576822"/>
+            <a:off x="7748604" y="2362806"/>
             <a:ext cx="356616" cy="329184"/>
           </a:xfrm>
           <a:prstGeom prst="rect">
@@ -34935,7 +35560,7 @@
         </p:nvSpPr>
         <p:spPr>
           <a:xfrm>
-            <a:off x="8330184" y="2907792"/>
+            <a:off x="8330184" y="2693776"/>
             <a:ext cx="528478" cy="369332"/>
           </a:xfrm>
           <a:prstGeom prst="rect">
@@ -34952,6 +35577,194 @@
             <a:r>
               <a:rPr lang="en-US"/>
               <a:t>etc.</a:t>
+            </a:r>
+          </a:p>
+        </p:txBody>
+      </p:sp>
+      <p:sp>
+        <p:nvSpPr>
+          <p:cNvPr id="146" name="TextBox 145">
+            <a:extLst>
+              <a:ext uri="{FF2B5EF4-FFF2-40B4-BE49-F238E27FC236}">
+                <a16:creationId xmlns:a16="http://schemas.microsoft.com/office/drawing/2014/main" id="{AACC9EBB-6046-ED4B-89F4-5E18D2264ECD}"/>
+              </a:ext>
+            </a:extLst>
+          </p:cNvPr>
+          <p:cNvSpPr txBox="1"/>
+          <p:nvPr/>
+        </p:nvSpPr>
+        <p:spPr>
+          <a:xfrm>
+            <a:off x="714980" y="5380513"/>
+            <a:ext cx="1374094" cy="923330"/>
+          </a:xfrm>
+          <a:prstGeom prst="rect">
+            <a:avLst/>
+          </a:prstGeom>
+          <a:noFill/>
+        </p:spPr>
+        <p:txBody>
+          <a:bodyPr wrap="none" rtlCol="0">
+            <a:spAutoFit/>
+          </a:bodyPr>
+          <a:lstStyle/>
+          <a:p>
+            <a:r>
+              <a:rPr lang="en-US"/>
+              <a:t>cuarta</a:t>
+            </a:r>
+          </a:p>
+          <a:p>
+            <a:r>
+              <a:rPr lang="en-US"/>
+              <a:t>ejecución de</a:t>
+            </a:r>
+          </a:p>
+          <a:p>
+            <a:r>
+              <a:rPr lang="en-US"/>
+              <a:t>pasos 3 y 4</a:t>
+            </a:r>
+          </a:p>
+        </p:txBody>
+      </p:sp>
+      <p:sp>
+        <p:nvSpPr>
+          <p:cNvPr id="147" name="TextBox 146">
+            <a:extLst>
+              <a:ext uri="{FF2B5EF4-FFF2-40B4-BE49-F238E27FC236}">
+                <a16:creationId xmlns:a16="http://schemas.microsoft.com/office/drawing/2014/main" id="{B451CA64-7886-734E-A6B5-C217C42A919C}"/>
+              </a:ext>
+            </a:extLst>
+          </p:cNvPr>
+          <p:cNvSpPr txBox="1"/>
+          <p:nvPr/>
+        </p:nvSpPr>
+        <p:spPr>
+          <a:xfrm>
+            <a:off x="2832016" y="5380319"/>
+            <a:ext cx="1374094" cy="923330"/>
+          </a:xfrm>
+          <a:prstGeom prst="rect">
+            <a:avLst/>
+          </a:prstGeom>
+          <a:noFill/>
+        </p:spPr>
+        <p:txBody>
+          <a:bodyPr wrap="none" rtlCol="0">
+            <a:spAutoFit/>
+          </a:bodyPr>
+          <a:lstStyle/>
+          <a:p>
+            <a:r>
+              <a:rPr lang="en-US"/>
+              <a:t>quinta</a:t>
+            </a:r>
+          </a:p>
+          <a:p>
+            <a:r>
+              <a:rPr lang="en-US"/>
+              <a:t>ejecución de</a:t>
+            </a:r>
+          </a:p>
+          <a:p>
+            <a:r>
+              <a:rPr lang="en-US"/>
+              <a:t>pasos 3 y 4</a:t>
+            </a:r>
+          </a:p>
+        </p:txBody>
+      </p:sp>
+      <p:sp>
+        <p:nvSpPr>
+          <p:cNvPr id="148" name="TextBox 147">
+            <a:extLst>
+              <a:ext uri="{FF2B5EF4-FFF2-40B4-BE49-F238E27FC236}">
+                <a16:creationId xmlns:a16="http://schemas.microsoft.com/office/drawing/2014/main" id="{BB2B0EB0-D97C-1A4D-8E3C-5E729A906679}"/>
+              </a:ext>
+            </a:extLst>
+          </p:cNvPr>
+          <p:cNvSpPr txBox="1"/>
+          <p:nvPr/>
+        </p:nvSpPr>
+        <p:spPr>
+          <a:xfrm>
+            <a:off x="4803132" y="5380125"/>
+            <a:ext cx="1374094" cy="923330"/>
+          </a:xfrm>
+          <a:prstGeom prst="rect">
+            <a:avLst/>
+          </a:prstGeom>
+          <a:noFill/>
+        </p:spPr>
+        <p:txBody>
+          <a:bodyPr wrap="none" rtlCol="0">
+            <a:spAutoFit/>
+          </a:bodyPr>
+          <a:lstStyle/>
+          <a:p>
+            <a:r>
+              <a:rPr lang="en-US"/>
+              <a:t>sexta</a:t>
+            </a:r>
+          </a:p>
+          <a:p>
+            <a:r>
+              <a:rPr lang="en-US"/>
+              <a:t>ejecución de</a:t>
+            </a:r>
+          </a:p>
+          <a:p>
+            <a:r>
+              <a:rPr lang="en-US"/>
+              <a:t>pasos 3 y 4</a:t>
+            </a:r>
+          </a:p>
+        </p:txBody>
+      </p:sp>
+      <p:sp>
+        <p:nvSpPr>
+          <p:cNvPr id="149" name="TextBox 148">
+            <a:extLst>
+              <a:ext uri="{FF2B5EF4-FFF2-40B4-BE49-F238E27FC236}">
+                <a16:creationId xmlns:a16="http://schemas.microsoft.com/office/drawing/2014/main" id="{11E9F816-3C2D-BA4A-A9B2-DA6A58C011B4}"/>
+              </a:ext>
+            </a:extLst>
+          </p:cNvPr>
+          <p:cNvSpPr txBox="1"/>
+          <p:nvPr/>
+        </p:nvSpPr>
+        <p:spPr>
+          <a:xfrm>
+            <a:off x="6822888" y="5379931"/>
+            <a:ext cx="1374094" cy="923330"/>
+          </a:xfrm>
+          <a:prstGeom prst="rect">
+            <a:avLst/>
+          </a:prstGeom>
+          <a:noFill/>
+        </p:spPr>
+        <p:txBody>
+          <a:bodyPr wrap="none" rtlCol="0">
+            <a:spAutoFit/>
+          </a:bodyPr>
+          <a:lstStyle/>
+          <a:p>
+            <a:r>
+              <a:rPr lang="en-US"/>
+              <a:t>séptima</a:t>
+            </a:r>
+          </a:p>
+          <a:p>
+            <a:r>
+              <a:rPr lang="en-US"/>
+              <a:t>ejecución de</a:t>
+            </a:r>
+          </a:p>
+          <a:p>
+            <a:r>
+              <a:rPr lang="en-US"/>
+              <a:t>pasos 3 y 4</a:t>
             </a:r>
           </a:p>
         </p:txBody>
@@ -35047,7 +35860,15 @@
             </a:pPr>
             <a:r>
               <a:rPr lang="es-CL" dirty="0"/>
-              <a:t> ¿Como demostramos que merge es correcto?</a:t>
+              <a:t> ¿Cómo demostramos que </a:t>
+            </a:r>
+            <a:r>
+              <a:rPr lang="es-CL" i="1" dirty="0"/>
+              <a:t>merge</a:t>
+            </a:r>
+            <a:r>
+              <a:rPr lang="es-CL" dirty="0"/>
+              <a:t> es correcto?</a:t>
             </a:r>
           </a:p>
           <a:p>
@@ -35068,6 +35889,49 @@
             <a:r>
               <a:rPr lang="es-CL" dirty="0"/>
               <a:t>¿Cuál es su complejidad?</a:t>
+            </a:r>
+          </a:p>
+          <a:p>
+            <a:pPr>
+              <a:lnSpc>
+                <a:spcPct val="100000"/>
+              </a:lnSpc>
+            </a:pPr>
+            <a:endParaRPr lang="es-CL" dirty="0"/>
+          </a:p>
+          <a:p>
+            <a:pPr>
+              <a:lnSpc>
+                <a:spcPct val="100000"/>
+              </a:lnSpc>
+            </a:pPr>
+            <a:r>
+              <a:rPr lang="es-CL" sz="2000" dirty="0"/>
+              <a:t>( en principio, </a:t>
+            </a:r>
+            <a:r>
+              <a:rPr lang="es-CL" sz="2000" i="1" dirty="0"/>
+              <a:t>merge</a:t>
+            </a:r>
+            <a:r>
+              <a:rPr lang="es-CL" sz="2000" dirty="0"/>
+              <a:t> se podría ejecutar in place, pero, como se puede deducir de la figura anterior, esto requeriría desplazar la secuencia </a:t>
+            </a:r>
+            <a:r>
+              <a:rPr lang="es-CL" sz="2000" i="1" dirty="0"/>
+              <a:t>A</a:t>
+            </a:r>
+            <a:r>
+              <a:rPr lang="es-CL" sz="2000" dirty="0"/>
+              <a:t> un lugar hacia abajo cada vez que se saca un elemento de la secuencia </a:t>
+            </a:r>
+            <a:r>
+              <a:rPr lang="es-CL" sz="2000" i="1" dirty="0"/>
+              <a:t>B</a:t>
+            </a:r>
+            <a:r>
+              <a:rPr lang="es-CL" sz="2000" dirty="0"/>
+              <a:t> )</a:t>
             </a:r>
           </a:p>
         </p:txBody>
